--- a/Autonomous Wheelchair using Structured Light.pptx
+++ b/Autonomous Wheelchair using Structured Light.pptx
@@ -15,13 +15,13 @@
     <p:sldId id="261" r:id="rId6"/>
     <p:sldId id="262" r:id="rId7"/>
     <p:sldId id="263" r:id="rId8"/>
-    <p:sldId id="264" r:id="rId9"/>
-    <p:sldId id="265" r:id="rId10"/>
+    <p:sldId id="265" r:id="rId9"/>
+    <p:sldId id="275" r:id="rId10"/>
     <p:sldId id="269" r:id="rId11"/>
     <p:sldId id="266" r:id="rId12"/>
     <p:sldId id="271" r:id="rId13"/>
     <p:sldId id="267" r:id="rId14"/>
-    <p:sldId id="270" r:id="rId15"/>
+    <p:sldId id="274" r:id="rId15"/>
     <p:sldId id="268" r:id="rId16"/>
     <p:sldId id="272" r:id="rId17"/>
     <p:sldId id="273" r:id="rId18"/>
@@ -545,7 +545,7 @@
           <a:p>
             <a:fld id="{9E6D6E69-4347-40FE-8043-2CC6727466E7}" type="slidenum">
               <a:rPr lang="en-GB" smtClean="0"/>
-              <a:t>9</a:t>
+              <a:t>8</a:t>
             </a:fld>
             <a:endParaRPr lang="en-GB"/>
           </a:p>
@@ -4181,7 +4181,7 @@
       </p:grpSpPr>
       <p:sp>
         <p:nvSpPr>
-          <p:cNvPr id="2" name="Title 1"/>
+          <p:cNvPr id="4" name="Title 3"/>
           <p:cNvSpPr>
             <a:spLocks noGrp="1"/>
           </p:cNvSpPr>
@@ -4198,49 +4198,172 @@
           <a:p>
             <a:r>
               <a:rPr lang="en-GB" dirty="0" smtClean="0"/>
-              <a:t>For Your Information – A* (A Star) </a:t>
+              <a:t>For Your Information – A* (A Star) Search Algorithm</a:t>
+            </a:r>
+            <a:endParaRPr lang="en-GB" dirty="0"/>
+          </a:p>
+        </p:txBody>
+      </p:sp>
+      <p:pic>
+        <p:nvPicPr>
+          <p:cNvPr id="6" name="Content Placeholder 5"/>
+          <p:cNvPicPr>
+            <a:picLocks noGrp="1" noChangeAspect="1"/>
+          </p:cNvPicPr>
+          <p:nvPr>
+            <p:ph sz="half" idx="1"/>
+          </p:nvPr>
+        </p:nvPicPr>
+        <p:blipFill>
+          <a:blip r:embed="rId2">
+            <a:extLst>
+              <a:ext uri="{28A0092B-C50C-407E-A947-70E740481C1C}">
+                <a14:useLocalDpi xmlns:a14="http://schemas.microsoft.com/office/drawing/2010/main" val="0"/>
+              </a:ext>
+            </a:extLst>
+          </a:blip>
+          <a:stretch>
+            <a:fillRect/>
+          </a:stretch>
+        </p:blipFill>
+        <p:spPr>
+          <a:xfrm>
+            <a:off x="5652120" y="2204864"/>
+            <a:ext cx="2736304" cy="2736304"/>
+          </a:xfrm>
+        </p:spPr>
+      </p:pic>
+      <p:sp>
+        <p:nvSpPr>
+          <p:cNvPr id="8" name="Content Placeholder 7"/>
+          <p:cNvSpPr>
+            <a:spLocks noGrp="1"/>
+          </p:cNvSpPr>
+          <p:nvPr>
+            <p:ph sz="half" idx="2"/>
+          </p:nvPr>
+        </p:nvSpPr>
+        <p:spPr>
+          <a:xfrm>
+            <a:off x="539552" y="1556792"/>
+            <a:ext cx="4968552" cy="4536504"/>
+          </a:xfrm>
+        </p:spPr>
+        <p:txBody>
+          <a:bodyPr>
+            <a:normAutofit fontScale="92500" lnSpcReduction="10000"/>
+          </a:bodyPr>
+          <a:lstStyle/>
+          <a:p>
+            <a:r>
+              <a:rPr lang="en-GB" dirty="0" smtClean="0"/>
+              <a:t>Faster extension of </a:t>
             </a:r>
             <a:r>
               <a:rPr lang="en-GB" dirty="0" err="1" smtClean="0"/>
-              <a:t>Pathfinding</a:t>
-            </a:r>
-            <a:r>
-              <a:rPr lang="en-GB" dirty="0" smtClean="0"/>
-              <a:t> Algorithm</a:t>
+              <a:t>Dijkstra's</a:t>
+            </a:r>
+            <a:r>
+              <a:rPr lang="en-GB" dirty="0" smtClean="0"/>
+              <a:t> algorithm</a:t>
+            </a:r>
+          </a:p>
+          <a:p>
+            <a:r>
+              <a:rPr lang="en-GB" dirty="0" smtClean="0"/>
+              <a:t>Space represented as 2D array with each cell either passable or impassable</a:t>
+            </a:r>
+          </a:p>
+          <a:p>
+            <a:r>
+              <a:rPr lang="en-GB" dirty="0" smtClean="0"/>
+              <a:t>Uses a distance-plus-cost function to determine which nodes to search next:</a:t>
+            </a:r>
+          </a:p>
+          <a:p>
+            <a:pPr lvl="1"/>
+            <a:r>
+              <a:rPr lang="en-GB" dirty="0" smtClean="0"/>
+              <a:t>Function of cost  from start cell to current cell</a:t>
+            </a:r>
+          </a:p>
+          <a:p>
+            <a:pPr lvl="1"/>
+            <a:r>
+              <a:rPr lang="en-GB" dirty="0" smtClean="0"/>
+              <a:t>Plus estimated distance from current cell to finish</a:t>
             </a:r>
             <a:endParaRPr lang="en-GB" dirty="0"/>
           </a:p>
-        </p:txBody>
-      </p:sp>
-      <p:sp>
-        <p:nvSpPr>
-          <p:cNvPr id="3" name="Content Placeholder 2"/>
-          <p:cNvSpPr>
-            <a:spLocks noGrp="1"/>
-          </p:cNvSpPr>
-          <p:nvPr>
-            <p:ph idx="1"/>
-          </p:nvPr>
-        </p:nvSpPr>
-        <p:spPr/>
-        <p:txBody>
-          <a:bodyPr/>
-          <a:lstStyle/>
+          <a:p>
+            <a:endParaRPr lang="en-GB" dirty="0" smtClean="0"/>
+          </a:p>
           <a:p>
             <a:endParaRPr lang="en-GB" dirty="0"/>
+          </a:p>
+        </p:txBody>
+      </p:sp>
+      <p:sp>
+        <p:nvSpPr>
+          <p:cNvPr id="7" name="TextBox 6"/>
+          <p:cNvSpPr txBox="1"/>
+          <p:nvPr/>
+        </p:nvSpPr>
+        <p:spPr>
+          <a:xfrm>
+            <a:off x="5035118" y="6529911"/>
+            <a:ext cx="4108882" cy="276999"/>
+          </a:xfrm>
+          <a:prstGeom prst="rect">
+            <a:avLst/>
+          </a:prstGeom>
+          <a:noFill/>
+        </p:spPr>
+        <p:txBody>
+          <a:bodyPr wrap="none" rtlCol="0">
+            <a:spAutoFit/>
+          </a:bodyPr>
+          <a:lstStyle/>
+          <a:p>
+            <a:r>
+              <a:rPr lang="en-GB" sz="1200" dirty="0" smtClean="0">
+                <a:solidFill>
+                  <a:schemeClr val="tx1">
+                    <a:lumMod val="50000"/>
+                    <a:lumOff val="50000"/>
+                  </a:schemeClr>
+                </a:solidFill>
+              </a:rPr>
+              <a:t>http://en.wikipedia.org/wiki/File:Astar_progress_animation.gif</a:t>
+            </a:r>
+            <a:endParaRPr lang="en-GB" sz="1200" dirty="0">
+              <a:solidFill>
+                <a:schemeClr val="tx1">
+                  <a:lumMod val="50000"/>
+                  <a:lumOff val="50000"/>
+                </a:schemeClr>
+              </a:solidFill>
+            </a:endParaRPr>
           </a:p>
         </p:txBody>
       </p:sp>
     </p:spTree>
     <p:extLst>
       <p:ext uri="{BB962C8B-B14F-4D97-AF65-F5344CB8AC3E}">
-        <p14:creationId xmlns:p14="http://schemas.microsoft.com/office/powerpoint/2010/main" val="4237043840"/>
+        <p14:creationId xmlns:p14="http://schemas.microsoft.com/office/powerpoint/2010/main" val="2851810272"/>
       </p:ext>
     </p:extLst>
   </p:cSld>
   <p:clrMapOvr>
     <a:masterClrMapping/>
   </p:clrMapOvr>
+  <p:timing>
+    <p:tnLst>
+      <p:par>
+        <p:cTn id="1" dur="indefinite" restart="never" nodeType="tmRoot"/>
+      </p:par>
+    </p:tnLst>
+  </p:timing>
 </p:sld>
 </file>
 
@@ -5716,78 +5839,6 @@
           <a:p>
             <a:r>
               <a:rPr lang="en-GB" dirty="0" smtClean="0"/>
-              <a:t>3D Point Cloud – Voxel Grid</a:t>
-            </a:r>
-            <a:endParaRPr lang="en-GB" dirty="0"/>
-          </a:p>
-        </p:txBody>
-      </p:sp>
-      <p:sp>
-        <p:nvSpPr>
-          <p:cNvPr id="3" name="Content Placeholder 2"/>
-          <p:cNvSpPr>
-            <a:spLocks noGrp="1"/>
-          </p:cNvSpPr>
-          <p:nvPr>
-            <p:ph idx="1"/>
-          </p:nvPr>
-        </p:nvSpPr>
-        <p:spPr/>
-        <p:txBody>
-          <a:bodyPr/>
-          <a:lstStyle/>
-          <a:p>
-            <a:endParaRPr lang="en-GB"/>
-          </a:p>
-        </p:txBody>
-      </p:sp>
-    </p:spTree>
-    <p:extLst>
-      <p:ext uri="{BB962C8B-B14F-4D97-AF65-F5344CB8AC3E}">
-        <p14:creationId xmlns:p14="http://schemas.microsoft.com/office/powerpoint/2010/main" val="4078062475"/>
-      </p:ext>
-    </p:extLst>
-  </p:cSld>
-  <p:clrMapOvr>
-    <a:masterClrMapping/>
-  </p:clrMapOvr>
-</p:sld>
-</file>
-
-<file path=ppt/slides/slide9.xml><?xml version="1.0" encoding="utf-8"?>
-<p:sld xmlns:a="http://schemas.openxmlformats.org/drawingml/2006/main" xmlns:r="http://schemas.openxmlformats.org/officeDocument/2006/relationships" xmlns:p="http://schemas.openxmlformats.org/presentationml/2006/main">
-  <p:cSld>
-    <p:spTree>
-      <p:nvGrpSpPr>
-        <p:cNvPr id="1" name=""/>
-        <p:cNvGrpSpPr/>
-        <p:nvPr/>
-      </p:nvGrpSpPr>
-      <p:grpSpPr>
-        <a:xfrm>
-          <a:off x="0" y="0"/>
-          <a:ext cx="0" cy="0"/>
-          <a:chOff x="0" y="0"/>
-          <a:chExt cx="0" cy="0"/>
-        </a:xfrm>
-      </p:grpSpPr>
-      <p:sp>
-        <p:nvSpPr>
-          <p:cNvPr id="2" name="Title 1"/>
-          <p:cNvSpPr>
-            <a:spLocks noGrp="1"/>
-          </p:cNvSpPr>
-          <p:nvPr>
-            <p:ph type="title"/>
-          </p:nvPr>
-        </p:nvSpPr>
-        <p:spPr/>
-        <p:txBody>
-          <a:bodyPr/>
-          <a:lstStyle/>
-          <a:p>
-            <a:r>
-              <a:rPr lang="en-GB" dirty="0" smtClean="0"/>
               <a:t>3D Point Cloud – Floor Detection</a:t>
             </a:r>
             <a:endParaRPr lang="en-GB" dirty="0"/>
@@ -5908,6 +5959,305 @@
   <p:clrMapOvr>
     <a:masterClrMapping/>
   </p:clrMapOvr>
+</p:sld>
+</file>
+
+<file path=ppt/slides/slide9.xml><?xml version="1.0" encoding="utf-8"?>
+<p:sld xmlns:a="http://schemas.openxmlformats.org/drawingml/2006/main" xmlns:r="http://schemas.openxmlformats.org/officeDocument/2006/relationships" xmlns:p="http://schemas.openxmlformats.org/presentationml/2006/main">
+  <p:cSld>
+    <p:spTree>
+      <p:nvGrpSpPr>
+        <p:cNvPr id="1" name=""/>
+        <p:cNvGrpSpPr/>
+        <p:nvPr/>
+      </p:nvGrpSpPr>
+      <p:grpSpPr>
+        <a:xfrm>
+          <a:off x="0" y="0"/>
+          <a:ext cx="0" cy="0"/>
+          <a:chOff x="0" y="0"/>
+          <a:chExt cx="0" cy="0"/>
+        </a:xfrm>
+      </p:grpSpPr>
+      <p:sp>
+        <p:nvSpPr>
+          <p:cNvPr id="2" name="Title 1"/>
+          <p:cNvSpPr>
+            <a:spLocks noGrp="1"/>
+          </p:cNvSpPr>
+          <p:nvPr>
+            <p:ph type="title"/>
+          </p:nvPr>
+        </p:nvSpPr>
+        <p:spPr/>
+        <p:txBody>
+          <a:bodyPr>
+            <a:normAutofit fontScale="90000"/>
+          </a:bodyPr>
+          <a:lstStyle/>
+          <a:p>
+            <a:r>
+              <a:rPr lang="en-GB" dirty="0" smtClean="0"/>
+              <a:t>3D Point Cloud - Voxel Grid </a:t>
+            </a:r>
+            <a:r>
+              <a:rPr lang="en-GB" dirty="0" err="1" smtClean="0"/>
+              <a:t>Downsampling</a:t>
+            </a:r>
+            <a:r>
+              <a:rPr lang="en-GB" dirty="0" smtClean="0"/>
+              <a:t> </a:t>
+            </a:r>
+            <a:endParaRPr lang="en-GB" dirty="0"/>
+          </a:p>
+        </p:txBody>
+      </p:sp>
+      <p:sp>
+        <p:nvSpPr>
+          <p:cNvPr id="3" name="Content Placeholder 2"/>
+          <p:cNvSpPr>
+            <a:spLocks noGrp="1"/>
+          </p:cNvSpPr>
+          <p:nvPr>
+            <p:ph sz="half" idx="1"/>
+          </p:nvPr>
+        </p:nvSpPr>
+        <p:spPr/>
+        <p:txBody>
+          <a:bodyPr>
+            <a:normAutofit fontScale="92500" lnSpcReduction="10000"/>
+          </a:bodyPr>
+          <a:lstStyle/>
+          <a:p>
+            <a:r>
+              <a:rPr lang="en-GB" dirty="0" smtClean="0"/>
+              <a:t>Reasons we </a:t>
+            </a:r>
+            <a:r>
+              <a:rPr lang="en-GB" dirty="0" err="1" smtClean="0"/>
+              <a:t>downsampled</a:t>
+            </a:r>
+            <a:r>
+              <a:rPr lang="en-GB" dirty="0" smtClean="0"/>
+              <a:t> in a uniform grid:</a:t>
+            </a:r>
+          </a:p>
+          <a:p>
+            <a:pPr lvl="1"/>
+            <a:r>
+              <a:rPr lang="en-GB" dirty="0" smtClean="0"/>
+              <a:t>Speed (too many points)</a:t>
+            </a:r>
+          </a:p>
+          <a:p>
+            <a:pPr lvl="1"/>
+            <a:r>
+              <a:rPr lang="en-GB" dirty="0" smtClean="0"/>
+              <a:t>Larger point density close to Kinect</a:t>
+            </a:r>
+          </a:p>
+          <a:p>
+            <a:r>
+              <a:rPr lang="en-GB" dirty="0" smtClean="0"/>
+              <a:t>PCL’s built in filter creates a 3D voxel grid over the point cloud data</a:t>
+            </a:r>
+          </a:p>
+          <a:p>
+            <a:pPr lvl="1"/>
+            <a:r>
+              <a:rPr lang="en-GB" dirty="0" err="1" smtClean="0"/>
+              <a:t>Downsamples</a:t>
+            </a:r>
+            <a:r>
+              <a:rPr lang="en-GB" dirty="0" smtClean="0"/>
+              <a:t> using centroids of all points in voxel</a:t>
+            </a:r>
+            <a:r>
+              <a:rPr lang="en-GB" baseline="30000" dirty="0" smtClean="0"/>
+              <a:t>[1]</a:t>
+            </a:r>
+          </a:p>
+          <a:p>
+            <a:pPr lvl="1"/>
+            <a:endParaRPr lang="en-GB" dirty="0" smtClean="0"/>
+          </a:p>
+        </p:txBody>
+      </p:sp>
+      <p:pic>
+        <p:nvPicPr>
+          <p:cNvPr id="2050" name="Picture 2" descr="H:\kinect-wheelchair\figures\003-RANSAC-ground-plane-detection.png"/>
+          <p:cNvPicPr>
+            <a:picLocks noChangeAspect="1" noChangeArrowheads="1"/>
+          </p:cNvPicPr>
+          <p:nvPr/>
+        </p:nvPicPr>
+        <p:blipFill>
+          <a:blip r:embed="rId2" cstate="print">
+            <a:extLst>
+              <a:ext uri="{28A0092B-C50C-407E-A947-70E740481C1C}">
+                <a14:useLocalDpi xmlns:a14="http://schemas.microsoft.com/office/drawing/2010/main" val="0"/>
+              </a:ext>
+            </a:extLst>
+          </a:blip>
+          <a:srcRect/>
+          <a:stretch>
+            <a:fillRect/>
+          </a:stretch>
+        </p:blipFill>
+        <p:spPr bwMode="auto">
+          <a:xfrm>
+            <a:off x="5220071" y="1484784"/>
+            <a:ext cx="3600401" cy="2167716"/>
+          </a:xfrm>
+          <a:prstGeom prst="rect">
+            <a:avLst/>
+          </a:prstGeom>
+          <a:noFill/>
+          <a:extLst>
+            <a:ext uri="{909E8E84-426E-40DD-AFC4-6F175D3DCCD1}">
+              <a14:hiddenFill xmlns:a14="http://schemas.microsoft.com/office/drawing/2010/main">
+                <a:solidFill>
+                  <a:srgbClr val="FFFFFF"/>
+                </a:solidFill>
+              </a14:hiddenFill>
+            </a:ext>
+          </a:extLst>
+        </p:spPr>
+      </p:pic>
+      <p:pic>
+        <p:nvPicPr>
+          <p:cNvPr id="2051" name="Picture 3" descr="H:\kinect-wheelchair\figures\004-voxel-downsampling.png"/>
+          <p:cNvPicPr>
+            <a:picLocks noChangeAspect="1" noChangeArrowheads="1"/>
+          </p:cNvPicPr>
+          <p:nvPr/>
+        </p:nvPicPr>
+        <p:blipFill>
+          <a:blip r:embed="rId3">
+            <a:extLst>
+              <a:ext uri="{BEBA8EAE-BF5A-486C-A8C5-ECC9F3942E4B}">
+                <a14:imgProps xmlns:a14="http://schemas.microsoft.com/office/drawing/2010/main">
+                  <a14:imgLayer r:embed="rId4">
+                    <a14:imgEffect>
+                      <a14:brightnessContrast bright="91000" contrast="100000"/>
+                    </a14:imgEffect>
+                  </a14:imgLayer>
+                </a14:imgProps>
+              </a:ext>
+              <a:ext uri="{28A0092B-C50C-407E-A947-70E740481C1C}">
+                <a14:useLocalDpi xmlns:a14="http://schemas.microsoft.com/office/drawing/2010/main" val="0"/>
+              </a:ext>
+            </a:extLst>
+          </a:blip>
+          <a:srcRect/>
+          <a:stretch>
+            <a:fillRect/>
+          </a:stretch>
+        </p:blipFill>
+        <p:spPr bwMode="auto">
+          <a:xfrm>
+            <a:off x="5220072" y="4092622"/>
+            <a:ext cx="3600400" cy="2288706"/>
+          </a:xfrm>
+          <a:prstGeom prst="rect">
+            <a:avLst/>
+          </a:prstGeom>
+          <a:noFill/>
+          <a:extLst>
+            <a:ext uri="{909E8E84-426E-40DD-AFC4-6F175D3DCCD1}">
+              <a14:hiddenFill xmlns:a14="http://schemas.microsoft.com/office/drawing/2010/main">
+                <a:solidFill>
+                  <a:srgbClr val="FFFFFF"/>
+                </a:solidFill>
+              </a14:hiddenFill>
+            </a:ext>
+          </a:extLst>
+        </p:spPr>
+      </p:pic>
+      <p:sp>
+        <p:nvSpPr>
+          <p:cNvPr id="5" name="Down Arrow 4"/>
+          <p:cNvSpPr/>
+          <p:nvPr/>
+        </p:nvSpPr>
+        <p:spPr>
+          <a:xfrm>
+            <a:off x="6660232" y="3429000"/>
+            <a:ext cx="576064" cy="864096"/>
+          </a:xfrm>
+          <a:prstGeom prst="downArrow">
+            <a:avLst/>
+          </a:prstGeom>
+        </p:spPr>
+        <p:style>
+          <a:lnRef idx="2">
+            <a:schemeClr val="dk1"/>
+          </a:lnRef>
+          <a:fillRef idx="1">
+            <a:schemeClr val="lt1"/>
+          </a:fillRef>
+          <a:effectRef idx="0">
+            <a:schemeClr val="dk1"/>
+          </a:effectRef>
+          <a:fontRef idx="minor">
+            <a:schemeClr val="dk1"/>
+          </a:fontRef>
+        </p:style>
+        <p:txBody>
+          <a:bodyPr rtlCol="0" anchor="ctr"/>
+          <a:lstStyle/>
+          <a:p>
+            <a:pPr algn="ctr"/>
+            <a:endParaRPr lang="en-GB"/>
+          </a:p>
+        </p:txBody>
+      </p:sp>
+      <p:sp>
+        <p:nvSpPr>
+          <p:cNvPr id="6" name="Rectangle 5"/>
+          <p:cNvSpPr/>
+          <p:nvPr/>
+        </p:nvSpPr>
+        <p:spPr>
+          <a:xfrm>
+            <a:off x="107504" y="6525344"/>
+            <a:ext cx="5004048" cy="276999"/>
+          </a:xfrm>
+          <a:prstGeom prst="rect">
+            <a:avLst/>
+          </a:prstGeom>
+        </p:spPr>
+        <p:txBody>
+          <a:bodyPr wrap="square">
+            <a:spAutoFit/>
+          </a:bodyPr>
+          <a:lstStyle/>
+          <a:p>
+            <a:r>
+              <a:rPr lang="en-GB" sz="1200" dirty="0" smtClean="0"/>
+              <a:t>[1] http://docs.pointclouds.org/trunk/classpcl_1_1_voxel_grid.html#_details</a:t>
+            </a:r>
+            <a:endParaRPr lang="en-GB" sz="1200" dirty="0"/>
+          </a:p>
+        </p:txBody>
+      </p:sp>
+    </p:spTree>
+    <p:extLst>
+      <p:ext uri="{BB962C8B-B14F-4D97-AF65-F5344CB8AC3E}">
+        <p14:creationId xmlns:p14="http://schemas.microsoft.com/office/powerpoint/2010/main" val="3142039948"/>
+      </p:ext>
+    </p:extLst>
+  </p:cSld>
+  <p:clrMapOvr>
+    <a:masterClrMapping/>
+  </p:clrMapOvr>
+  <p:timing>
+    <p:tnLst>
+      <p:par>
+        <p:cTn id="1" dur="indefinite" restart="never" nodeType="tmRoot"/>
+      </p:par>
+    </p:tnLst>
+  </p:timing>
 </p:sld>
 </file>
 

--- a/Autonomous Wheelchair using Structured Light.pptx
+++ b/Autonomous Wheelchair using Structured Light.pptx
@@ -5573,6 +5573,36 @@
           </a:p>
         </p:txBody>
       </p:sp>
+      <p:pic>
+        <p:nvPicPr>
+          <p:cNvPr id="4" name="Picture 3"/>
+          <p:cNvPicPr>
+            <a:picLocks noChangeAspect="1"/>
+          </p:cNvPicPr>
+          <p:nvPr/>
+        </p:nvPicPr>
+        <p:blipFill>
+          <a:blip r:embed="rId2">
+            <a:extLst>
+              <a:ext uri="{28A0092B-C50C-407E-A947-70E740481C1C}">
+                <a14:useLocalDpi xmlns:a14="http://schemas.microsoft.com/office/drawing/2010/main" val="0"/>
+              </a:ext>
+            </a:extLst>
+          </a:blip>
+          <a:stretch>
+            <a:fillRect/>
+          </a:stretch>
+        </p:blipFill>
+        <p:spPr>
+          <a:xfrm>
+            <a:off x="1763688" y="2708920"/>
+            <a:ext cx="5487259" cy="3622448"/>
+          </a:xfrm>
+          <a:prstGeom prst="rect">
+            <a:avLst/>
+          </a:prstGeom>
+        </p:spPr>
+      </p:pic>
     </p:spTree>
     <p:extLst>
       <p:ext uri="{BB962C8B-B14F-4D97-AF65-F5344CB8AC3E}">

--- a/Autonomous Wheelchair using Structured Light.pptx
+++ b/Autonomous Wheelchair using Structured Light.pptx
@@ -5,7 +5,7 @@
     <p:sldMasterId id="2147483648" r:id="rId1"/>
   </p:sldMasterIdLst>
   <p:notesMasterIdLst>
-    <p:notesMasterId r:id="rId19"/>
+    <p:notesMasterId r:id="rId26"/>
   </p:notesMasterIdLst>
   <p:sldIdLst>
     <p:sldId id="256" r:id="rId2"/>
@@ -14,17 +14,24 @@
     <p:sldId id="259" r:id="rId5"/>
     <p:sldId id="261" r:id="rId6"/>
     <p:sldId id="262" r:id="rId7"/>
-    <p:sldId id="263" r:id="rId8"/>
-    <p:sldId id="265" r:id="rId9"/>
-    <p:sldId id="275" r:id="rId10"/>
-    <p:sldId id="269" r:id="rId11"/>
-    <p:sldId id="266" r:id="rId12"/>
-    <p:sldId id="271" r:id="rId13"/>
-    <p:sldId id="267" r:id="rId14"/>
-    <p:sldId id="274" r:id="rId15"/>
-    <p:sldId id="268" r:id="rId16"/>
-    <p:sldId id="272" r:id="rId17"/>
-    <p:sldId id="273" r:id="rId18"/>
+    <p:sldId id="278" r:id="rId8"/>
+    <p:sldId id="284" r:id="rId9"/>
+    <p:sldId id="263" r:id="rId10"/>
+    <p:sldId id="279" r:id="rId11"/>
+    <p:sldId id="275" r:id="rId12"/>
+    <p:sldId id="286" r:id="rId13"/>
+    <p:sldId id="265" r:id="rId14"/>
+    <p:sldId id="285" r:id="rId15"/>
+    <p:sldId id="266" r:id="rId16"/>
+    <p:sldId id="287" r:id="rId17"/>
+    <p:sldId id="271" r:id="rId18"/>
+    <p:sldId id="288" r:id="rId19"/>
+    <p:sldId id="267" r:id="rId20"/>
+    <p:sldId id="274" r:id="rId21"/>
+    <p:sldId id="272" r:id="rId22"/>
+    <p:sldId id="277" r:id="rId23"/>
+    <p:sldId id="276" r:id="rId24"/>
+    <p:sldId id="273" r:id="rId25"/>
   </p:sldIdLst>
   <p:sldSz cx="9144000" cy="6858000" type="screen4x3"/>
   <p:notesSz cx="6858000" cy="9144000"/>
@@ -545,7 +552,7 @@
           <a:p>
             <a:fld id="{9E6D6E69-4347-40FE-8043-2CC6727466E7}" type="slidenum">
               <a:rPr lang="en-GB" smtClean="0"/>
-              <a:t>8</a:t>
+              <a:t>13</a:t>
             </a:fld>
             <a:endParaRPr lang="en-GB"/>
           </a:p>
@@ -3588,14 +3595,19 @@
         <p:spPr/>
         <p:txBody>
           <a:bodyPr>
-            <a:normAutofit fontScale="85000" lnSpcReduction="20000"/>
+            <a:normAutofit/>
           </a:bodyPr>
           <a:lstStyle/>
           <a:p>
             <a:r>
               <a:rPr lang="en-GB" dirty="0" smtClean="0"/>
-              <a:t>Michael Hodgson, </a:t>
-            </a:r>
+              <a:t>Michael </a:t>
+            </a:r>
+            <a:r>
+              <a:rPr lang="en-GB" dirty="0" smtClean="0"/>
+              <a:t>Hodgson</a:t>
+            </a:r>
+            <a:endParaRPr lang="en-GB" dirty="0" smtClean="0"/>
           </a:p>
           <a:p>
             <a:r>
@@ -3606,42 +3618,7 @@
               <a:rPr lang="en-GB" dirty="0" err="1" smtClean="0"/>
               <a:t>Charlesworth</a:t>
             </a:r>
-            <a:r>
-              <a:rPr lang="en-GB" dirty="0" smtClean="0"/>
-              <a:t>, </a:t>
-            </a:r>
-          </a:p>
-          <a:p>
-            <a:r>
-              <a:rPr lang="en-GB" dirty="0" err="1" smtClean="0"/>
-              <a:t>Adham</a:t>
-            </a:r>
-            <a:r>
-              <a:rPr lang="en-GB" dirty="0" smtClean="0"/>
-              <a:t> </a:t>
-            </a:r>
-            <a:r>
-              <a:rPr lang="en-GB" dirty="0" err="1" smtClean="0"/>
-              <a:t>Beyki</a:t>
-            </a:r>
-            <a:r>
-              <a:rPr lang="en-GB" dirty="0" smtClean="0"/>
-              <a:t> and </a:t>
-            </a:r>
-          </a:p>
-          <a:p>
-            <a:r>
-              <a:rPr lang="en-GB" dirty="0" smtClean="0"/>
-              <a:t>Mahdi </a:t>
-            </a:r>
-            <a:r>
-              <a:rPr lang="en-GB" dirty="0" err="1" smtClean="0"/>
-              <a:t>Naddaf</a:t>
-            </a:r>
             <a:endParaRPr lang="en-GB" dirty="0" smtClean="0"/>
-          </a:p>
-          <a:p>
-            <a:endParaRPr lang="en-GB" dirty="0"/>
           </a:p>
         </p:txBody>
       </p:sp>
@@ -3655,6 +3632,13 @@
   <p:clrMapOvr>
     <a:masterClrMapping/>
   </p:clrMapOvr>
+  <p:timing>
+    <p:tnLst>
+      <p:par>
+        <p:cTn id="1" dur="indefinite" restart="never" nodeType="tmRoot"/>
+      </p:par>
+    </p:tnLst>
+  </p:timing>
 </p:sld>
 </file>
 
@@ -3692,7 +3676,7 @@
           <a:p>
             <a:r>
               <a:rPr lang="en-GB" dirty="0" smtClean="0"/>
-              <a:t>For Your Information - RANSAC</a:t>
+              <a:t>3D Point Cloud</a:t>
             </a:r>
             <a:endParaRPr lang="en-GB" dirty="0"/>
           </a:p>
@@ -3700,33 +3684,510 @@
       </p:sp>
       <p:sp>
         <p:nvSpPr>
-          <p:cNvPr id="3" name="Content Placeholder 2"/>
-          <p:cNvSpPr>
-            <a:spLocks noGrp="1"/>
-          </p:cNvSpPr>
-          <p:nvPr>
-            <p:ph idx="1"/>
-          </p:nvPr>
-        </p:nvSpPr>
-        <p:spPr/>
-        <p:txBody>
-          <a:bodyPr/>
-          <a:lstStyle/>
-          <a:p>
+          <p:cNvPr id="4" name="Rounded Rectangle 3"/>
+          <p:cNvSpPr/>
+          <p:nvPr/>
+        </p:nvSpPr>
+        <p:spPr>
+          <a:xfrm>
+            <a:off x="3707904" y="1484784"/>
+            <a:ext cx="1224136" cy="576064"/>
+          </a:xfrm>
+          <a:prstGeom prst="roundRect">
+            <a:avLst/>
+          </a:prstGeom>
+          <a:solidFill>
+            <a:schemeClr val="accent1">
+              <a:lumMod val="40000"/>
+              <a:lumOff val="60000"/>
+            </a:schemeClr>
+          </a:solidFill>
+        </p:spPr>
+        <p:style>
+          <a:lnRef idx="2">
+            <a:schemeClr val="accent1">
+              <a:shade val="50000"/>
+            </a:schemeClr>
+          </a:lnRef>
+          <a:fillRef idx="1">
+            <a:schemeClr val="accent1"/>
+          </a:fillRef>
+          <a:effectRef idx="0">
+            <a:schemeClr val="accent1"/>
+          </a:effectRef>
+          <a:fontRef idx="minor">
+            <a:schemeClr val="lt1"/>
+          </a:fontRef>
+        </p:style>
+        <p:txBody>
+          <a:bodyPr rtlCol="0" anchor="ctr"/>
+          <a:lstStyle/>
+          <a:p>
+            <a:pPr algn="ctr"/>
+            <a:r>
+              <a:rPr lang="en-GB" dirty="0" smtClean="0"/>
+              <a:t>Point Cloud</a:t>
+            </a:r>
             <a:endParaRPr lang="en-GB" dirty="0"/>
           </a:p>
         </p:txBody>
       </p:sp>
+      <p:sp>
+        <p:nvSpPr>
+          <p:cNvPr id="5" name="Rounded Rectangle 4"/>
+          <p:cNvSpPr/>
+          <p:nvPr/>
+        </p:nvSpPr>
+        <p:spPr>
+          <a:xfrm>
+            <a:off x="3707904" y="2547525"/>
+            <a:ext cx="1224136" cy="576064"/>
+          </a:xfrm>
+          <a:prstGeom prst="roundRect">
+            <a:avLst/>
+          </a:prstGeom>
+        </p:spPr>
+        <p:style>
+          <a:lnRef idx="2">
+            <a:schemeClr val="accent2">
+              <a:shade val="50000"/>
+            </a:schemeClr>
+          </a:lnRef>
+          <a:fillRef idx="1">
+            <a:schemeClr val="accent2"/>
+          </a:fillRef>
+          <a:effectRef idx="0">
+            <a:schemeClr val="accent2"/>
+          </a:effectRef>
+          <a:fontRef idx="minor">
+            <a:schemeClr val="lt1"/>
+          </a:fontRef>
+        </p:style>
+        <p:txBody>
+          <a:bodyPr rtlCol="0" anchor="ctr"/>
+          <a:lstStyle/>
+          <a:p>
+            <a:pPr algn="ctr"/>
+            <a:r>
+              <a:rPr lang="en-GB" dirty="0" smtClean="0"/>
+              <a:t>Voxel</a:t>
+            </a:r>
+            <a:endParaRPr lang="en-GB" dirty="0"/>
+          </a:p>
+        </p:txBody>
+      </p:sp>
+      <p:sp>
+        <p:nvSpPr>
+          <p:cNvPr id="6" name="Rounded Rectangle 5"/>
+          <p:cNvSpPr/>
+          <p:nvPr/>
+        </p:nvSpPr>
+        <p:spPr>
+          <a:xfrm>
+            <a:off x="3707904" y="3638811"/>
+            <a:ext cx="1224136" cy="576064"/>
+          </a:xfrm>
+          <a:prstGeom prst="roundRect">
+            <a:avLst/>
+          </a:prstGeom>
+          <a:solidFill>
+            <a:schemeClr val="accent3">
+              <a:lumMod val="40000"/>
+              <a:lumOff val="60000"/>
+            </a:schemeClr>
+          </a:solidFill>
+        </p:spPr>
+        <p:style>
+          <a:lnRef idx="2">
+            <a:schemeClr val="accent3">
+              <a:shade val="50000"/>
+            </a:schemeClr>
+          </a:lnRef>
+          <a:fillRef idx="1">
+            <a:schemeClr val="accent3"/>
+          </a:fillRef>
+          <a:effectRef idx="0">
+            <a:schemeClr val="accent3"/>
+          </a:effectRef>
+          <a:fontRef idx="minor">
+            <a:schemeClr val="lt1"/>
+          </a:fontRef>
+        </p:style>
+        <p:txBody>
+          <a:bodyPr rtlCol="0" anchor="ctr"/>
+          <a:lstStyle/>
+          <a:p>
+            <a:pPr algn="ctr"/>
+            <a:r>
+              <a:rPr lang="en-GB" dirty="0" smtClean="0"/>
+              <a:t>Floor Detection</a:t>
+            </a:r>
+            <a:endParaRPr lang="en-GB" dirty="0"/>
+          </a:p>
+        </p:txBody>
+      </p:sp>
+      <p:sp>
+        <p:nvSpPr>
+          <p:cNvPr id="7" name="Rounded Rectangle 6"/>
+          <p:cNvSpPr/>
+          <p:nvPr/>
+        </p:nvSpPr>
+        <p:spPr>
+          <a:xfrm>
+            <a:off x="5148087" y="4725144"/>
+            <a:ext cx="1314453" cy="576064"/>
+          </a:xfrm>
+          <a:prstGeom prst="roundRect">
+            <a:avLst/>
+          </a:prstGeom>
+          <a:solidFill>
+            <a:schemeClr val="accent5">
+              <a:lumMod val="40000"/>
+              <a:lumOff val="60000"/>
+            </a:schemeClr>
+          </a:solidFill>
+        </p:spPr>
+        <p:style>
+          <a:lnRef idx="2">
+            <a:schemeClr val="accent5">
+              <a:shade val="50000"/>
+            </a:schemeClr>
+          </a:lnRef>
+          <a:fillRef idx="1">
+            <a:schemeClr val="accent5"/>
+          </a:fillRef>
+          <a:effectRef idx="0">
+            <a:schemeClr val="accent5"/>
+          </a:effectRef>
+          <a:fontRef idx="minor">
+            <a:schemeClr val="lt1"/>
+          </a:fontRef>
+        </p:style>
+        <p:txBody>
+          <a:bodyPr rtlCol="0" anchor="ctr"/>
+          <a:lstStyle/>
+          <a:p>
+            <a:pPr algn="ctr"/>
+            <a:r>
+              <a:rPr lang="en-GB" dirty="0" smtClean="0"/>
+              <a:t>Occupancy Map</a:t>
+            </a:r>
+            <a:endParaRPr lang="en-GB" dirty="0"/>
+          </a:p>
+        </p:txBody>
+      </p:sp>
+      <p:sp>
+        <p:nvSpPr>
+          <p:cNvPr id="8" name="Rounded Rectangle 7"/>
+          <p:cNvSpPr/>
+          <p:nvPr/>
+        </p:nvSpPr>
+        <p:spPr>
+          <a:xfrm>
+            <a:off x="2267744" y="4725144"/>
+            <a:ext cx="1224136" cy="576064"/>
+          </a:xfrm>
+          <a:prstGeom prst="roundRect">
+            <a:avLst/>
+          </a:prstGeom>
+          <a:solidFill>
+            <a:schemeClr val="accent4">
+              <a:lumMod val="40000"/>
+              <a:lumOff val="60000"/>
+            </a:schemeClr>
+          </a:solidFill>
+        </p:spPr>
+        <p:style>
+          <a:lnRef idx="2">
+            <a:schemeClr val="accent4">
+              <a:shade val="50000"/>
+            </a:schemeClr>
+          </a:lnRef>
+          <a:fillRef idx="1">
+            <a:schemeClr val="accent4"/>
+          </a:fillRef>
+          <a:effectRef idx="0">
+            <a:schemeClr val="accent4"/>
+          </a:effectRef>
+          <a:fontRef idx="minor">
+            <a:schemeClr val="lt1"/>
+          </a:fontRef>
+        </p:style>
+        <p:txBody>
+          <a:bodyPr rtlCol="0" anchor="ctr"/>
+          <a:lstStyle/>
+          <a:p>
+            <a:pPr algn="ctr"/>
+            <a:r>
+              <a:rPr lang="en-GB" dirty="0" smtClean="0"/>
+              <a:t>Clear Direction</a:t>
+            </a:r>
+            <a:endParaRPr lang="en-GB" dirty="0"/>
+          </a:p>
+        </p:txBody>
+      </p:sp>
+      <p:sp>
+        <p:nvSpPr>
+          <p:cNvPr id="10" name="Rounded Rectangle 9"/>
+          <p:cNvSpPr/>
+          <p:nvPr/>
+        </p:nvSpPr>
+        <p:spPr>
+          <a:xfrm>
+            <a:off x="5148087" y="5733256"/>
+            <a:ext cx="1314453" cy="576064"/>
+          </a:xfrm>
+          <a:prstGeom prst="roundRect">
+            <a:avLst/>
+          </a:prstGeom>
+          <a:solidFill>
+            <a:schemeClr val="accent6">
+              <a:lumMod val="40000"/>
+              <a:lumOff val="60000"/>
+            </a:schemeClr>
+          </a:solidFill>
+        </p:spPr>
+        <p:style>
+          <a:lnRef idx="2">
+            <a:schemeClr val="accent6">
+              <a:shade val="50000"/>
+            </a:schemeClr>
+          </a:lnRef>
+          <a:fillRef idx="1">
+            <a:schemeClr val="accent6"/>
+          </a:fillRef>
+          <a:effectRef idx="0">
+            <a:schemeClr val="accent6"/>
+          </a:effectRef>
+          <a:fontRef idx="minor">
+            <a:schemeClr val="lt1"/>
+          </a:fontRef>
+        </p:style>
+        <p:txBody>
+          <a:bodyPr rtlCol="0" anchor="ctr"/>
+          <a:lstStyle/>
+          <a:p>
+            <a:pPr algn="ctr"/>
+            <a:r>
+              <a:rPr lang="en-GB" dirty="0" err="1" smtClean="0"/>
+              <a:t>Pathfinding</a:t>
+            </a:r>
+            <a:endParaRPr lang="en-GB" dirty="0"/>
+          </a:p>
+        </p:txBody>
+      </p:sp>
+      <p:cxnSp>
+        <p:nvCxnSpPr>
+          <p:cNvPr id="12" name="Straight Arrow Connector 11"/>
+          <p:cNvCxnSpPr>
+            <a:stCxn id="4" idx="2"/>
+            <a:endCxn id="5" idx="0"/>
+          </p:cNvCxnSpPr>
+          <p:nvPr/>
+        </p:nvCxnSpPr>
+        <p:spPr>
+          <a:xfrm>
+            <a:off x="4319972" y="2060848"/>
+            <a:ext cx="0" cy="486677"/>
+          </a:xfrm>
+          <a:prstGeom prst="straightConnector1">
+            <a:avLst/>
+          </a:prstGeom>
+          <a:ln w="38100">
+            <a:solidFill>
+              <a:schemeClr val="tx1"/>
+            </a:solidFill>
+            <a:tailEnd type="arrow"/>
+          </a:ln>
+        </p:spPr>
+        <p:style>
+          <a:lnRef idx="1">
+            <a:schemeClr val="accent1"/>
+          </a:lnRef>
+          <a:fillRef idx="0">
+            <a:schemeClr val="accent1"/>
+          </a:fillRef>
+          <a:effectRef idx="0">
+            <a:schemeClr val="accent1"/>
+          </a:effectRef>
+          <a:fontRef idx="minor">
+            <a:schemeClr val="tx1"/>
+          </a:fontRef>
+        </p:style>
+      </p:cxnSp>
+      <p:cxnSp>
+        <p:nvCxnSpPr>
+          <p:cNvPr id="15" name="Straight Arrow Connector 14"/>
+          <p:cNvCxnSpPr>
+            <a:stCxn id="5" idx="2"/>
+            <a:endCxn id="6" idx="0"/>
+          </p:cNvCxnSpPr>
+          <p:nvPr/>
+        </p:nvCxnSpPr>
+        <p:spPr>
+          <a:xfrm>
+            <a:off x="4319972" y="3123589"/>
+            <a:ext cx="0" cy="515222"/>
+          </a:xfrm>
+          <a:prstGeom prst="straightConnector1">
+            <a:avLst/>
+          </a:prstGeom>
+          <a:ln w="38100">
+            <a:solidFill>
+              <a:schemeClr val="tx1"/>
+            </a:solidFill>
+            <a:tailEnd type="arrow"/>
+          </a:ln>
+        </p:spPr>
+        <p:style>
+          <a:lnRef idx="1">
+            <a:schemeClr val="accent1"/>
+          </a:lnRef>
+          <a:fillRef idx="0">
+            <a:schemeClr val="accent1"/>
+          </a:fillRef>
+          <a:effectRef idx="0">
+            <a:schemeClr val="accent1"/>
+          </a:effectRef>
+          <a:fontRef idx="minor">
+            <a:schemeClr val="tx1"/>
+          </a:fontRef>
+        </p:style>
+      </p:cxnSp>
+      <p:cxnSp>
+        <p:nvCxnSpPr>
+          <p:cNvPr id="18" name="Elbow Connector 17"/>
+          <p:cNvCxnSpPr>
+            <a:stCxn id="6" idx="2"/>
+            <a:endCxn id="8" idx="0"/>
+          </p:cNvCxnSpPr>
+          <p:nvPr/>
+        </p:nvCxnSpPr>
+        <p:spPr>
+          <a:xfrm rot="5400000">
+            <a:off x="3344758" y="3749929"/>
+            <a:ext cx="510269" cy="1440160"/>
+          </a:xfrm>
+          <a:prstGeom prst="bentConnector3">
+            <a:avLst/>
+          </a:prstGeom>
+          <a:ln w="38100">
+            <a:solidFill>
+              <a:schemeClr val="tx1"/>
+            </a:solidFill>
+            <a:tailEnd type="arrow"/>
+          </a:ln>
+        </p:spPr>
+        <p:style>
+          <a:lnRef idx="1">
+            <a:schemeClr val="accent1"/>
+          </a:lnRef>
+          <a:fillRef idx="0">
+            <a:schemeClr val="accent1"/>
+          </a:fillRef>
+          <a:effectRef idx="0">
+            <a:schemeClr val="accent1"/>
+          </a:effectRef>
+          <a:fontRef idx="minor">
+            <a:schemeClr val="tx1"/>
+          </a:fontRef>
+        </p:style>
+      </p:cxnSp>
+      <p:cxnSp>
+        <p:nvCxnSpPr>
+          <p:cNvPr id="20" name="Elbow Connector 19"/>
+          <p:cNvCxnSpPr>
+            <a:stCxn id="6" idx="2"/>
+            <a:endCxn id="7" idx="0"/>
+          </p:cNvCxnSpPr>
+          <p:nvPr/>
+        </p:nvCxnSpPr>
+        <p:spPr>
+          <a:xfrm rot="16200000" flipH="1">
+            <a:off x="4807509" y="3727338"/>
+            <a:ext cx="510269" cy="1485342"/>
+          </a:xfrm>
+          <a:prstGeom prst="bentConnector3">
+            <a:avLst/>
+          </a:prstGeom>
+          <a:ln w="38100">
+            <a:solidFill>
+              <a:schemeClr val="tx1"/>
+            </a:solidFill>
+            <a:tailEnd type="arrow"/>
+          </a:ln>
+        </p:spPr>
+        <p:style>
+          <a:lnRef idx="1">
+            <a:schemeClr val="accent1"/>
+          </a:lnRef>
+          <a:fillRef idx="0">
+            <a:schemeClr val="accent1"/>
+          </a:fillRef>
+          <a:effectRef idx="0">
+            <a:schemeClr val="accent1"/>
+          </a:effectRef>
+          <a:fontRef idx="minor">
+            <a:schemeClr val="tx1"/>
+          </a:fontRef>
+        </p:style>
+      </p:cxnSp>
+      <p:cxnSp>
+        <p:nvCxnSpPr>
+          <p:cNvPr id="22" name="Straight Arrow Connector 21"/>
+          <p:cNvCxnSpPr>
+            <a:stCxn id="7" idx="2"/>
+            <a:endCxn id="10" idx="0"/>
+          </p:cNvCxnSpPr>
+          <p:nvPr/>
+        </p:nvCxnSpPr>
+        <p:spPr>
+          <a:xfrm>
+            <a:off x="5805314" y="5301208"/>
+            <a:ext cx="0" cy="432048"/>
+          </a:xfrm>
+          <a:prstGeom prst="straightConnector1">
+            <a:avLst/>
+          </a:prstGeom>
+          <a:ln w="38100">
+            <a:solidFill>
+              <a:schemeClr val="tx1"/>
+            </a:solidFill>
+            <a:tailEnd type="arrow"/>
+          </a:ln>
+        </p:spPr>
+        <p:style>
+          <a:lnRef idx="1">
+            <a:schemeClr val="accent1"/>
+          </a:lnRef>
+          <a:fillRef idx="0">
+            <a:schemeClr val="accent1"/>
+          </a:fillRef>
+          <a:effectRef idx="0">
+            <a:schemeClr val="accent1"/>
+          </a:effectRef>
+          <a:fontRef idx="minor">
+            <a:schemeClr val="tx1"/>
+          </a:fontRef>
+        </p:style>
+      </p:cxnSp>
     </p:spTree>
     <p:extLst>
       <p:ext uri="{BB962C8B-B14F-4D97-AF65-F5344CB8AC3E}">
-        <p14:creationId xmlns:p14="http://schemas.microsoft.com/office/powerpoint/2010/main" val="3708241352"/>
+        <p14:creationId xmlns:p14="http://schemas.microsoft.com/office/powerpoint/2010/main" val="3879750876"/>
       </p:ext>
     </p:extLst>
   </p:cSld>
   <p:clrMapOvr>
     <a:masterClrMapping/>
   </p:clrMapOvr>
+  <p:timing>
+    <p:tnLst>
+      <p:par>
+        <p:cTn id="1" dur="indefinite" restart="never" nodeType="tmRoot"/>
+      </p:par>
+    </p:tnLst>
+  </p:timing>
 </p:sld>
 </file>
 
@@ -3757,14 +4218,42 @@
             <p:ph type="title"/>
           </p:nvPr>
         </p:nvSpPr>
-        <p:spPr/>
-        <p:txBody>
-          <a:bodyPr/>
-          <a:lstStyle/>
-          <a:p>
-            <a:r>
-              <a:rPr lang="en-GB" dirty="0" smtClean="0"/>
-              <a:t>3D Point Cloud – Clear Direction</a:t>
+        <p:spPr>
+          <a:solidFill>
+            <a:schemeClr val="accent2"/>
+          </a:solidFill>
+        </p:spPr>
+        <p:style>
+          <a:lnRef idx="2">
+            <a:schemeClr val="accent2"/>
+          </a:lnRef>
+          <a:fillRef idx="1">
+            <a:schemeClr val="lt1"/>
+          </a:fillRef>
+          <a:effectRef idx="0">
+            <a:schemeClr val="accent2"/>
+          </a:effectRef>
+          <a:fontRef idx="minor">
+            <a:schemeClr val="dk1"/>
+          </a:fontRef>
+        </p:style>
+        <p:txBody>
+          <a:bodyPr>
+            <a:normAutofit fontScale="90000"/>
+          </a:bodyPr>
+          <a:lstStyle/>
+          <a:p>
+            <a:r>
+              <a:rPr lang="en-GB" dirty="0" smtClean="0"/>
+              <a:t>3D Point Cloud - Voxel Grid </a:t>
+            </a:r>
+            <a:r>
+              <a:rPr lang="en-GB" dirty="0" err="1" smtClean="0"/>
+              <a:t>Downsampling</a:t>
+            </a:r>
+            <a:r>
+              <a:rPr lang="en-GB" dirty="0" smtClean="0"/>
+              <a:t> </a:t>
             </a:r>
             <a:endParaRPr lang="en-GB" dirty="0"/>
           </a:p>
@@ -3789,76 +4278,887 @@
           <a:p>
             <a:r>
               <a:rPr lang="en-GB" dirty="0" smtClean="0"/>
-              <a:t>Calculation of clear directions</a:t>
-            </a:r>
-          </a:p>
-          <a:p>
-            <a:r>
-              <a:rPr lang="en-GB" dirty="0" smtClean="0"/>
-              <a:t>Method:</a:t>
+              <a:t>Reasons we </a:t>
+            </a:r>
+            <a:r>
+              <a:rPr lang="en-GB" dirty="0" err="1" smtClean="0"/>
+              <a:t>downsampled</a:t>
+            </a:r>
+            <a:r>
+              <a:rPr lang="en-GB" dirty="0" smtClean="0"/>
+              <a:t> in a uniform grid:</a:t>
             </a:r>
           </a:p>
           <a:p>
             <a:pPr lvl="1"/>
             <a:r>
               <a:rPr lang="en-GB" dirty="0" smtClean="0"/>
-              <a:t>Box is swept across scene</a:t>
+              <a:t>Speed (too many points)</a:t>
             </a:r>
           </a:p>
           <a:p>
             <a:pPr lvl="1"/>
             <a:r>
               <a:rPr lang="en-GB" dirty="0" smtClean="0"/>
-              <a:t>Floor points and obstacle points within box counted</a:t>
+              <a:t>Larger point density close to Kinect</a:t>
+            </a:r>
+          </a:p>
+          <a:p>
+            <a:r>
+              <a:rPr lang="en-GB" dirty="0" smtClean="0"/>
+              <a:t>PCL’s built in filter creates a 3D voxel grid over the point cloud data</a:t>
             </a:r>
           </a:p>
           <a:p>
             <a:pPr lvl="1"/>
             <a:r>
-              <a:rPr lang="en-GB" dirty="0" smtClean="0"/>
-              <a:t>Boxes with floor points above a threshold and obstacle points below a threshold are marked as clear and displayed</a:t>
+              <a:rPr lang="en-GB" dirty="0" err="1" smtClean="0"/>
+              <a:t>Downsamples</a:t>
+            </a:r>
+            <a:r>
+              <a:rPr lang="en-GB" dirty="0" smtClean="0"/>
+              <a:t> using centroids of all points in voxel</a:t>
+            </a:r>
+            <a:r>
+              <a:rPr lang="en-GB" baseline="30000" dirty="0" smtClean="0"/>
+              <a:t>[1]</a:t>
             </a:r>
           </a:p>
           <a:p>
             <a:pPr lvl="1"/>
-            <a:r>
-              <a:rPr lang="en-GB" dirty="0" smtClean="0"/>
-              <a:t>Box length variable</a:t>
-            </a:r>
-            <a:endParaRPr lang="en-GB" dirty="0"/>
+            <a:endParaRPr lang="en-GB" dirty="0" smtClean="0"/>
           </a:p>
         </p:txBody>
       </p:sp>
       <p:pic>
         <p:nvPicPr>
-          <p:cNvPr id="5" name="Picture 4"/>
+          <p:cNvPr id="2050" name="Picture 2" descr="H:\kinect-wheelchair\figures\003-RANSAC-ground-plane-detection.png"/>
           <p:cNvPicPr>
-            <a:picLocks noChangeAspect="1"/>
+            <a:picLocks noChangeAspect="1" noChangeArrowheads="1"/>
           </p:cNvPicPr>
           <p:nvPr/>
         </p:nvPicPr>
         <p:blipFill>
-          <a:blip r:embed="rId2">
+          <a:blip r:embed="rId2" cstate="print">
             <a:extLst>
               <a:ext uri="{28A0092B-C50C-407E-A947-70E740481C1C}">
                 <a14:useLocalDpi xmlns:a14="http://schemas.microsoft.com/office/drawing/2010/main" val="0"/>
               </a:ext>
             </a:extLst>
           </a:blip>
+          <a:srcRect/>
           <a:stretch>
             <a:fillRect/>
           </a:stretch>
         </p:blipFill>
-        <p:spPr>
-          <a:xfrm>
-            <a:off x="5868144" y="2593405"/>
-            <a:ext cx="2956116" cy="3904555"/>
+        <p:spPr bwMode="auto">
+          <a:xfrm>
+            <a:off x="5220071" y="1690467"/>
+            <a:ext cx="3600401" cy="2167716"/>
           </a:xfrm>
           <a:prstGeom prst="rect">
             <a:avLst/>
           </a:prstGeom>
+          <a:noFill/>
+          <a:extLst>
+            <a:ext uri="{909E8E84-426E-40DD-AFC4-6F175D3DCCD1}">
+              <a14:hiddenFill xmlns:a14="http://schemas.microsoft.com/office/drawing/2010/main">
+                <a:solidFill>
+                  <a:srgbClr val="FFFFFF"/>
+                </a:solidFill>
+              </a14:hiddenFill>
+            </a:ext>
+          </a:extLst>
         </p:spPr>
       </p:pic>
+      <p:pic>
+        <p:nvPicPr>
+          <p:cNvPr id="2051" name="Picture 3" descr="H:\kinect-wheelchair\figures\004-voxel-downsampling.png"/>
+          <p:cNvPicPr>
+            <a:picLocks noChangeAspect="1" noChangeArrowheads="1"/>
+          </p:cNvPicPr>
+          <p:nvPr/>
+        </p:nvPicPr>
+        <p:blipFill>
+          <a:blip r:embed="rId3">
+            <a:extLst>
+              <a:ext uri="{BEBA8EAE-BF5A-486C-A8C5-ECC9F3942E4B}">
+                <a14:imgProps xmlns:a14="http://schemas.microsoft.com/office/drawing/2010/main">
+                  <a14:imgLayer r:embed="rId4">
+                    <a14:imgEffect>
+                      <a14:brightnessContrast bright="91000" contrast="100000"/>
+                    </a14:imgEffect>
+                  </a14:imgLayer>
+                </a14:imgProps>
+              </a:ext>
+              <a:ext uri="{28A0092B-C50C-407E-A947-70E740481C1C}">
+                <a14:useLocalDpi xmlns:a14="http://schemas.microsoft.com/office/drawing/2010/main" val="0"/>
+              </a:ext>
+            </a:extLst>
+          </a:blip>
+          <a:srcRect/>
+          <a:stretch>
+            <a:fillRect/>
+          </a:stretch>
+        </p:blipFill>
+        <p:spPr bwMode="auto">
+          <a:xfrm>
+            <a:off x="5220072" y="4092622"/>
+            <a:ext cx="3600400" cy="2288706"/>
+          </a:xfrm>
+          <a:prstGeom prst="rect">
+            <a:avLst/>
+          </a:prstGeom>
+          <a:noFill/>
+          <a:extLst>
+            <a:ext uri="{909E8E84-426E-40DD-AFC4-6F175D3DCCD1}">
+              <a14:hiddenFill xmlns:a14="http://schemas.microsoft.com/office/drawing/2010/main">
+                <a:solidFill>
+                  <a:srgbClr val="FFFFFF"/>
+                </a:solidFill>
+              </a14:hiddenFill>
+            </a:ext>
+          </a:extLst>
+        </p:spPr>
+      </p:pic>
+      <p:sp>
+        <p:nvSpPr>
+          <p:cNvPr id="5" name="Down Arrow 4"/>
+          <p:cNvSpPr/>
+          <p:nvPr/>
+        </p:nvSpPr>
+        <p:spPr>
+          <a:xfrm>
+            <a:off x="6660232" y="3573016"/>
+            <a:ext cx="576064" cy="864096"/>
+          </a:xfrm>
+          <a:prstGeom prst="downArrow">
+            <a:avLst/>
+          </a:prstGeom>
+        </p:spPr>
+        <p:style>
+          <a:lnRef idx="2">
+            <a:schemeClr val="dk1"/>
+          </a:lnRef>
+          <a:fillRef idx="1">
+            <a:schemeClr val="lt1"/>
+          </a:fillRef>
+          <a:effectRef idx="0">
+            <a:schemeClr val="dk1"/>
+          </a:effectRef>
+          <a:fontRef idx="minor">
+            <a:schemeClr val="dk1"/>
+          </a:fontRef>
+        </p:style>
+        <p:txBody>
+          <a:bodyPr rtlCol="0" anchor="ctr"/>
+          <a:lstStyle/>
+          <a:p>
+            <a:pPr algn="ctr"/>
+            <a:endParaRPr lang="en-GB"/>
+          </a:p>
+        </p:txBody>
+      </p:sp>
+      <p:sp>
+        <p:nvSpPr>
+          <p:cNvPr id="6" name="Rectangle 5"/>
+          <p:cNvSpPr/>
+          <p:nvPr/>
+        </p:nvSpPr>
+        <p:spPr>
+          <a:xfrm>
+            <a:off x="107504" y="6525344"/>
+            <a:ext cx="5004048" cy="276999"/>
+          </a:xfrm>
+          <a:prstGeom prst="rect">
+            <a:avLst/>
+          </a:prstGeom>
+        </p:spPr>
+        <p:txBody>
+          <a:bodyPr wrap="square">
+            <a:spAutoFit/>
+          </a:bodyPr>
+          <a:lstStyle/>
+          <a:p>
+            <a:r>
+              <a:rPr lang="en-GB" sz="1200" dirty="0" smtClean="0"/>
+              <a:t>[1] http://docs.pointclouds.org/trunk/classpcl_1_1_voxel_grid.html#_details</a:t>
+            </a:r>
+            <a:endParaRPr lang="en-GB" sz="1200" dirty="0"/>
+          </a:p>
+        </p:txBody>
+      </p:sp>
+    </p:spTree>
+    <p:extLst>
+      <p:ext uri="{BB962C8B-B14F-4D97-AF65-F5344CB8AC3E}">
+        <p14:creationId xmlns:p14="http://schemas.microsoft.com/office/powerpoint/2010/main" val="3142039948"/>
+      </p:ext>
+    </p:extLst>
+  </p:cSld>
+  <p:clrMapOvr>
+    <a:masterClrMapping/>
+  </p:clrMapOvr>
+  <p:timing>
+    <p:tnLst>
+      <p:par>
+        <p:cTn id="1" dur="indefinite" restart="never" nodeType="tmRoot"/>
+      </p:par>
+    </p:tnLst>
+  </p:timing>
+</p:sld>
+</file>
+
+<file path=ppt/slides/slide12.xml><?xml version="1.0" encoding="utf-8"?>
+<p:sld xmlns:a="http://schemas.openxmlformats.org/drawingml/2006/main" xmlns:r="http://schemas.openxmlformats.org/officeDocument/2006/relationships" xmlns:p="http://schemas.openxmlformats.org/presentationml/2006/main">
+  <p:cSld>
+    <p:spTree>
+      <p:nvGrpSpPr>
+        <p:cNvPr id="1" name=""/>
+        <p:cNvGrpSpPr/>
+        <p:nvPr/>
+      </p:nvGrpSpPr>
+      <p:grpSpPr>
+        <a:xfrm>
+          <a:off x="0" y="0"/>
+          <a:ext cx="0" cy="0"/>
+          <a:chOff x="0" y="0"/>
+          <a:chExt cx="0" cy="0"/>
+        </a:xfrm>
+      </p:grpSpPr>
+      <p:sp>
+        <p:nvSpPr>
+          <p:cNvPr id="2" name="Title 1"/>
+          <p:cNvSpPr>
+            <a:spLocks noGrp="1"/>
+          </p:cNvSpPr>
+          <p:nvPr>
+            <p:ph type="title"/>
+          </p:nvPr>
+        </p:nvSpPr>
+        <p:spPr/>
+        <p:txBody>
+          <a:bodyPr/>
+          <a:lstStyle/>
+          <a:p>
+            <a:r>
+              <a:rPr lang="en-GB" dirty="0" smtClean="0"/>
+              <a:t>3D Point Cloud</a:t>
+            </a:r>
+            <a:endParaRPr lang="en-GB" dirty="0"/>
+          </a:p>
+        </p:txBody>
+      </p:sp>
+      <p:sp>
+        <p:nvSpPr>
+          <p:cNvPr id="4" name="Rounded Rectangle 3"/>
+          <p:cNvSpPr/>
+          <p:nvPr/>
+        </p:nvSpPr>
+        <p:spPr>
+          <a:xfrm>
+            <a:off x="3707904" y="1484784"/>
+            <a:ext cx="1224136" cy="576064"/>
+          </a:xfrm>
+          <a:prstGeom prst="roundRect">
+            <a:avLst/>
+          </a:prstGeom>
+          <a:solidFill>
+            <a:schemeClr val="accent1">
+              <a:lumMod val="40000"/>
+              <a:lumOff val="60000"/>
+            </a:schemeClr>
+          </a:solidFill>
+        </p:spPr>
+        <p:style>
+          <a:lnRef idx="2">
+            <a:schemeClr val="accent1">
+              <a:shade val="50000"/>
+            </a:schemeClr>
+          </a:lnRef>
+          <a:fillRef idx="1">
+            <a:schemeClr val="accent1"/>
+          </a:fillRef>
+          <a:effectRef idx="0">
+            <a:schemeClr val="accent1"/>
+          </a:effectRef>
+          <a:fontRef idx="minor">
+            <a:schemeClr val="lt1"/>
+          </a:fontRef>
+        </p:style>
+        <p:txBody>
+          <a:bodyPr rtlCol="0" anchor="ctr"/>
+          <a:lstStyle/>
+          <a:p>
+            <a:pPr algn="ctr"/>
+            <a:r>
+              <a:rPr lang="en-GB" dirty="0" smtClean="0"/>
+              <a:t>Point Cloud</a:t>
+            </a:r>
+            <a:endParaRPr lang="en-GB" dirty="0"/>
+          </a:p>
+        </p:txBody>
+      </p:sp>
+      <p:sp>
+        <p:nvSpPr>
+          <p:cNvPr id="5" name="Rounded Rectangle 4"/>
+          <p:cNvSpPr/>
+          <p:nvPr/>
+        </p:nvSpPr>
+        <p:spPr>
+          <a:xfrm>
+            <a:off x="3707904" y="2547525"/>
+            <a:ext cx="1224136" cy="576064"/>
+          </a:xfrm>
+          <a:prstGeom prst="roundRect">
+            <a:avLst/>
+          </a:prstGeom>
+          <a:solidFill>
+            <a:schemeClr val="accent2">
+              <a:lumMod val="40000"/>
+              <a:lumOff val="60000"/>
+            </a:schemeClr>
+          </a:solidFill>
+        </p:spPr>
+        <p:style>
+          <a:lnRef idx="2">
+            <a:schemeClr val="accent2">
+              <a:shade val="50000"/>
+            </a:schemeClr>
+          </a:lnRef>
+          <a:fillRef idx="1">
+            <a:schemeClr val="accent2"/>
+          </a:fillRef>
+          <a:effectRef idx="0">
+            <a:schemeClr val="accent2"/>
+          </a:effectRef>
+          <a:fontRef idx="minor">
+            <a:schemeClr val="lt1"/>
+          </a:fontRef>
+        </p:style>
+        <p:txBody>
+          <a:bodyPr rtlCol="0" anchor="ctr"/>
+          <a:lstStyle/>
+          <a:p>
+            <a:pPr algn="ctr"/>
+            <a:r>
+              <a:rPr lang="en-GB" dirty="0" smtClean="0"/>
+              <a:t>Voxel</a:t>
+            </a:r>
+            <a:endParaRPr lang="en-GB" dirty="0"/>
+          </a:p>
+        </p:txBody>
+      </p:sp>
+      <p:sp>
+        <p:nvSpPr>
+          <p:cNvPr id="6" name="Rounded Rectangle 5"/>
+          <p:cNvSpPr/>
+          <p:nvPr/>
+        </p:nvSpPr>
+        <p:spPr>
+          <a:xfrm>
+            <a:off x="3707904" y="3638811"/>
+            <a:ext cx="1224136" cy="576064"/>
+          </a:xfrm>
+          <a:prstGeom prst="roundRect">
+            <a:avLst/>
+          </a:prstGeom>
+        </p:spPr>
+        <p:style>
+          <a:lnRef idx="2">
+            <a:schemeClr val="accent3">
+              <a:shade val="50000"/>
+            </a:schemeClr>
+          </a:lnRef>
+          <a:fillRef idx="1">
+            <a:schemeClr val="accent3"/>
+          </a:fillRef>
+          <a:effectRef idx="0">
+            <a:schemeClr val="accent3"/>
+          </a:effectRef>
+          <a:fontRef idx="minor">
+            <a:schemeClr val="lt1"/>
+          </a:fontRef>
+        </p:style>
+        <p:txBody>
+          <a:bodyPr rtlCol="0" anchor="ctr"/>
+          <a:lstStyle/>
+          <a:p>
+            <a:pPr algn="ctr"/>
+            <a:r>
+              <a:rPr lang="en-GB" dirty="0" smtClean="0"/>
+              <a:t>Floor Detection</a:t>
+            </a:r>
+            <a:endParaRPr lang="en-GB" dirty="0"/>
+          </a:p>
+        </p:txBody>
+      </p:sp>
+      <p:sp>
+        <p:nvSpPr>
+          <p:cNvPr id="7" name="Rounded Rectangle 6"/>
+          <p:cNvSpPr/>
+          <p:nvPr/>
+        </p:nvSpPr>
+        <p:spPr>
+          <a:xfrm>
+            <a:off x="5148087" y="4725144"/>
+            <a:ext cx="1314453" cy="576064"/>
+          </a:xfrm>
+          <a:prstGeom prst="roundRect">
+            <a:avLst/>
+          </a:prstGeom>
+          <a:solidFill>
+            <a:schemeClr val="accent5">
+              <a:lumMod val="40000"/>
+              <a:lumOff val="60000"/>
+            </a:schemeClr>
+          </a:solidFill>
+        </p:spPr>
+        <p:style>
+          <a:lnRef idx="2">
+            <a:schemeClr val="accent5">
+              <a:shade val="50000"/>
+            </a:schemeClr>
+          </a:lnRef>
+          <a:fillRef idx="1">
+            <a:schemeClr val="accent5"/>
+          </a:fillRef>
+          <a:effectRef idx="0">
+            <a:schemeClr val="accent5"/>
+          </a:effectRef>
+          <a:fontRef idx="minor">
+            <a:schemeClr val="lt1"/>
+          </a:fontRef>
+        </p:style>
+        <p:txBody>
+          <a:bodyPr rtlCol="0" anchor="ctr"/>
+          <a:lstStyle/>
+          <a:p>
+            <a:pPr algn="ctr"/>
+            <a:r>
+              <a:rPr lang="en-GB" dirty="0" smtClean="0"/>
+              <a:t>Occupancy Map</a:t>
+            </a:r>
+            <a:endParaRPr lang="en-GB" dirty="0"/>
+          </a:p>
+        </p:txBody>
+      </p:sp>
+      <p:sp>
+        <p:nvSpPr>
+          <p:cNvPr id="8" name="Rounded Rectangle 7"/>
+          <p:cNvSpPr/>
+          <p:nvPr/>
+        </p:nvSpPr>
+        <p:spPr>
+          <a:xfrm>
+            <a:off x="2267744" y="4725144"/>
+            <a:ext cx="1224136" cy="576064"/>
+          </a:xfrm>
+          <a:prstGeom prst="roundRect">
+            <a:avLst/>
+          </a:prstGeom>
+          <a:solidFill>
+            <a:schemeClr val="accent4">
+              <a:lumMod val="40000"/>
+              <a:lumOff val="60000"/>
+            </a:schemeClr>
+          </a:solidFill>
+        </p:spPr>
+        <p:style>
+          <a:lnRef idx="2">
+            <a:schemeClr val="accent4">
+              <a:shade val="50000"/>
+            </a:schemeClr>
+          </a:lnRef>
+          <a:fillRef idx="1">
+            <a:schemeClr val="accent4"/>
+          </a:fillRef>
+          <a:effectRef idx="0">
+            <a:schemeClr val="accent4"/>
+          </a:effectRef>
+          <a:fontRef idx="minor">
+            <a:schemeClr val="lt1"/>
+          </a:fontRef>
+        </p:style>
+        <p:txBody>
+          <a:bodyPr rtlCol="0" anchor="ctr"/>
+          <a:lstStyle/>
+          <a:p>
+            <a:pPr algn="ctr"/>
+            <a:r>
+              <a:rPr lang="en-GB" dirty="0" smtClean="0"/>
+              <a:t>Clear Direction</a:t>
+            </a:r>
+            <a:endParaRPr lang="en-GB" dirty="0"/>
+          </a:p>
+        </p:txBody>
+      </p:sp>
+      <p:sp>
+        <p:nvSpPr>
+          <p:cNvPr id="10" name="Rounded Rectangle 9"/>
+          <p:cNvSpPr/>
+          <p:nvPr/>
+        </p:nvSpPr>
+        <p:spPr>
+          <a:xfrm>
+            <a:off x="5148087" y="5733256"/>
+            <a:ext cx="1314453" cy="576064"/>
+          </a:xfrm>
+          <a:prstGeom prst="roundRect">
+            <a:avLst/>
+          </a:prstGeom>
+          <a:solidFill>
+            <a:schemeClr val="accent6">
+              <a:lumMod val="40000"/>
+              <a:lumOff val="60000"/>
+            </a:schemeClr>
+          </a:solidFill>
+        </p:spPr>
+        <p:style>
+          <a:lnRef idx="2">
+            <a:schemeClr val="accent6">
+              <a:shade val="50000"/>
+            </a:schemeClr>
+          </a:lnRef>
+          <a:fillRef idx="1">
+            <a:schemeClr val="accent6"/>
+          </a:fillRef>
+          <a:effectRef idx="0">
+            <a:schemeClr val="accent6"/>
+          </a:effectRef>
+          <a:fontRef idx="minor">
+            <a:schemeClr val="lt1"/>
+          </a:fontRef>
+        </p:style>
+        <p:txBody>
+          <a:bodyPr rtlCol="0" anchor="ctr"/>
+          <a:lstStyle/>
+          <a:p>
+            <a:pPr algn="ctr"/>
+            <a:r>
+              <a:rPr lang="en-GB" dirty="0" err="1" smtClean="0"/>
+              <a:t>Pathfinding</a:t>
+            </a:r>
+            <a:endParaRPr lang="en-GB" dirty="0"/>
+          </a:p>
+        </p:txBody>
+      </p:sp>
+      <p:cxnSp>
+        <p:nvCxnSpPr>
+          <p:cNvPr id="12" name="Straight Arrow Connector 11"/>
+          <p:cNvCxnSpPr>
+            <a:stCxn id="4" idx="2"/>
+            <a:endCxn id="5" idx="0"/>
+          </p:cNvCxnSpPr>
+          <p:nvPr/>
+        </p:nvCxnSpPr>
+        <p:spPr>
+          <a:xfrm>
+            <a:off x="4319972" y="2060848"/>
+            <a:ext cx="0" cy="486677"/>
+          </a:xfrm>
+          <a:prstGeom prst="straightConnector1">
+            <a:avLst/>
+          </a:prstGeom>
+          <a:ln w="38100">
+            <a:solidFill>
+              <a:schemeClr val="tx1"/>
+            </a:solidFill>
+            <a:tailEnd type="arrow"/>
+          </a:ln>
+        </p:spPr>
+        <p:style>
+          <a:lnRef idx="1">
+            <a:schemeClr val="accent1"/>
+          </a:lnRef>
+          <a:fillRef idx="0">
+            <a:schemeClr val="accent1"/>
+          </a:fillRef>
+          <a:effectRef idx="0">
+            <a:schemeClr val="accent1"/>
+          </a:effectRef>
+          <a:fontRef idx="minor">
+            <a:schemeClr val="tx1"/>
+          </a:fontRef>
+        </p:style>
+      </p:cxnSp>
+      <p:cxnSp>
+        <p:nvCxnSpPr>
+          <p:cNvPr id="15" name="Straight Arrow Connector 14"/>
+          <p:cNvCxnSpPr>
+            <a:stCxn id="5" idx="2"/>
+            <a:endCxn id="6" idx="0"/>
+          </p:cNvCxnSpPr>
+          <p:nvPr/>
+        </p:nvCxnSpPr>
+        <p:spPr>
+          <a:xfrm>
+            <a:off x="4319972" y="3123589"/>
+            <a:ext cx="0" cy="515222"/>
+          </a:xfrm>
+          <a:prstGeom prst="straightConnector1">
+            <a:avLst/>
+          </a:prstGeom>
+          <a:ln w="38100">
+            <a:solidFill>
+              <a:schemeClr val="tx1"/>
+            </a:solidFill>
+            <a:tailEnd type="arrow"/>
+          </a:ln>
+        </p:spPr>
+        <p:style>
+          <a:lnRef idx="1">
+            <a:schemeClr val="accent1"/>
+          </a:lnRef>
+          <a:fillRef idx="0">
+            <a:schemeClr val="accent1"/>
+          </a:fillRef>
+          <a:effectRef idx="0">
+            <a:schemeClr val="accent1"/>
+          </a:effectRef>
+          <a:fontRef idx="minor">
+            <a:schemeClr val="tx1"/>
+          </a:fontRef>
+        </p:style>
+      </p:cxnSp>
+      <p:cxnSp>
+        <p:nvCxnSpPr>
+          <p:cNvPr id="18" name="Elbow Connector 17"/>
+          <p:cNvCxnSpPr>
+            <a:stCxn id="6" idx="2"/>
+            <a:endCxn id="8" idx="0"/>
+          </p:cNvCxnSpPr>
+          <p:nvPr/>
+        </p:nvCxnSpPr>
+        <p:spPr>
+          <a:xfrm rot="5400000">
+            <a:off x="3344758" y="3749929"/>
+            <a:ext cx="510269" cy="1440160"/>
+          </a:xfrm>
+          <a:prstGeom prst="bentConnector3">
+            <a:avLst/>
+          </a:prstGeom>
+          <a:ln w="38100">
+            <a:solidFill>
+              <a:schemeClr val="tx1"/>
+            </a:solidFill>
+            <a:tailEnd type="arrow"/>
+          </a:ln>
+        </p:spPr>
+        <p:style>
+          <a:lnRef idx="1">
+            <a:schemeClr val="accent1"/>
+          </a:lnRef>
+          <a:fillRef idx="0">
+            <a:schemeClr val="accent1"/>
+          </a:fillRef>
+          <a:effectRef idx="0">
+            <a:schemeClr val="accent1"/>
+          </a:effectRef>
+          <a:fontRef idx="minor">
+            <a:schemeClr val="tx1"/>
+          </a:fontRef>
+        </p:style>
+      </p:cxnSp>
+      <p:cxnSp>
+        <p:nvCxnSpPr>
+          <p:cNvPr id="20" name="Elbow Connector 19"/>
+          <p:cNvCxnSpPr>
+            <a:stCxn id="6" idx="2"/>
+            <a:endCxn id="7" idx="0"/>
+          </p:cNvCxnSpPr>
+          <p:nvPr/>
+        </p:nvCxnSpPr>
+        <p:spPr>
+          <a:xfrm rot="16200000" flipH="1">
+            <a:off x="4807509" y="3727338"/>
+            <a:ext cx="510269" cy="1485342"/>
+          </a:xfrm>
+          <a:prstGeom prst="bentConnector3">
+            <a:avLst/>
+          </a:prstGeom>
+          <a:ln w="38100">
+            <a:solidFill>
+              <a:schemeClr val="tx1"/>
+            </a:solidFill>
+            <a:tailEnd type="arrow"/>
+          </a:ln>
+        </p:spPr>
+        <p:style>
+          <a:lnRef idx="1">
+            <a:schemeClr val="accent1"/>
+          </a:lnRef>
+          <a:fillRef idx="0">
+            <a:schemeClr val="accent1"/>
+          </a:fillRef>
+          <a:effectRef idx="0">
+            <a:schemeClr val="accent1"/>
+          </a:effectRef>
+          <a:fontRef idx="minor">
+            <a:schemeClr val="tx1"/>
+          </a:fontRef>
+        </p:style>
+      </p:cxnSp>
+      <p:cxnSp>
+        <p:nvCxnSpPr>
+          <p:cNvPr id="22" name="Straight Arrow Connector 21"/>
+          <p:cNvCxnSpPr>
+            <a:stCxn id="7" idx="2"/>
+            <a:endCxn id="10" idx="0"/>
+          </p:cNvCxnSpPr>
+          <p:nvPr/>
+        </p:nvCxnSpPr>
+        <p:spPr>
+          <a:xfrm>
+            <a:off x="5805314" y="5301208"/>
+            <a:ext cx="0" cy="432048"/>
+          </a:xfrm>
+          <a:prstGeom prst="straightConnector1">
+            <a:avLst/>
+          </a:prstGeom>
+          <a:ln w="38100">
+            <a:solidFill>
+              <a:schemeClr val="tx1"/>
+            </a:solidFill>
+            <a:tailEnd type="arrow"/>
+          </a:ln>
+        </p:spPr>
+        <p:style>
+          <a:lnRef idx="1">
+            <a:schemeClr val="accent1"/>
+          </a:lnRef>
+          <a:fillRef idx="0">
+            <a:schemeClr val="accent1"/>
+          </a:fillRef>
+          <a:effectRef idx="0">
+            <a:schemeClr val="accent1"/>
+          </a:effectRef>
+          <a:fontRef idx="minor">
+            <a:schemeClr val="tx1"/>
+          </a:fontRef>
+        </p:style>
+      </p:cxnSp>
+    </p:spTree>
+    <p:extLst>
+      <p:ext uri="{BB962C8B-B14F-4D97-AF65-F5344CB8AC3E}">
+        <p14:creationId xmlns:p14="http://schemas.microsoft.com/office/powerpoint/2010/main" val="1330680699"/>
+      </p:ext>
+    </p:extLst>
+  </p:cSld>
+  <p:clrMapOvr>
+    <a:masterClrMapping/>
+  </p:clrMapOvr>
+  <p:timing>
+    <p:tnLst>
+      <p:par>
+        <p:cTn id="1" dur="indefinite" restart="never" nodeType="tmRoot"/>
+      </p:par>
+    </p:tnLst>
+  </p:timing>
+</p:sld>
+</file>
+
+<file path=ppt/slides/slide13.xml><?xml version="1.0" encoding="utf-8"?>
+<p:sld xmlns:a="http://schemas.openxmlformats.org/drawingml/2006/main" xmlns:r="http://schemas.openxmlformats.org/officeDocument/2006/relationships" xmlns:p="http://schemas.openxmlformats.org/presentationml/2006/main">
+  <p:cSld>
+    <p:spTree>
+      <p:nvGrpSpPr>
+        <p:cNvPr id="1" name=""/>
+        <p:cNvGrpSpPr/>
+        <p:nvPr/>
+      </p:nvGrpSpPr>
+      <p:grpSpPr>
+        <a:xfrm>
+          <a:off x="0" y="0"/>
+          <a:ext cx="0" cy="0"/>
+          <a:chOff x="0" y="0"/>
+          <a:chExt cx="0" cy="0"/>
+        </a:xfrm>
+      </p:grpSpPr>
+      <p:sp>
+        <p:nvSpPr>
+          <p:cNvPr id="2" name="Title 1"/>
+          <p:cNvSpPr>
+            <a:spLocks noGrp="1"/>
+          </p:cNvSpPr>
+          <p:nvPr>
+            <p:ph type="title"/>
+          </p:nvPr>
+        </p:nvSpPr>
+        <p:spPr>
+          <a:solidFill>
+            <a:schemeClr val="accent3"/>
+          </a:solidFill>
+        </p:spPr>
+        <p:style>
+          <a:lnRef idx="2">
+            <a:schemeClr val="accent3"/>
+          </a:lnRef>
+          <a:fillRef idx="1">
+            <a:schemeClr val="lt1"/>
+          </a:fillRef>
+          <a:effectRef idx="0">
+            <a:schemeClr val="accent3"/>
+          </a:effectRef>
+          <a:fontRef idx="minor">
+            <a:schemeClr val="dk1"/>
+          </a:fontRef>
+        </p:style>
+        <p:txBody>
+          <a:bodyPr/>
+          <a:lstStyle/>
+          <a:p>
+            <a:r>
+              <a:rPr lang="en-GB" dirty="0" smtClean="0"/>
+              <a:t>3D Point Cloud – Floor Detection</a:t>
+            </a:r>
+            <a:endParaRPr lang="en-GB" dirty="0"/>
+          </a:p>
+        </p:txBody>
+      </p:sp>
+      <p:sp>
+        <p:nvSpPr>
+          <p:cNvPr id="3" name="Content Placeholder 2"/>
+          <p:cNvSpPr>
+            <a:spLocks noGrp="1"/>
+          </p:cNvSpPr>
+          <p:nvPr>
+            <p:ph sz="half" idx="1"/>
+          </p:nvPr>
+        </p:nvSpPr>
+        <p:spPr/>
+        <p:txBody>
+          <a:bodyPr>
+            <a:normAutofit lnSpcReduction="10000"/>
+          </a:bodyPr>
+          <a:lstStyle/>
+          <a:p>
+            <a:r>
+              <a:rPr lang="en-GB" dirty="0" smtClean="0"/>
+              <a:t>Different methods were used to detect the floor</a:t>
+            </a:r>
+          </a:p>
+          <a:p>
+            <a:r>
+              <a:rPr lang="en-GB" dirty="0" smtClean="0"/>
+              <a:t>Based on comparison with planes</a:t>
+            </a:r>
+          </a:p>
+          <a:p>
+            <a:pPr lvl="1"/>
+            <a:r>
+              <a:rPr lang="en-GB" dirty="0" smtClean="0"/>
+              <a:t>First Method: manually sweep through planes (slow)</a:t>
+            </a:r>
+          </a:p>
+          <a:p>
+            <a:pPr lvl="1"/>
+            <a:r>
+              <a:rPr lang="en-GB" dirty="0" smtClean="0"/>
+              <a:t>Second Method: manually remove ceiling and use RANSAC algorithm</a:t>
+            </a:r>
+          </a:p>
+        </p:txBody>
+      </p:sp>
       <p:pic>
         <p:nvPicPr>
           <p:cNvPr id="6" name="Picture 5"/>
@@ -3881,8 +5181,38 @@
         </p:blipFill>
         <p:spPr>
           <a:xfrm>
-            <a:off x="4499992" y="1340768"/>
-            <a:ext cx="3443740" cy="2708920"/>
+            <a:off x="5220072" y="1556792"/>
+            <a:ext cx="3233932" cy="2487435"/>
+          </a:xfrm>
+          <a:prstGeom prst="rect">
+            <a:avLst/>
+          </a:prstGeom>
+        </p:spPr>
+      </p:pic>
+      <p:pic>
+        <p:nvPicPr>
+          <p:cNvPr id="7" name="Picture 6"/>
+          <p:cNvPicPr>
+            <a:picLocks noChangeAspect="1"/>
+          </p:cNvPicPr>
+          <p:nvPr/>
+        </p:nvPicPr>
+        <p:blipFill>
+          <a:blip r:embed="rId4" cstate="print">
+            <a:extLst>
+              <a:ext uri="{28A0092B-C50C-407E-A947-70E740481C1C}">
+                <a14:useLocalDpi xmlns:a14="http://schemas.microsoft.com/office/drawing/2010/main" val="0"/>
+              </a:ext>
+            </a:extLst>
+          </a:blip>
+          <a:stretch>
+            <a:fillRect/>
+          </a:stretch>
+        </p:blipFill>
+        <p:spPr>
+          <a:xfrm>
+            <a:off x="5220072" y="4221088"/>
+            <a:ext cx="3233932" cy="1947428"/>
           </a:xfrm>
           <a:prstGeom prst="rect">
             <a:avLst/>
@@ -3892,273 +5222,20 @@
     </p:spTree>
     <p:extLst>
       <p:ext uri="{BB962C8B-B14F-4D97-AF65-F5344CB8AC3E}">
-        <p14:creationId xmlns:p14="http://schemas.microsoft.com/office/powerpoint/2010/main" val="950420041"/>
+        <p14:creationId xmlns:p14="http://schemas.microsoft.com/office/powerpoint/2010/main" val="862569803"/>
       </p:ext>
     </p:extLst>
   </p:cSld>
   <p:clrMapOvr>
     <a:masterClrMapping/>
   </p:clrMapOvr>
-</p:sld>
-</file>
-
-<file path=ppt/slides/slide12.xml><?xml version="1.0" encoding="utf-8"?>
-<p:sld xmlns:a="http://schemas.openxmlformats.org/drawingml/2006/main" xmlns:r="http://schemas.openxmlformats.org/officeDocument/2006/relationships" xmlns:p="http://schemas.openxmlformats.org/presentationml/2006/main">
-  <p:cSld>
-    <p:spTree>
-      <p:nvGrpSpPr>
-        <p:cNvPr id="1" name=""/>
-        <p:cNvGrpSpPr/>
-        <p:nvPr/>
-      </p:nvGrpSpPr>
-      <p:grpSpPr>
-        <a:xfrm>
-          <a:off x="0" y="0"/>
-          <a:ext cx="0" cy="0"/>
-          <a:chOff x="0" y="0"/>
-          <a:chExt cx="0" cy="0"/>
-        </a:xfrm>
-      </p:grpSpPr>
-      <p:sp>
-        <p:nvSpPr>
-          <p:cNvPr id="2" name="Title 1"/>
-          <p:cNvSpPr>
-            <a:spLocks noGrp="1"/>
-          </p:cNvSpPr>
-          <p:nvPr>
-            <p:ph type="title"/>
-          </p:nvPr>
-        </p:nvSpPr>
-        <p:spPr/>
-        <p:txBody>
-          <a:bodyPr/>
-          <a:lstStyle/>
-          <a:p>
-            <a:r>
-              <a:rPr lang="en-GB" dirty="0" smtClean="0"/>
-              <a:t>3D Point Cloud – Occupancy Map</a:t>
-            </a:r>
-            <a:endParaRPr lang="en-GB" dirty="0"/>
-          </a:p>
-        </p:txBody>
-      </p:sp>
-      <p:sp>
-        <p:nvSpPr>
-          <p:cNvPr id="3" name="Content Placeholder 2"/>
-          <p:cNvSpPr>
-            <a:spLocks noGrp="1"/>
-          </p:cNvSpPr>
-          <p:nvPr>
-            <p:ph sz="half" idx="1"/>
-          </p:nvPr>
-        </p:nvSpPr>
-        <p:spPr/>
-        <p:txBody>
-          <a:bodyPr/>
-          <a:lstStyle/>
-          <a:p>
-            <a:r>
-              <a:rPr lang="en-GB" dirty="0" smtClean="0"/>
-              <a:t>A 2D Occupancy map was constructed</a:t>
-            </a:r>
-          </a:p>
-          <a:p>
-            <a:r>
-              <a:rPr lang="en-GB" dirty="0" smtClean="0"/>
-              <a:t>Method:</a:t>
-            </a:r>
-          </a:p>
-          <a:p>
-            <a:pPr lvl="1"/>
-            <a:r>
-              <a:rPr lang="en-GB" dirty="0" smtClean="0"/>
-              <a:t>Floor captured, dilated and marked as passable</a:t>
-            </a:r>
-          </a:p>
-          <a:p>
-            <a:pPr lvl="1"/>
-            <a:r>
-              <a:rPr lang="en-GB" dirty="0" smtClean="0"/>
-              <a:t>Obstacle points captured, dilated and marked as impassable</a:t>
-            </a:r>
-          </a:p>
-          <a:p>
-            <a:r>
-              <a:rPr lang="en-GB" dirty="0" smtClean="0"/>
-              <a:t>Dilation to account for wheelchair width</a:t>
-            </a:r>
-            <a:endParaRPr lang="en-GB" dirty="0"/>
-          </a:p>
-        </p:txBody>
-      </p:sp>
-      <p:pic>
-        <p:nvPicPr>
-          <p:cNvPr id="5" name="Content Placeholder 4"/>
-          <p:cNvPicPr>
-            <a:picLocks noGrp="1" noChangeAspect="1"/>
-          </p:cNvPicPr>
-          <p:nvPr>
-            <p:ph sz="half" idx="2"/>
-          </p:nvPr>
-        </p:nvPicPr>
-        <p:blipFill rotWithShape="1">
-          <a:blip r:embed="rId2">
-            <a:extLst>
-              <a:ext uri="{28A0092B-C50C-407E-A947-70E740481C1C}">
-                <a14:useLocalDpi xmlns:a14="http://schemas.microsoft.com/office/drawing/2010/main" val="0"/>
-              </a:ext>
-            </a:extLst>
-          </a:blip>
-          <a:srcRect l="2290"/>
-          <a:stretch/>
-        </p:blipFill>
-        <p:spPr>
-          <a:xfrm>
-            <a:off x="4716016" y="1556792"/>
-            <a:ext cx="3946124" cy="3505950"/>
-          </a:xfrm>
-        </p:spPr>
-      </p:pic>
-    </p:spTree>
-    <p:extLst>
-      <p:ext uri="{BB962C8B-B14F-4D97-AF65-F5344CB8AC3E}">
-        <p14:creationId xmlns:p14="http://schemas.microsoft.com/office/powerpoint/2010/main" val="999456021"/>
-      </p:ext>
-    </p:extLst>
-  </p:cSld>
-  <p:clrMapOvr>
-    <a:masterClrMapping/>
-  </p:clrMapOvr>
-</p:sld>
-</file>
-
-<file path=ppt/slides/slide13.xml><?xml version="1.0" encoding="utf-8"?>
-<p:sld xmlns:a="http://schemas.openxmlformats.org/drawingml/2006/main" xmlns:r="http://schemas.openxmlformats.org/officeDocument/2006/relationships" xmlns:p="http://schemas.openxmlformats.org/presentationml/2006/main">
-  <p:cSld>
-    <p:spTree>
-      <p:nvGrpSpPr>
-        <p:cNvPr id="1" name=""/>
-        <p:cNvGrpSpPr/>
-        <p:nvPr/>
-      </p:nvGrpSpPr>
-      <p:grpSpPr>
-        <a:xfrm>
-          <a:off x="0" y="0"/>
-          <a:ext cx="0" cy="0"/>
-          <a:chOff x="0" y="0"/>
-          <a:chExt cx="0" cy="0"/>
-        </a:xfrm>
-      </p:grpSpPr>
-      <p:sp>
-        <p:nvSpPr>
-          <p:cNvPr id="2" name="Title 1"/>
-          <p:cNvSpPr>
-            <a:spLocks noGrp="1"/>
-          </p:cNvSpPr>
-          <p:nvPr>
-            <p:ph type="title"/>
-          </p:nvPr>
-        </p:nvSpPr>
-        <p:spPr/>
-        <p:txBody>
-          <a:bodyPr/>
-          <a:lstStyle/>
-          <a:p>
-            <a:r>
-              <a:rPr lang="en-GB" dirty="0" smtClean="0"/>
-              <a:t>3D Point Cloud - </a:t>
-            </a:r>
-            <a:r>
-              <a:rPr lang="en-GB" dirty="0" err="1" smtClean="0"/>
-              <a:t>Pathfinding</a:t>
-            </a:r>
-            <a:endParaRPr lang="en-GB" dirty="0"/>
-          </a:p>
-        </p:txBody>
-      </p:sp>
-      <p:sp>
-        <p:nvSpPr>
-          <p:cNvPr id="4" name="Content Placeholder 3"/>
-          <p:cNvSpPr>
-            <a:spLocks noGrp="1"/>
-          </p:cNvSpPr>
-          <p:nvPr>
-            <p:ph sz="half" idx="1"/>
-          </p:nvPr>
-        </p:nvSpPr>
-        <p:spPr/>
-        <p:txBody>
-          <a:bodyPr/>
-          <a:lstStyle/>
-          <a:p>
-            <a:r>
-              <a:rPr lang="en-GB" dirty="0" smtClean="0"/>
-              <a:t>Using occupancy map</a:t>
-            </a:r>
-          </a:p>
-          <a:p>
-            <a:r>
-              <a:rPr lang="en-GB" dirty="0" err="1" smtClean="0"/>
-              <a:t>Pathfinding</a:t>
-            </a:r>
-            <a:r>
-              <a:rPr lang="en-GB" dirty="0" smtClean="0"/>
-              <a:t> done using the A* algorithm</a:t>
-            </a:r>
-          </a:p>
-          <a:p>
-            <a:r>
-              <a:rPr lang="en-GB" dirty="0" smtClean="0"/>
-              <a:t>Single start point, multiple radial finish points</a:t>
-            </a:r>
-          </a:p>
-          <a:p>
-            <a:r>
-              <a:rPr lang="en-GB" dirty="0" smtClean="0"/>
-              <a:t>Finish point distance variable</a:t>
-            </a:r>
-            <a:endParaRPr lang="en-GB" dirty="0"/>
-          </a:p>
-        </p:txBody>
-      </p:sp>
-      <p:pic>
-        <p:nvPicPr>
-          <p:cNvPr id="6" name="Content Placeholder 5"/>
-          <p:cNvPicPr>
-            <a:picLocks noGrp="1" noChangeAspect="1"/>
-          </p:cNvPicPr>
-          <p:nvPr>
-            <p:ph sz="half" idx="2"/>
-          </p:nvPr>
-        </p:nvPicPr>
-        <p:blipFill rotWithShape="1">
-          <a:blip r:embed="rId2" cstate="print">
-            <a:extLst>
-              <a:ext uri="{28A0092B-C50C-407E-A947-70E740481C1C}">
-                <a14:useLocalDpi xmlns:a14="http://schemas.microsoft.com/office/drawing/2010/main" val="0"/>
-              </a:ext>
-            </a:extLst>
-          </a:blip>
-          <a:srcRect l="3170" t="49955" r="59461" b="2954"/>
-          <a:stretch/>
-        </p:blipFill>
-        <p:spPr>
-          <a:xfrm>
-            <a:off x="4788024" y="1988840"/>
-            <a:ext cx="3252198" cy="3175677"/>
-          </a:xfrm>
-        </p:spPr>
-      </p:pic>
-    </p:spTree>
-    <p:extLst>
-      <p:ext uri="{BB962C8B-B14F-4D97-AF65-F5344CB8AC3E}">
-        <p14:creationId xmlns:p14="http://schemas.microsoft.com/office/powerpoint/2010/main" val="1746527616"/>
-      </p:ext>
-    </p:extLst>
-  </p:cSld>
-  <p:clrMapOvr>
-    <a:masterClrMapping/>
-  </p:clrMapOvr>
+  <p:timing>
+    <p:tnLst>
+      <p:par>
+        <p:cTn id="1" dur="indefinite" restart="never" nodeType="tmRoot"/>
+      </p:par>
+    </p:tnLst>
+  </p:timing>
 </p:sld>
 </file>
 
@@ -4181,7 +5258,7 @@
       </p:grpSpPr>
       <p:sp>
         <p:nvSpPr>
-          <p:cNvPr id="4" name="Title 3"/>
+          <p:cNvPr id="2" name="Title 1"/>
           <p:cNvSpPr>
             <a:spLocks noGrp="1"/>
           </p:cNvSpPr>
@@ -4191,166 +5268,510 @@
         </p:nvSpPr>
         <p:spPr/>
         <p:txBody>
-          <a:bodyPr>
-            <a:normAutofit fontScale="90000"/>
-          </a:bodyPr>
-          <a:lstStyle/>
-          <a:p>
-            <a:r>
-              <a:rPr lang="en-GB" dirty="0" smtClean="0"/>
-              <a:t>For Your Information – A* (A Star) Search Algorithm</a:t>
+          <a:bodyPr/>
+          <a:lstStyle/>
+          <a:p>
+            <a:r>
+              <a:rPr lang="en-GB" dirty="0" smtClean="0"/>
+              <a:t>3D Point Cloud</a:t>
             </a:r>
             <a:endParaRPr lang="en-GB" dirty="0"/>
           </a:p>
         </p:txBody>
       </p:sp>
-      <p:pic>
-        <p:nvPicPr>
-          <p:cNvPr id="6" name="Content Placeholder 5"/>
-          <p:cNvPicPr>
-            <a:picLocks noGrp="1" noChangeAspect="1"/>
-          </p:cNvPicPr>
-          <p:nvPr>
-            <p:ph sz="half" idx="1"/>
-          </p:nvPr>
-        </p:nvPicPr>
-        <p:blipFill>
-          <a:blip r:embed="rId2">
-            <a:extLst>
-              <a:ext uri="{28A0092B-C50C-407E-A947-70E740481C1C}">
-                <a14:useLocalDpi xmlns:a14="http://schemas.microsoft.com/office/drawing/2010/main" val="0"/>
-              </a:ext>
-            </a:extLst>
-          </a:blip>
-          <a:stretch>
-            <a:fillRect/>
-          </a:stretch>
-        </p:blipFill>
-        <p:spPr>
-          <a:xfrm>
-            <a:off x="5652120" y="2204864"/>
-            <a:ext cx="2736304" cy="2736304"/>
-          </a:xfrm>
-        </p:spPr>
-      </p:pic>
-      <p:sp>
-        <p:nvSpPr>
-          <p:cNvPr id="8" name="Content Placeholder 7"/>
-          <p:cNvSpPr>
-            <a:spLocks noGrp="1"/>
-          </p:cNvSpPr>
-          <p:nvPr>
-            <p:ph sz="half" idx="2"/>
-          </p:nvPr>
-        </p:nvSpPr>
-        <p:spPr>
-          <a:xfrm>
-            <a:off x="539552" y="1556792"/>
-            <a:ext cx="4968552" cy="4536504"/>
-          </a:xfrm>
-        </p:spPr>
-        <p:txBody>
-          <a:bodyPr>
-            <a:normAutofit fontScale="92500" lnSpcReduction="10000"/>
-          </a:bodyPr>
-          <a:lstStyle/>
-          <a:p>
-            <a:r>
-              <a:rPr lang="en-GB" dirty="0" smtClean="0"/>
-              <a:t>Faster extension of </a:t>
-            </a:r>
+      <p:sp>
+        <p:nvSpPr>
+          <p:cNvPr id="4" name="Rounded Rectangle 3"/>
+          <p:cNvSpPr/>
+          <p:nvPr/>
+        </p:nvSpPr>
+        <p:spPr>
+          <a:xfrm>
+            <a:off x="3707904" y="1484784"/>
+            <a:ext cx="1224136" cy="576064"/>
+          </a:xfrm>
+          <a:prstGeom prst="roundRect">
+            <a:avLst/>
+          </a:prstGeom>
+          <a:solidFill>
+            <a:schemeClr val="accent1">
+              <a:lumMod val="40000"/>
+              <a:lumOff val="60000"/>
+            </a:schemeClr>
+          </a:solidFill>
+        </p:spPr>
+        <p:style>
+          <a:lnRef idx="2">
+            <a:schemeClr val="accent1">
+              <a:shade val="50000"/>
+            </a:schemeClr>
+          </a:lnRef>
+          <a:fillRef idx="1">
+            <a:schemeClr val="accent1"/>
+          </a:fillRef>
+          <a:effectRef idx="0">
+            <a:schemeClr val="accent1"/>
+          </a:effectRef>
+          <a:fontRef idx="minor">
+            <a:schemeClr val="lt1"/>
+          </a:fontRef>
+        </p:style>
+        <p:txBody>
+          <a:bodyPr rtlCol="0" anchor="ctr"/>
+          <a:lstStyle/>
+          <a:p>
+            <a:pPr algn="ctr"/>
+            <a:r>
+              <a:rPr lang="en-GB" dirty="0" smtClean="0"/>
+              <a:t>Point Cloud</a:t>
+            </a:r>
+            <a:endParaRPr lang="en-GB" dirty="0"/>
+          </a:p>
+        </p:txBody>
+      </p:sp>
+      <p:sp>
+        <p:nvSpPr>
+          <p:cNvPr id="5" name="Rounded Rectangle 4"/>
+          <p:cNvSpPr/>
+          <p:nvPr/>
+        </p:nvSpPr>
+        <p:spPr>
+          <a:xfrm>
+            <a:off x="3707904" y="2547525"/>
+            <a:ext cx="1224136" cy="576064"/>
+          </a:xfrm>
+          <a:prstGeom prst="roundRect">
+            <a:avLst/>
+          </a:prstGeom>
+          <a:solidFill>
+            <a:schemeClr val="accent2">
+              <a:lumMod val="40000"/>
+              <a:lumOff val="60000"/>
+            </a:schemeClr>
+          </a:solidFill>
+        </p:spPr>
+        <p:style>
+          <a:lnRef idx="2">
+            <a:schemeClr val="accent2">
+              <a:shade val="50000"/>
+            </a:schemeClr>
+          </a:lnRef>
+          <a:fillRef idx="1">
+            <a:schemeClr val="accent2"/>
+          </a:fillRef>
+          <a:effectRef idx="0">
+            <a:schemeClr val="accent2"/>
+          </a:effectRef>
+          <a:fontRef idx="minor">
+            <a:schemeClr val="lt1"/>
+          </a:fontRef>
+        </p:style>
+        <p:txBody>
+          <a:bodyPr rtlCol="0" anchor="ctr"/>
+          <a:lstStyle/>
+          <a:p>
+            <a:pPr algn="ctr"/>
+            <a:r>
+              <a:rPr lang="en-GB" dirty="0" smtClean="0"/>
+              <a:t>Voxel</a:t>
+            </a:r>
+            <a:endParaRPr lang="en-GB" dirty="0"/>
+          </a:p>
+        </p:txBody>
+      </p:sp>
+      <p:sp>
+        <p:nvSpPr>
+          <p:cNvPr id="6" name="Rounded Rectangle 5"/>
+          <p:cNvSpPr/>
+          <p:nvPr/>
+        </p:nvSpPr>
+        <p:spPr>
+          <a:xfrm>
+            <a:off x="3707904" y="3638811"/>
+            <a:ext cx="1224136" cy="576064"/>
+          </a:xfrm>
+          <a:prstGeom prst="roundRect">
+            <a:avLst/>
+          </a:prstGeom>
+          <a:solidFill>
+            <a:schemeClr val="accent3">
+              <a:lumMod val="40000"/>
+              <a:lumOff val="60000"/>
+            </a:schemeClr>
+          </a:solidFill>
+        </p:spPr>
+        <p:style>
+          <a:lnRef idx="2">
+            <a:schemeClr val="accent3">
+              <a:shade val="50000"/>
+            </a:schemeClr>
+          </a:lnRef>
+          <a:fillRef idx="1">
+            <a:schemeClr val="accent3"/>
+          </a:fillRef>
+          <a:effectRef idx="0">
+            <a:schemeClr val="accent3"/>
+          </a:effectRef>
+          <a:fontRef idx="minor">
+            <a:schemeClr val="lt1"/>
+          </a:fontRef>
+        </p:style>
+        <p:txBody>
+          <a:bodyPr rtlCol="0" anchor="ctr"/>
+          <a:lstStyle/>
+          <a:p>
+            <a:pPr algn="ctr"/>
+            <a:r>
+              <a:rPr lang="en-GB" dirty="0" smtClean="0"/>
+              <a:t>Floor Detection</a:t>
+            </a:r>
+            <a:endParaRPr lang="en-GB" dirty="0"/>
+          </a:p>
+        </p:txBody>
+      </p:sp>
+      <p:sp>
+        <p:nvSpPr>
+          <p:cNvPr id="7" name="Rounded Rectangle 6"/>
+          <p:cNvSpPr/>
+          <p:nvPr/>
+        </p:nvSpPr>
+        <p:spPr>
+          <a:xfrm>
+            <a:off x="5148087" y="4725144"/>
+            <a:ext cx="1314453" cy="576064"/>
+          </a:xfrm>
+          <a:prstGeom prst="roundRect">
+            <a:avLst/>
+          </a:prstGeom>
+          <a:solidFill>
+            <a:schemeClr val="accent5">
+              <a:lumMod val="40000"/>
+              <a:lumOff val="60000"/>
+            </a:schemeClr>
+          </a:solidFill>
+        </p:spPr>
+        <p:style>
+          <a:lnRef idx="2">
+            <a:schemeClr val="accent5">
+              <a:shade val="50000"/>
+            </a:schemeClr>
+          </a:lnRef>
+          <a:fillRef idx="1">
+            <a:schemeClr val="accent5"/>
+          </a:fillRef>
+          <a:effectRef idx="0">
+            <a:schemeClr val="accent5"/>
+          </a:effectRef>
+          <a:fontRef idx="minor">
+            <a:schemeClr val="lt1"/>
+          </a:fontRef>
+        </p:style>
+        <p:txBody>
+          <a:bodyPr rtlCol="0" anchor="ctr"/>
+          <a:lstStyle/>
+          <a:p>
+            <a:pPr algn="ctr"/>
+            <a:r>
+              <a:rPr lang="en-GB" dirty="0" smtClean="0"/>
+              <a:t>Occupancy Map</a:t>
+            </a:r>
+            <a:endParaRPr lang="en-GB" dirty="0"/>
+          </a:p>
+        </p:txBody>
+      </p:sp>
+      <p:sp>
+        <p:nvSpPr>
+          <p:cNvPr id="8" name="Rounded Rectangle 7"/>
+          <p:cNvSpPr/>
+          <p:nvPr/>
+        </p:nvSpPr>
+        <p:spPr>
+          <a:xfrm>
+            <a:off x="2267744" y="4725144"/>
+            <a:ext cx="1224136" cy="576064"/>
+          </a:xfrm>
+          <a:prstGeom prst="roundRect">
+            <a:avLst/>
+          </a:prstGeom>
+        </p:spPr>
+        <p:style>
+          <a:lnRef idx="2">
+            <a:schemeClr val="accent4">
+              <a:shade val="50000"/>
+            </a:schemeClr>
+          </a:lnRef>
+          <a:fillRef idx="1">
+            <a:schemeClr val="accent4"/>
+          </a:fillRef>
+          <a:effectRef idx="0">
+            <a:schemeClr val="accent4"/>
+          </a:effectRef>
+          <a:fontRef idx="minor">
+            <a:schemeClr val="lt1"/>
+          </a:fontRef>
+        </p:style>
+        <p:txBody>
+          <a:bodyPr rtlCol="0" anchor="ctr"/>
+          <a:lstStyle/>
+          <a:p>
+            <a:pPr algn="ctr"/>
+            <a:r>
+              <a:rPr lang="en-GB" dirty="0" smtClean="0"/>
+              <a:t>Clear Direction</a:t>
+            </a:r>
+            <a:endParaRPr lang="en-GB" dirty="0"/>
+          </a:p>
+        </p:txBody>
+      </p:sp>
+      <p:sp>
+        <p:nvSpPr>
+          <p:cNvPr id="10" name="Rounded Rectangle 9"/>
+          <p:cNvSpPr/>
+          <p:nvPr/>
+        </p:nvSpPr>
+        <p:spPr>
+          <a:xfrm>
+            <a:off x="5148087" y="5733256"/>
+            <a:ext cx="1314453" cy="576064"/>
+          </a:xfrm>
+          <a:prstGeom prst="roundRect">
+            <a:avLst/>
+          </a:prstGeom>
+          <a:solidFill>
+            <a:schemeClr val="accent6">
+              <a:lumMod val="40000"/>
+              <a:lumOff val="60000"/>
+            </a:schemeClr>
+          </a:solidFill>
+        </p:spPr>
+        <p:style>
+          <a:lnRef idx="2">
+            <a:schemeClr val="accent6">
+              <a:shade val="50000"/>
+            </a:schemeClr>
+          </a:lnRef>
+          <a:fillRef idx="1">
+            <a:schemeClr val="accent6"/>
+          </a:fillRef>
+          <a:effectRef idx="0">
+            <a:schemeClr val="accent6"/>
+          </a:effectRef>
+          <a:fontRef idx="minor">
+            <a:schemeClr val="lt1"/>
+          </a:fontRef>
+        </p:style>
+        <p:txBody>
+          <a:bodyPr rtlCol="0" anchor="ctr"/>
+          <a:lstStyle/>
+          <a:p>
+            <a:pPr algn="ctr"/>
             <a:r>
               <a:rPr lang="en-GB" dirty="0" err="1" smtClean="0"/>
-              <a:t>Dijkstra's</a:t>
-            </a:r>
-            <a:r>
-              <a:rPr lang="en-GB" dirty="0" smtClean="0"/>
-              <a:t> algorithm</a:t>
-            </a:r>
-          </a:p>
-          <a:p>
-            <a:r>
-              <a:rPr lang="en-GB" dirty="0" smtClean="0"/>
-              <a:t>Space represented as 2D array with each cell either passable or impassable</a:t>
-            </a:r>
-          </a:p>
-          <a:p>
-            <a:r>
-              <a:rPr lang="en-GB" dirty="0" smtClean="0"/>
-              <a:t>Uses a distance-plus-cost function to determine which nodes to search next:</a:t>
-            </a:r>
-          </a:p>
-          <a:p>
-            <a:pPr lvl="1"/>
-            <a:r>
-              <a:rPr lang="en-GB" dirty="0" smtClean="0"/>
-              <a:t>Function of cost  from start cell to current cell</a:t>
-            </a:r>
-          </a:p>
-          <a:p>
-            <a:pPr lvl="1"/>
-            <a:r>
-              <a:rPr lang="en-GB" dirty="0" smtClean="0"/>
-              <a:t>Plus estimated distance from current cell to finish</a:t>
+              <a:t>Pathfinding</a:t>
             </a:r>
             <a:endParaRPr lang="en-GB" dirty="0"/>
           </a:p>
-          <a:p>
-            <a:endParaRPr lang="en-GB" dirty="0" smtClean="0"/>
-          </a:p>
-          <a:p>
-            <a:endParaRPr lang="en-GB" dirty="0"/>
-          </a:p>
-        </p:txBody>
-      </p:sp>
-      <p:sp>
-        <p:nvSpPr>
-          <p:cNvPr id="7" name="TextBox 6"/>
-          <p:cNvSpPr txBox="1"/>
+        </p:txBody>
+      </p:sp>
+      <p:cxnSp>
+        <p:nvCxnSpPr>
+          <p:cNvPr id="12" name="Straight Arrow Connector 11"/>
+          <p:cNvCxnSpPr>
+            <a:stCxn id="4" idx="2"/>
+            <a:endCxn id="5" idx="0"/>
+          </p:cNvCxnSpPr>
           <p:nvPr/>
-        </p:nvSpPr>
-        <p:spPr>
-          <a:xfrm>
-            <a:off x="5035118" y="6529911"/>
-            <a:ext cx="4108882" cy="276999"/>
-          </a:xfrm>
-          <a:prstGeom prst="rect">
-            <a:avLst/>
-          </a:prstGeom>
-          <a:noFill/>
-        </p:spPr>
-        <p:txBody>
-          <a:bodyPr wrap="none" rtlCol="0">
-            <a:spAutoFit/>
-          </a:bodyPr>
-          <a:lstStyle/>
-          <a:p>
-            <a:r>
-              <a:rPr lang="en-GB" sz="1200" dirty="0" smtClean="0">
-                <a:solidFill>
-                  <a:schemeClr val="tx1">
-                    <a:lumMod val="50000"/>
-                    <a:lumOff val="50000"/>
-                  </a:schemeClr>
-                </a:solidFill>
-              </a:rPr>
-              <a:t>http://en.wikipedia.org/wiki/File:Astar_progress_animation.gif</a:t>
-            </a:r>
-            <a:endParaRPr lang="en-GB" sz="1200" dirty="0">
-              <a:solidFill>
-                <a:schemeClr val="tx1">
-                  <a:lumMod val="50000"/>
-                  <a:lumOff val="50000"/>
-                </a:schemeClr>
-              </a:solidFill>
-            </a:endParaRPr>
-          </a:p>
-        </p:txBody>
-      </p:sp>
+        </p:nvCxnSpPr>
+        <p:spPr>
+          <a:xfrm>
+            <a:off x="4319972" y="2060848"/>
+            <a:ext cx="0" cy="486677"/>
+          </a:xfrm>
+          <a:prstGeom prst="straightConnector1">
+            <a:avLst/>
+          </a:prstGeom>
+          <a:ln w="38100">
+            <a:solidFill>
+              <a:schemeClr val="tx1"/>
+            </a:solidFill>
+            <a:tailEnd type="arrow"/>
+          </a:ln>
+        </p:spPr>
+        <p:style>
+          <a:lnRef idx="1">
+            <a:schemeClr val="accent1"/>
+          </a:lnRef>
+          <a:fillRef idx="0">
+            <a:schemeClr val="accent1"/>
+          </a:fillRef>
+          <a:effectRef idx="0">
+            <a:schemeClr val="accent1"/>
+          </a:effectRef>
+          <a:fontRef idx="minor">
+            <a:schemeClr val="tx1"/>
+          </a:fontRef>
+        </p:style>
+      </p:cxnSp>
+      <p:cxnSp>
+        <p:nvCxnSpPr>
+          <p:cNvPr id="15" name="Straight Arrow Connector 14"/>
+          <p:cNvCxnSpPr>
+            <a:stCxn id="5" idx="2"/>
+            <a:endCxn id="6" idx="0"/>
+          </p:cNvCxnSpPr>
+          <p:nvPr/>
+        </p:nvCxnSpPr>
+        <p:spPr>
+          <a:xfrm>
+            <a:off x="4319972" y="3123589"/>
+            <a:ext cx="0" cy="515222"/>
+          </a:xfrm>
+          <a:prstGeom prst="straightConnector1">
+            <a:avLst/>
+          </a:prstGeom>
+          <a:ln w="38100">
+            <a:solidFill>
+              <a:schemeClr val="tx1"/>
+            </a:solidFill>
+            <a:tailEnd type="arrow"/>
+          </a:ln>
+        </p:spPr>
+        <p:style>
+          <a:lnRef idx="1">
+            <a:schemeClr val="accent1"/>
+          </a:lnRef>
+          <a:fillRef idx="0">
+            <a:schemeClr val="accent1"/>
+          </a:fillRef>
+          <a:effectRef idx="0">
+            <a:schemeClr val="accent1"/>
+          </a:effectRef>
+          <a:fontRef idx="minor">
+            <a:schemeClr val="tx1"/>
+          </a:fontRef>
+        </p:style>
+      </p:cxnSp>
+      <p:cxnSp>
+        <p:nvCxnSpPr>
+          <p:cNvPr id="18" name="Elbow Connector 17"/>
+          <p:cNvCxnSpPr>
+            <a:stCxn id="6" idx="2"/>
+            <a:endCxn id="8" idx="0"/>
+          </p:cNvCxnSpPr>
+          <p:nvPr/>
+        </p:nvCxnSpPr>
+        <p:spPr>
+          <a:xfrm rot="5400000">
+            <a:off x="3344758" y="3749929"/>
+            <a:ext cx="510269" cy="1440160"/>
+          </a:xfrm>
+          <a:prstGeom prst="bentConnector3">
+            <a:avLst/>
+          </a:prstGeom>
+          <a:ln w="38100">
+            <a:solidFill>
+              <a:schemeClr val="tx1"/>
+            </a:solidFill>
+            <a:tailEnd type="arrow"/>
+          </a:ln>
+        </p:spPr>
+        <p:style>
+          <a:lnRef idx="1">
+            <a:schemeClr val="accent1"/>
+          </a:lnRef>
+          <a:fillRef idx="0">
+            <a:schemeClr val="accent1"/>
+          </a:fillRef>
+          <a:effectRef idx="0">
+            <a:schemeClr val="accent1"/>
+          </a:effectRef>
+          <a:fontRef idx="minor">
+            <a:schemeClr val="tx1"/>
+          </a:fontRef>
+        </p:style>
+      </p:cxnSp>
+      <p:cxnSp>
+        <p:nvCxnSpPr>
+          <p:cNvPr id="20" name="Elbow Connector 19"/>
+          <p:cNvCxnSpPr>
+            <a:stCxn id="6" idx="2"/>
+            <a:endCxn id="7" idx="0"/>
+          </p:cNvCxnSpPr>
+          <p:nvPr/>
+        </p:nvCxnSpPr>
+        <p:spPr>
+          <a:xfrm rot="16200000" flipH="1">
+            <a:off x="4807509" y="3727338"/>
+            <a:ext cx="510269" cy="1485342"/>
+          </a:xfrm>
+          <a:prstGeom prst="bentConnector3">
+            <a:avLst/>
+          </a:prstGeom>
+          <a:ln w="38100">
+            <a:solidFill>
+              <a:schemeClr val="tx1"/>
+            </a:solidFill>
+            <a:tailEnd type="arrow"/>
+          </a:ln>
+        </p:spPr>
+        <p:style>
+          <a:lnRef idx="1">
+            <a:schemeClr val="accent1"/>
+          </a:lnRef>
+          <a:fillRef idx="0">
+            <a:schemeClr val="accent1"/>
+          </a:fillRef>
+          <a:effectRef idx="0">
+            <a:schemeClr val="accent1"/>
+          </a:effectRef>
+          <a:fontRef idx="minor">
+            <a:schemeClr val="tx1"/>
+          </a:fontRef>
+        </p:style>
+      </p:cxnSp>
+      <p:cxnSp>
+        <p:nvCxnSpPr>
+          <p:cNvPr id="22" name="Straight Arrow Connector 21"/>
+          <p:cNvCxnSpPr>
+            <a:stCxn id="7" idx="2"/>
+            <a:endCxn id="10" idx="0"/>
+          </p:cNvCxnSpPr>
+          <p:nvPr/>
+        </p:nvCxnSpPr>
+        <p:spPr>
+          <a:xfrm>
+            <a:off x="5805314" y="5301208"/>
+            <a:ext cx="0" cy="432048"/>
+          </a:xfrm>
+          <a:prstGeom prst="straightConnector1">
+            <a:avLst/>
+          </a:prstGeom>
+          <a:ln w="38100">
+            <a:solidFill>
+              <a:schemeClr val="tx1"/>
+            </a:solidFill>
+            <a:tailEnd type="arrow"/>
+          </a:ln>
+        </p:spPr>
+        <p:style>
+          <a:lnRef idx="1">
+            <a:schemeClr val="accent1"/>
+          </a:lnRef>
+          <a:fillRef idx="0">
+            <a:schemeClr val="accent1"/>
+          </a:fillRef>
+          <a:effectRef idx="0">
+            <a:schemeClr val="accent1"/>
+          </a:effectRef>
+          <a:fontRef idx="minor">
+            <a:schemeClr val="tx1"/>
+          </a:fontRef>
+        </p:style>
+      </p:cxnSp>
     </p:spTree>
     <p:extLst>
       <p:ext uri="{BB962C8B-B14F-4D97-AF65-F5344CB8AC3E}">
-        <p14:creationId xmlns:p14="http://schemas.microsoft.com/office/powerpoint/2010/main" val="2851810272"/>
+        <p14:creationId xmlns:p14="http://schemas.microsoft.com/office/powerpoint/2010/main" val="1330680699"/>
       </p:ext>
     </p:extLst>
   </p:cSld>
@@ -4394,48 +5815,173 @@
             <p:ph type="title"/>
           </p:nvPr>
         </p:nvSpPr>
+        <p:spPr>
+          <a:solidFill>
+            <a:schemeClr val="accent4"/>
+          </a:solidFill>
+        </p:spPr>
+        <p:style>
+          <a:lnRef idx="2">
+            <a:schemeClr val="accent4"/>
+          </a:lnRef>
+          <a:fillRef idx="1">
+            <a:schemeClr val="lt1"/>
+          </a:fillRef>
+          <a:effectRef idx="0">
+            <a:schemeClr val="accent4"/>
+          </a:effectRef>
+          <a:fontRef idx="minor">
+            <a:schemeClr val="dk1"/>
+          </a:fontRef>
+        </p:style>
+        <p:txBody>
+          <a:bodyPr/>
+          <a:lstStyle/>
+          <a:p>
+            <a:r>
+              <a:rPr lang="en-GB" dirty="0" smtClean="0"/>
+              <a:t>3D Point Cloud – Clear Direction</a:t>
+            </a:r>
+            <a:endParaRPr lang="en-GB" dirty="0"/>
+          </a:p>
+        </p:txBody>
+      </p:sp>
+      <p:sp>
+        <p:nvSpPr>
+          <p:cNvPr id="3" name="Content Placeholder 2"/>
+          <p:cNvSpPr>
+            <a:spLocks noGrp="1"/>
+          </p:cNvSpPr>
+          <p:nvPr>
+            <p:ph sz="half" idx="1"/>
+          </p:nvPr>
+        </p:nvSpPr>
         <p:spPr/>
         <p:txBody>
-          <a:bodyPr/>
-          <a:lstStyle/>
-          <a:p>
-            <a:r>
-              <a:rPr lang="en-GB" dirty="0" smtClean="0"/>
-              <a:t>3D Point Clouds – Other Work</a:t>
+          <a:bodyPr>
+            <a:normAutofit fontScale="92500" lnSpcReduction="10000"/>
+          </a:bodyPr>
+          <a:lstStyle/>
+          <a:p>
+            <a:r>
+              <a:rPr lang="en-GB" dirty="0" smtClean="0"/>
+              <a:t>Calculation of clear directions</a:t>
+            </a:r>
+          </a:p>
+          <a:p>
+            <a:r>
+              <a:rPr lang="en-GB" dirty="0" smtClean="0"/>
+              <a:t>Method:</a:t>
+            </a:r>
+          </a:p>
+          <a:p>
+            <a:pPr lvl="1"/>
+            <a:r>
+              <a:rPr lang="en-GB" dirty="0" smtClean="0"/>
+              <a:t>Box is swept across scene</a:t>
+            </a:r>
+          </a:p>
+          <a:p>
+            <a:pPr lvl="1"/>
+            <a:r>
+              <a:rPr lang="en-GB" dirty="0" smtClean="0"/>
+              <a:t>Floor points and obstacle points within box counted</a:t>
+            </a:r>
+          </a:p>
+          <a:p>
+            <a:pPr lvl="1"/>
+            <a:r>
+              <a:rPr lang="en-GB" dirty="0" smtClean="0"/>
+              <a:t>Boxes with floor points above a threshold and obstacle points below a threshold are marked as clear and displayed</a:t>
+            </a:r>
+          </a:p>
+          <a:p>
+            <a:pPr lvl="1"/>
+            <a:r>
+              <a:rPr lang="en-GB" dirty="0" smtClean="0"/>
+              <a:t>Box length variable</a:t>
             </a:r>
             <a:endParaRPr lang="en-GB" dirty="0"/>
           </a:p>
         </p:txBody>
       </p:sp>
-      <p:sp>
-        <p:nvSpPr>
-          <p:cNvPr id="3" name="Content Placeholder 2"/>
-          <p:cNvSpPr>
-            <a:spLocks noGrp="1"/>
-          </p:cNvSpPr>
-          <p:nvPr>
-            <p:ph idx="1"/>
-          </p:nvPr>
-        </p:nvSpPr>
-        <p:spPr/>
-        <p:txBody>
-          <a:bodyPr/>
-          <a:lstStyle/>
-          <a:p>
-            <a:endParaRPr lang="en-GB" dirty="0"/>
-          </a:p>
-        </p:txBody>
-      </p:sp>
+      <p:pic>
+        <p:nvPicPr>
+          <p:cNvPr id="5" name="Picture 4"/>
+          <p:cNvPicPr>
+            <a:picLocks noChangeAspect="1"/>
+          </p:cNvPicPr>
+          <p:nvPr/>
+        </p:nvPicPr>
+        <p:blipFill>
+          <a:blip r:embed="rId2">
+            <a:extLst>
+              <a:ext uri="{28A0092B-C50C-407E-A947-70E740481C1C}">
+                <a14:useLocalDpi xmlns:a14="http://schemas.microsoft.com/office/drawing/2010/main" val="0"/>
+              </a:ext>
+            </a:extLst>
+          </a:blip>
+          <a:stretch>
+            <a:fillRect/>
+          </a:stretch>
+        </p:blipFill>
+        <p:spPr>
+          <a:xfrm>
+            <a:off x="5885634" y="2708920"/>
+            <a:ext cx="2956116" cy="3904555"/>
+          </a:xfrm>
+          <a:prstGeom prst="rect">
+            <a:avLst/>
+          </a:prstGeom>
+        </p:spPr>
+      </p:pic>
+      <p:pic>
+        <p:nvPicPr>
+          <p:cNvPr id="6" name="Picture 5"/>
+          <p:cNvPicPr>
+            <a:picLocks noChangeAspect="1"/>
+          </p:cNvPicPr>
+          <p:nvPr/>
+        </p:nvPicPr>
+        <p:blipFill>
+          <a:blip r:embed="rId3" cstate="print">
+            <a:extLst>
+              <a:ext uri="{28A0092B-C50C-407E-A947-70E740481C1C}">
+                <a14:useLocalDpi xmlns:a14="http://schemas.microsoft.com/office/drawing/2010/main" val="0"/>
+              </a:ext>
+            </a:extLst>
+          </a:blip>
+          <a:stretch>
+            <a:fillRect/>
+          </a:stretch>
+        </p:blipFill>
+        <p:spPr>
+          <a:xfrm>
+            <a:off x="4499992" y="1700808"/>
+            <a:ext cx="3443740" cy="2708920"/>
+          </a:xfrm>
+          <a:prstGeom prst="rect">
+            <a:avLst/>
+          </a:prstGeom>
+        </p:spPr>
+      </p:pic>
     </p:spTree>
     <p:extLst>
       <p:ext uri="{BB962C8B-B14F-4D97-AF65-F5344CB8AC3E}">
-        <p14:creationId xmlns:p14="http://schemas.microsoft.com/office/powerpoint/2010/main" val="4240996551"/>
+        <p14:creationId xmlns:p14="http://schemas.microsoft.com/office/powerpoint/2010/main" val="950420041"/>
       </p:ext>
     </p:extLst>
   </p:cSld>
   <p:clrMapOvr>
     <a:masterClrMapping/>
   </p:clrMapOvr>
+  <p:timing>
+    <p:tnLst>
+      <p:par>
+        <p:cTn id="1" dur="indefinite" restart="never" nodeType="tmRoot"/>
+      </p:par>
+    </p:tnLst>
+  </p:timing>
 </p:sld>
 </file>
 
@@ -4458,7 +6004,7 @@
       </p:grpSpPr>
       <p:sp>
         <p:nvSpPr>
-          <p:cNvPr id="6" name="Title 5"/>
+          <p:cNvPr id="2" name="Title 1"/>
           <p:cNvSpPr>
             <a:spLocks noGrp="1"/>
           </p:cNvSpPr>
@@ -4473,7 +6019,623 @@
           <a:p>
             <a:r>
               <a:rPr lang="en-GB" dirty="0" smtClean="0"/>
-              <a:t>Demonstration</a:t>
+              <a:t>3D Point Cloud</a:t>
+            </a:r>
+            <a:endParaRPr lang="en-GB" dirty="0"/>
+          </a:p>
+        </p:txBody>
+      </p:sp>
+      <p:sp>
+        <p:nvSpPr>
+          <p:cNvPr id="4" name="Rounded Rectangle 3"/>
+          <p:cNvSpPr/>
+          <p:nvPr/>
+        </p:nvSpPr>
+        <p:spPr>
+          <a:xfrm>
+            <a:off x="3707904" y="1484784"/>
+            <a:ext cx="1224136" cy="576064"/>
+          </a:xfrm>
+          <a:prstGeom prst="roundRect">
+            <a:avLst/>
+          </a:prstGeom>
+          <a:solidFill>
+            <a:schemeClr val="accent1">
+              <a:lumMod val="40000"/>
+              <a:lumOff val="60000"/>
+            </a:schemeClr>
+          </a:solidFill>
+        </p:spPr>
+        <p:style>
+          <a:lnRef idx="2">
+            <a:schemeClr val="accent1">
+              <a:shade val="50000"/>
+            </a:schemeClr>
+          </a:lnRef>
+          <a:fillRef idx="1">
+            <a:schemeClr val="accent1"/>
+          </a:fillRef>
+          <a:effectRef idx="0">
+            <a:schemeClr val="accent1"/>
+          </a:effectRef>
+          <a:fontRef idx="minor">
+            <a:schemeClr val="lt1"/>
+          </a:fontRef>
+        </p:style>
+        <p:txBody>
+          <a:bodyPr rtlCol="0" anchor="ctr"/>
+          <a:lstStyle/>
+          <a:p>
+            <a:pPr algn="ctr"/>
+            <a:r>
+              <a:rPr lang="en-GB" dirty="0" smtClean="0"/>
+              <a:t>Point Cloud</a:t>
+            </a:r>
+            <a:endParaRPr lang="en-GB" dirty="0"/>
+          </a:p>
+        </p:txBody>
+      </p:sp>
+      <p:sp>
+        <p:nvSpPr>
+          <p:cNvPr id="5" name="Rounded Rectangle 4"/>
+          <p:cNvSpPr/>
+          <p:nvPr/>
+        </p:nvSpPr>
+        <p:spPr>
+          <a:xfrm>
+            <a:off x="3707904" y="2547525"/>
+            <a:ext cx="1224136" cy="576064"/>
+          </a:xfrm>
+          <a:prstGeom prst="roundRect">
+            <a:avLst/>
+          </a:prstGeom>
+          <a:solidFill>
+            <a:schemeClr val="accent2">
+              <a:lumMod val="40000"/>
+              <a:lumOff val="60000"/>
+            </a:schemeClr>
+          </a:solidFill>
+        </p:spPr>
+        <p:style>
+          <a:lnRef idx="2">
+            <a:schemeClr val="accent2">
+              <a:shade val="50000"/>
+            </a:schemeClr>
+          </a:lnRef>
+          <a:fillRef idx="1">
+            <a:schemeClr val="accent2"/>
+          </a:fillRef>
+          <a:effectRef idx="0">
+            <a:schemeClr val="accent2"/>
+          </a:effectRef>
+          <a:fontRef idx="minor">
+            <a:schemeClr val="lt1"/>
+          </a:fontRef>
+        </p:style>
+        <p:txBody>
+          <a:bodyPr rtlCol="0" anchor="ctr"/>
+          <a:lstStyle/>
+          <a:p>
+            <a:pPr algn="ctr"/>
+            <a:r>
+              <a:rPr lang="en-GB" dirty="0" smtClean="0"/>
+              <a:t>Voxel</a:t>
+            </a:r>
+            <a:endParaRPr lang="en-GB" dirty="0"/>
+          </a:p>
+        </p:txBody>
+      </p:sp>
+      <p:sp>
+        <p:nvSpPr>
+          <p:cNvPr id="6" name="Rounded Rectangle 5"/>
+          <p:cNvSpPr/>
+          <p:nvPr/>
+        </p:nvSpPr>
+        <p:spPr>
+          <a:xfrm>
+            <a:off x="3707904" y="3638811"/>
+            <a:ext cx="1224136" cy="576064"/>
+          </a:xfrm>
+          <a:prstGeom prst="roundRect">
+            <a:avLst/>
+          </a:prstGeom>
+          <a:solidFill>
+            <a:schemeClr val="accent3">
+              <a:lumMod val="40000"/>
+              <a:lumOff val="60000"/>
+            </a:schemeClr>
+          </a:solidFill>
+        </p:spPr>
+        <p:style>
+          <a:lnRef idx="2">
+            <a:schemeClr val="accent3">
+              <a:shade val="50000"/>
+            </a:schemeClr>
+          </a:lnRef>
+          <a:fillRef idx="1">
+            <a:schemeClr val="accent3"/>
+          </a:fillRef>
+          <a:effectRef idx="0">
+            <a:schemeClr val="accent3"/>
+          </a:effectRef>
+          <a:fontRef idx="minor">
+            <a:schemeClr val="lt1"/>
+          </a:fontRef>
+        </p:style>
+        <p:txBody>
+          <a:bodyPr rtlCol="0" anchor="ctr"/>
+          <a:lstStyle/>
+          <a:p>
+            <a:pPr algn="ctr"/>
+            <a:r>
+              <a:rPr lang="en-GB" dirty="0" smtClean="0"/>
+              <a:t>Floor Detection</a:t>
+            </a:r>
+            <a:endParaRPr lang="en-GB" dirty="0"/>
+          </a:p>
+        </p:txBody>
+      </p:sp>
+      <p:sp>
+        <p:nvSpPr>
+          <p:cNvPr id="7" name="Rounded Rectangle 6"/>
+          <p:cNvSpPr/>
+          <p:nvPr/>
+        </p:nvSpPr>
+        <p:spPr>
+          <a:xfrm>
+            <a:off x="5148087" y="4725144"/>
+            <a:ext cx="1314453" cy="576064"/>
+          </a:xfrm>
+          <a:prstGeom prst="roundRect">
+            <a:avLst/>
+          </a:prstGeom>
+        </p:spPr>
+        <p:style>
+          <a:lnRef idx="2">
+            <a:schemeClr val="accent5">
+              <a:shade val="50000"/>
+            </a:schemeClr>
+          </a:lnRef>
+          <a:fillRef idx="1">
+            <a:schemeClr val="accent5"/>
+          </a:fillRef>
+          <a:effectRef idx="0">
+            <a:schemeClr val="accent5"/>
+          </a:effectRef>
+          <a:fontRef idx="minor">
+            <a:schemeClr val="lt1"/>
+          </a:fontRef>
+        </p:style>
+        <p:txBody>
+          <a:bodyPr rtlCol="0" anchor="ctr"/>
+          <a:lstStyle/>
+          <a:p>
+            <a:pPr algn="ctr"/>
+            <a:r>
+              <a:rPr lang="en-GB" dirty="0" smtClean="0"/>
+              <a:t>Occupancy Map</a:t>
+            </a:r>
+            <a:endParaRPr lang="en-GB" dirty="0"/>
+          </a:p>
+        </p:txBody>
+      </p:sp>
+      <p:sp>
+        <p:nvSpPr>
+          <p:cNvPr id="8" name="Rounded Rectangle 7"/>
+          <p:cNvSpPr/>
+          <p:nvPr/>
+        </p:nvSpPr>
+        <p:spPr>
+          <a:xfrm>
+            <a:off x="2267744" y="4725144"/>
+            <a:ext cx="1224136" cy="576064"/>
+          </a:xfrm>
+          <a:prstGeom prst="roundRect">
+            <a:avLst/>
+          </a:prstGeom>
+          <a:solidFill>
+            <a:schemeClr val="accent4">
+              <a:lumMod val="40000"/>
+              <a:lumOff val="60000"/>
+            </a:schemeClr>
+          </a:solidFill>
+        </p:spPr>
+        <p:style>
+          <a:lnRef idx="2">
+            <a:schemeClr val="accent4">
+              <a:shade val="50000"/>
+            </a:schemeClr>
+          </a:lnRef>
+          <a:fillRef idx="1">
+            <a:schemeClr val="accent4"/>
+          </a:fillRef>
+          <a:effectRef idx="0">
+            <a:schemeClr val="accent4"/>
+          </a:effectRef>
+          <a:fontRef idx="minor">
+            <a:schemeClr val="lt1"/>
+          </a:fontRef>
+        </p:style>
+        <p:txBody>
+          <a:bodyPr rtlCol="0" anchor="ctr"/>
+          <a:lstStyle/>
+          <a:p>
+            <a:pPr algn="ctr"/>
+            <a:r>
+              <a:rPr lang="en-GB" dirty="0" smtClean="0"/>
+              <a:t>Clear Direction</a:t>
+            </a:r>
+            <a:endParaRPr lang="en-GB" dirty="0"/>
+          </a:p>
+        </p:txBody>
+      </p:sp>
+      <p:sp>
+        <p:nvSpPr>
+          <p:cNvPr id="10" name="Rounded Rectangle 9"/>
+          <p:cNvSpPr/>
+          <p:nvPr/>
+        </p:nvSpPr>
+        <p:spPr>
+          <a:xfrm>
+            <a:off x="5148087" y="5733256"/>
+            <a:ext cx="1314453" cy="576064"/>
+          </a:xfrm>
+          <a:prstGeom prst="roundRect">
+            <a:avLst/>
+          </a:prstGeom>
+          <a:solidFill>
+            <a:schemeClr val="accent6">
+              <a:lumMod val="40000"/>
+              <a:lumOff val="60000"/>
+            </a:schemeClr>
+          </a:solidFill>
+        </p:spPr>
+        <p:style>
+          <a:lnRef idx="2">
+            <a:schemeClr val="accent6">
+              <a:shade val="50000"/>
+            </a:schemeClr>
+          </a:lnRef>
+          <a:fillRef idx="1">
+            <a:schemeClr val="accent6"/>
+          </a:fillRef>
+          <a:effectRef idx="0">
+            <a:schemeClr val="accent6"/>
+          </a:effectRef>
+          <a:fontRef idx="minor">
+            <a:schemeClr val="lt1"/>
+          </a:fontRef>
+        </p:style>
+        <p:txBody>
+          <a:bodyPr rtlCol="0" anchor="ctr"/>
+          <a:lstStyle/>
+          <a:p>
+            <a:pPr algn="ctr"/>
+            <a:r>
+              <a:rPr lang="en-GB" dirty="0" err="1" smtClean="0"/>
+              <a:t>Pathfinding</a:t>
+            </a:r>
+            <a:endParaRPr lang="en-GB" dirty="0"/>
+          </a:p>
+        </p:txBody>
+      </p:sp>
+      <p:cxnSp>
+        <p:nvCxnSpPr>
+          <p:cNvPr id="12" name="Straight Arrow Connector 11"/>
+          <p:cNvCxnSpPr>
+            <a:stCxn id="4" idx="2"/>
+            <a:endCxn id="5" idx="0"/>
+          </p:cNvCxnSpPr>
+          <p:nvPr/>
+        </p:nvCxnSpPr>
+        <p:spPr>
+          <a:xfrm>
+            <a:off x="4319972" y="2060848"/>
+            <a:ext cx="0" cy="486677"/>
+          </a:xfrm>
+          <a:prstGeom prst="straightConnector1">
+            <a:avLst/>
+          </a:prstGeom>
+          <a:ln w="38100">
+            <a:solidFill>
+              <a:schemeClr val="tx1"/>
+            </a:solidFill>
+            <a:tailEnd type="arrow"/>
+          </a:ln>
+        </p:spPr>
+        <p:style>
+          <a:lnRef idx="1">
+            <a:schemeClr val="accent1"/>
+          </a:lnRef>
+          <a:fillRef idx="0">
+            <a:schemeClr val="accent1"/>
+          </a:fillRef>
+          <a:effectRef idx="0">
+            <a:schemeClr val="accent1"/>
+          </a:effectRef>
+          <a:fontRef idx="minor">
+            <a:schemeClr val="tx1"/>
+          </a:fontRef>
+        </p:style>
+      </p:cxnSp>
+      <p:cxnSp>
+        <p:nvCxnSpPr>
+          <p:cNvPr id="15" name="Straight Arrow Connector 14"/>
+          <p:cNvCxnSpPr>
+            <a:stCxn id="5" idx="2"/>
+            <a:endCxn id="6" idx="0"/>
+          </p:cNvCxnSpPr>
+          <p:nvPr/>
+        </p:nvCxnSpPr>
+        <p:spPr>
+          <a:xfrm>
+            <a:off x="4319972" y="3123589"/>
+            <a:ext cx="0" cy="515222"/>
+          </a:xfrm>
+          <a:prstGeom prst="straightConnector1">
+            <a:avLst/>
+          </a:prstGeom>
+          <a:ln w="38100">
+            <a:solidFill>
+              <a:schemeClr val="tx1"/>
+            </a:solidFill>
+            <a:tailEnd type="arrow"/>
+          </a:ln>
+        </p:spPr>
+        <p:style>
+          <a:lnRef idx="1">
+            <a:schemeClr val="accent1"/>
+          </a:lnRef>
+          <a:fillRef idx="0">
+            <a:schemeClr val="accent1"/>
+          </a:fillRef>
+          <a:effectRef idx="0">
+            <a:schemeClr val="accent1"/>
+          </a:effectRef>
+          <a:fontRef idx="minor">
+            <a:schemeClr val="tx1"/>
+          </a:fontRef>
+        </p:style>
+      </p:cxnSp>
+      <p:cxnSp>
+        <p:nvCxnSpPr>
+          <p:cNvPr id="18" name="Elbow Connector 17"/>
+          <p:cNvCxnSpPr>
+            <a:stCxn id="6" idx="2"/>
+            <a:endCxn id="8" idx="0"/>
+          </p:cNvCxnSpPr>
+          <p:nvPr/>
+        </p:nvCxnSpPr>
+        <p:spPr>
+          <a:xfrm rot="5400000">
+            <a:off x="3344758" y="3749929"/>
+            <a:ext cx="510269" cy="1440160"/>
+          </a:xfrm>
+          <a:prstGeom prst="bentConnector3">
+            <a:avLst/>
+          </a:prstGeom>
+          <a:ln w="38100">
+            <a:solidFill>
+              <a:schemeClr val="tx1"/>
+            </a:solidFill>
+            <a:tailEnd type="arrow"/>
+          </a:ln>
+        </p:spPr>
+        <p:style>
+          <a:lnRef idx="1">
+            <a:schemeClr val="accent1"/>
+          </a:lnRef>
+          <a:fillRef idx="0">
+            <a:schemeClr val="accent1"/>
+          </a:fillRef>
+          <a:effectRef idx="0">
+            <a:schemeClr val="accent1"/>
+          </a:effectRef>
+          <a:fontRef idx="minor">
+            <a:schemeClr val="tx1"/>
+          </a:fontRef>
+        </p:style>
+      </p:cxnSp>
+      <p:cxnSp>
+        <p:nvCxnSpPr>
+          <p:cNvPr id="20" name="Elbow Connector 19"/>
+          <p:cNvCxnSpPr>
+            <a:stCxn id="6" idx="2"/>
+            <a:endCxn id="7" idx="0"/>
+          </p:cNvCxnSpPr>
+          <p:nvPr/>
+        </p:nvCxnSpPr>
+        <p:spPr>
+          <a:xfrm rot="16200000" flipH="1">
+            <a:off x="4807509" y="3727338"/>
+            <a:ext cx="510269" cy="1485342"/>
+          </a:xfrm>
+          <a:prstGeom prst="bentConnector3">
+            <a:avLst/>
+          </a:prstGeom>
+          <a:ln w="38100">
+            <a:solidFill>
+              <a:schemeClr val="tx1"/>
+            </a:solidFill>
+            <a:tailEnd type="arrow"/>
+          </a:ln>
+        </p:spPr>
+        <p:style>
+          <a:lnRef idx="1">
+            <a:schemeClr val="accent1"/>
+          </a:lnRef>
+          <a:fillRef idx="0">
+            <a:schemeClr val="accent1"/>
+          </a:fillRef>
+          <a:effectRef idx="0">
+            <a:schemeClr val="accent1"/>
+          </a:effectRef>
+          <a:fontRef idx="minor">
+            <a:schemeClr val="tx1"/>
+          </a:fontRef>
+        </p:style>
+      </p:cxnSp>
+      <p:cxnSp>
+        <p:nvCxnSpPr>
+          <p:cNvPr id="22" name="Straight Arrow Connector 21"/>
+          <p:cNvCxnSpPr>
+            <a:stCxn id="7" idx="2"/>
+            <a:endCxn id="10" idx="0"/>
+          </p:cNvCxnSpPr>
+          <p:nvPr/>
+        </p:nvCxnSpPr>
+        <p:spPr>
+          <a:xfrm>
+            <a:off x="5805314" y="5301208"/>
+            <a:ext cx="0" cy="432048"/>
+          </a:xfrm>
+          <a:prstGeom prst="straightConnector1">
+            <a:avLst/>
+          </a:prstGeom>
+          <a:ln w="38100">
+            <a:solidFill>
+              <a:schemeClr val="tx1"/>
+            </a:solidFill>
+            <a:tailEnd type="arrow"/>
+          </a:ln>
+        </p:spPr>
+        <p:style>
+          <a:lnRef idx="1">
+            <a:schemeClr val="accent1"/>
+          </a:lnRef>
+          <a:fillRef idx="0">
+            <a:schemeClr val="accent1"/>
+          </a:fillRef>
+          <a:effectRef idx="0">
+            <a:schemeClr val="accent1"/>
+          </a:effectRef>
+          <a:fontRef idx="minor">
+            <a:schemeClr val="tx1"/>
+          </a:fontRef>
+        </p:style>
+      </p:cxnSp>
+    </p:spTree>
+    <p:extLst>
+      <p:ext uri="{BB962C8B-B14F-4D97-AF65-F5344CB8AC3E}">
+        <p14:creationId xmlns:p14="http://schemas.microsoft.com/office/powerpoint/2010/main" val="1330680699"/>
+      </p:ext>
+    </p:extLst>
+  </p:cSld>
+  <p:clrMapOvr>
+    <a:masterClrMapping/>
+  </p:clrMapOvr>
+  <p:timing>
+    <p:tnLst>
+      <p:par>
+        <p:cTn id="1" dur="indefinite" restart="never" nodeType="tmRoot"/>
+      </p:par>
+    </p:tnLst>
+  </p:timing>
+</p:sld>
+</file>
+
+<file path=ppt/slides/slide17.xml><?xml version="1.0" encoding="utf-8"?>
+<p:sld xmlns:a="http://schemas.openxmlformats.org/drawingml/2006/main" xmlns:r="http://schemas.openxmlformats.org/officeDocument/2006/relationships" xmlns:p="http://schemas.openxmlformats.org/presentationml/2006/main">
+  <p:cSld>
+    <p:spTree>
+      <p:nvGrpSpPr>
+        <p:cNvPr id="1" name=""/>
+        <p:cNvGrpSpPr/>
+        <p:nvPr/>
+      </p:nvGrpSpPr>
+      <p:grpSpPr>
+        <a:xfrm>
+          <a:off x="0" y="0"/>
+          <a:ext cx="0" cy="0"/>
+          <a:chOff x="0" y="0"/>
+          <a:chExt cx="0" cy="0"/>
+        </a:xfrm>
+      </p:grpSpPr>
+      <p:sp>
+        <p:nvSpPr>
+          <p:cNvPr id="2" name="Title 1"/>
+          <p:cNvSpPr>
+            <a:spLocks noGrp="1"/>
+          </p:cNvSpPr>
+          <p:nvPr>
+            <p:ph type="title"/>
+          </p:nvPr>
+        </p:nvSpPr>
+        <p:spPr>
+          <a:solidFill>
+            <a:schemeClr val="accent5"/>
+          </a:solidFill>
+        </p:spPr>
+        <p:style>
+          <a:lnRef idx="2">
+            <a:schemeClr val="accent5"/>
+          </a:lnRef>
+          <a:fillRef idx="1">
+            <a:schemeClr val="lt1"/>
+          </a:fillRef>
+          <a:effectRef idx="0">
+            <a:schemeClr val="accent5"/>
+          </a:effectRef>
+          <a:fontRef idx="minor">
+            <a:schemeClr val="dk1"/>
+          </a:fontRef>
+        </p:style>
+        <p:txBody>
+          <a:bodyPr/>
+          <a:lstStyle/>
+          <a:p>
+            <a:r>
+              <a:rPr lang="en-GB" dirty="0" smtClean="0"/>
+              <a:t>3D Point Cloud – Occupancy Map</a:t>
+            </a:r>
+            <a:endParaRPr lang="en-GB" dirty="0"/>
+          </a:p>
+        </p:txBody>
+      </p:sp>
+      <p:sp>
+        <p:nvSpPr>
+          <p:cNvPr id="3" name="Content Placeholder 2"/>
+          <p:cNvSpPr>
+            <a:spLocks noGrp="1"/>
+          </p:cNvSpPr>
+          <p:nvPr>
+            <p:ph sz="half" idx="1"/>
+          </p:nvPr>
+        </p:nvSpPr>
+        <p:spPr/>
+        <p:txBody>
+          <a:bodyPr/>
+          <a:lstStyle/>
+          <a:p>
+            <a:r>
+              <a:rPr lang="en-GB" dirty="0" smtClean="0"/>
+              <a:t>A 2D Occupancy map was constructed</a:t>
+            </a:r>
+          </a:p>
+          <a:p>
+            <a:r>
+              <a:rPr lang="en-GB" dirty="0" smtClean="0"/>
+              <a:t>Method:</a:t>
+            </a:r>
+          </a:p>
+          <a:p>
+            <a:pPr lvl="1"/>
+            <a:r>
+              <a:rPr lang="en-GB" dirty="0" smtClean="0"/>
+              <a:t>Floor captured, dilated and marked as passable</a:t>
+            </a:r>
+          </a:p>
+          <a:p>
+            <a:pPr lvl="1"/>
+            <a:r>
+              <a:rPr lang="en-GB" dirty="0" smtClean="0"/>
+              <a:t>Obstacle points captured, dilated and marked as impassable</a:t>
+            </a:r>
+          </a:p>
+          <a:p>
+            <a:r>
+              <a:rPr lang="en-GB" dirty="0" smtClean="0"/>
+              <a:t>Dilation to account for wheelchair width</a:t>
             </a:r>
             <a:endParaRPr lang="en-GB" dirty="0"/>
           </a:p>
@@ -4481,12 +6643,958 @@
       </p:sp>
       <p:pic>
         <p:nvPicPr>
-          <p:cNvPr id="8" name="Content Placeholder 7"/>
+          <p:cNvPr id="5" name="Content Placeholder 4"/>
           <p:cNvPicPr>
             <a:picLocks noGrp="1" noChangeAspect="1"/>
           </p:cNvPicPr>
           <p:nvPr>
+            <p:ph sz="half" idx="2"/>
+          </p:nvPr>
+        </p:nvPicPr>
+        <p:blipFill rotWithShape="1">
+          <a:blip r:embed="rId2">
+            <a:extLst>
+              <a:ext uri="{28A0092B-C50C-407E-A947-70E740481C1C}">
+                <a14:useLocalDpi xmlns:a14="http://schemas.microsoft.com/office/drawing/2010/main" val="0"/>
+              </a:ext>
+            </a:extLst>
+          </a:blip>
+          <a:srcRect l="2290"/>
+          <a:stretch/>
+        </p:blipFill>
+        <p:spPr>
+          <a:xfrm>
+            <a:off x="4716016" y="1556792"/>
+            <a:ext cx="3946124" cy="3505950"/>
+          </a:xfrm>
+        </p:spPr>
+      </p:pic>
+    </p:spTree>
+    <p:extLst>
+      <p:ext uri="{BB962C8B-B14F-4D97-AF65-F5344CB8AC3E}">
+        <p14:creationId xmlns:p14="http://schemas.microsoft.com/office/powerpoint/2010/main" val="999456021"/>
+      </p:ext>
+    </p:extLst>
+  </p:cSld>
+  <p:clrMapOvr>
+    <a:masterClrMapping/>
+  </p:clrMapOvr>
+  <p:timing>
+    <p:tnLst>
+      <p:par>
+        <p:cTn id="1" dur="indefinite" restart="never" nodeType="tmRoot"/>
+      </p:par>
+    </p:tnLst>
+  </p:timing>
+</p:sld>
+</file>
+
+<file path=ppt/slides/slide18.xml><?xml version="1.0" encoding="utf-8"?>
+<p:sld xmlns:a="http://schemas.openxmlformats.org/drawingml/2006/main" xmlns:r="http://schemas.openxmlformats.org/officeDocument/2006/relationships" xmlns:p="http://schemas.openxmlformats.org/presentationml/2006/main">
+  <p:cSld>
+    <p:spTree>
+      <p:nvGrpSpPr>
+        <p:cNvPr id="1" name=""/>
+        <p:cNvGrpSpPr/>
+        <p:nvPr/>
+      </p:nvGrpSpPr>
+      <p:grpSpPr>
+        <a:xfrm>
+          <a:off x="0" y="0"/>
+          <a:ext cx="0" cy="0"/>
+          <a:chOff x="0" y="0"/>
+          <a:chExt cx="0" cy="0"/>
+        </a:xfrm>
+      </p:grpSpPr>
+      <p:sp>
+        <p:nvSpPr>
+          <p:cNvPr id="2" name="Title 1"/>
+          <p:cNvSpPr>
+            <a:spLocks noGrp="1"/>
+          </p:cNvSpPr>
+          <p:nvPr>
+            <p:ph type="title"/>
+          </p:nvPr>
+        </p:nvSpPr>
+        <p:spPr/>
+        <p:txBody>
+          <a:bodyPr/>
+          <a:lstStyle/>
+          <a:p>
+            <a:r>
+              <a:rPr lang="en-GB" dirty="0" smtClean="0"/>
+              <a:t>3D Point Cloud</a:t>
+            </a:r>
+            <a:endParaRPr lang="en-GB" dirty="0"/>
+          </a:p>
+        </p:txBody>
+      </p:sp>
+      <p:sp>
+        <p:nvSpPr>
+          <p:cNvPr id="4" name="Rounded Rectangle 3"/>
+          <p:cNvSpPr/>
+          <p:nvPr/>
+        </p:nvSpPr>
+        <p:spPr>
+          <a:xfrm>
+            <a:off x="3707904" y="1484784"/>
+            <a:ext cx="1224136" cy="576064"/>
+          </a:xfrm>
+          <a:prstGeom prst="roundRect">
+            <a:avLst/>
+          </a:prstGeom>
+          <a:solidFill>
+            <a:schemeClr val="accent1">
+              <a:lumMod val="40000"/>
+              <a:lumOff val="60000"/>
+            </a:schemeClr>
+          </a:solidFill>
+        </p:spPr>
+        <p:style>
+          <a:lnRef idx="2">
+            <a:schemeClr val="accent1">
+              <a:shade val="50000"/>
+            </a:schemeClr>
+          </a:lnRef>
+          <a:fillRef idx="1">
+            <a:schemeClr val="accent1"/>
+          </a:fillRef>
+          <a:effectRef idx="0">
+            <a:schemeClr val="accent1"/>
+          </a:effectRef>
+          <a:fontRef idx="minor">
+            <a:schemeClr val="lt1"/>
+          </a:fontRef>
+        </p:style>
+        <p:txBody>
+          <a:bodyPr rtlCol="0" anchor="ctr"/>
+          <a:lstStyle/>
+          <a:p>
+            <a:pPr algn="ctr"/>
+            <a:r>
+              <a:rPr lang="en-GB" dirty="0" smtClean="0"/>
+              <a:t>Point Cloud</a:t>
+            </a:r>
+            <a:endParaRPr lang="en-GB" dirty="0"/>
+          </a:p>
+        </p:txBody>
+      </p:sp>
+      <p:sp>
+        <p:nvSpPr>
+          <p:cNvPr id="5" name="Rounded Rectangle 4"/>
+          <p:cNvSpPr/>
+          <p:nvPr/>
+        </p:nvSpPr>
+        <p:spPr>
+          <a:xfrm>
+            <a:off x="3707904" y="2547525"/>
+            <a:ext cx="1224136" cy="576064"/>
+          </a:xfrm>
+          <a:prstGeom prst="roundRect">
+            <a:avLst/>
+          </a:prstGeom>
+          <a:solidFill>
+            <a:schemeClr val="accent2">
+              <a:lumMod val="40000"/>
+              <a:lumOff val="60000"/>
+            </a:schemeClr>
+          </a:solidFill>
+        </p:spPr>
+        <p:style>
+          <a:lnRef idx="2">
+            <a:schemeClr val="accent2">
+              <a:shade val="50000"/>
+            </a:schemeClr>
+          </a:lnRef>
+          <a:fillRef idx="1">
+            <a:schemeClr val="accent2"/>
+          </a:fillRef>
+          <a:effectRef idx="0">
+            <a:schemeClr val="accent2"/>
+          </a:effectRef>
+          <a:fontRef idx="minor">
+            <a:schemeClr val="lt1"/>
+          </a:fontRef>
+        </p:style>
+        <p:txBody>
+          <a:bodyPr rtlCol="0" anchor="ctr"/>
+          <a:lstStyle/>
+          <a:p>
+            <a:pPr algn="ctr"/>
+            <a:r>
+              <a:rPr lang="en-GB" dirty="0" smtClean="0"/>
+              <a:t>Voxel</a:t>
+            </a:r>
+            <a:endParaRPr lang="en-GB" dirty="0"/>
+          </a:p>
+        </p:txBody>
+      </p:sp>
+      <p:sp>
+        <p:nvSpPr>
+          <p:cNvPr id="6" name="Rounded Rectangle 5"/>
+          <p:cNvSpPr/>
+          <p:nvPr/>
+        </p:nvSpPr>
+        <p:spPr>
+          <a:xfrm>
+            <a:off x="3707904" y="3638811"/>
+            <a:ext cx="1224136" cy="576064"/>
+          </a:xfrm>
+          <a:prstGeom prst="roundRect">
+            <a:avLst/>
+          </a:prstGeom>
+          <a:solidFill>
+            <a:schemeClr val="accent3">
+              <a:lumMod val="40000"/>
+              <a:lumOff val="60000"/>
+            </a:schemeClr>
+          </a:solidFill>
+        </p:spPr>
+        <p:style>
+          <a:lnRef idx="2">
+            <a:schemeClr val="accent3">
+              <a:shade val="50000"/>
+            </a:schemeClr>
+          </a:lnRef>
+          <a:fillRef idx="1">
+            <a:schemeClr val="accent3"/>
+          </a:fillRef>
+          <a:effectRef idx="0">
+            <a:schemeClr val="accent3"/>
+          </a:effectRef>
+          <a:fontRef idx="minor">
+            <a:schemeClr val="lt1"/>
+          </a:fontRef>
+        </p:style>
+        <p:txBody>
+          <a:bodyPr rtlCol="0" anchor="ctr"/>
+          <a:lstStyle/>
+          <a:p>
+            <a:pPr algn="ctr"/>
+            <a:r>
+              <a:rPr lang="en-GB" dirty="0" smtClean="0"/>
+              <a:t>Floor Detection</a:t>
+            </a:r>
+            <a:endParaRPr lang="en-GB" dirty="0"/>
+          </a:p>
+        </p:txBody>
+      </p:sp>
+      <p:sp>
+        <p:nvSpPr>
+          <p:cNvPr id="7" name="Rounded Rectangle 6"/>
+          <p:cNvSpPr/>
+          <p:nvPr/>
+        </p:nvSpPr>
+        <p:spPr>
+          <a:xfrm>
+            <a:off x="5148087" y="4725144"/>
+            <a:ext cx="1314453" cy="576064"/>
+          </a:xfrm>
+          <a:prstGeom prst="roundRect">
+            <a:avLst/>
+          </a:prstGeom>
+          <a:solidFill>
+            <a:schemeClr val="accent5">
+              <a:lumMod val="40000"/>
+              <a:lumOff val="60000"/>
+            </a:schemeClr>
+          </a:solidFill>
+        </p:spPr>
+        <p:style>
+          <a:lnRef idx="2">
+            <a:schemeClr val="accent5">
+              <a:shade val="50000"/>
+            </a:schemeClr>
+          </a:lnRef>
+          <a:fillRef idx="1">
+            <a:schemeClr val="accent5"/>
+          </a:fillRef>
+          <a:effectRef idx="0">
+            <a:schemeClr val="accent5"/>
+          </a:effectRef>
+          <a:fontRef idx="minor">
+            <a:schemeClr val="lt1"/>
+          </a:fontRef>
+        </p:style>
+        <p:txBody>
+          <a:bodyPr rtlCol="0" anchor="ctr"/>
+          <a:lstStyle/>
+          <a:p>
+            <a:pPr algn="ctr"/>
+            <a:r>
+              <a:rPr lang="en-GB" dirty="0" smtClean="0"/>
+              <a:t>Occupancy Map</a:t>
+            </a:r>
+            <a:endParaRPr lang="en-GB" dirty="0"/>
+          </a:p>
+        </p:txBody>
+      </p:sp>
+      <p:sp>
+        <p:nvSpPr>
+          <p:cNvPr id="8" name="Rounded Rectangle 7"/>
+          <p:cNvSpPr/>
+          <p:nvPr/>
+        </p:nvSpPr>
+        <p:spPr>
+          <a:xfrm>
+            <a:off x="2267744" y="4725144"/>
+            <a:ext cx="1224136" cy="576064"/>
+          </a:xfrm>
+          <a:prstGeom prst="roundRect">
+            <a:avLst/>
+          </a:prstGeom>
+          <a:solidFill>
+            <a:schemeClr val="accent4">
+              <a:lumMod val="40000"/>
+              <a:lumOff val="60000"/>
+            </a:schemeClr>
+          </a:solidFill>
+        </p:spPr>
+        <p:style>
+          <a:lnRef idx="2">
+            <a:schemeClr val="accent4">
+              <a:shade val="50000"/>
+            </a:schemeClr>
+          </a:lnRef>
+          <a:fillRef idx="1">
+            <a:schemeClr val="accent4"/>
+          </a:fillRef>
+          <a:effectRef idx="0">
+            <a:schemeClr val="accent4"/>
+          </a:effectRef>
+          <a:fontRef idx="minor">
+            <a:schemeClr val="lt1"/>
+          </a:fontRef>
+        </p:style>
+        <p:txBody>
+          <a:bodyPr rtlCol="0" anchor="ctr"/>
+          <a:lstStyle/>
+          <a:p>
+            <a:pPr algn="ctr"/>
+            <a:r>
+              <a:rPr lang="en-GB" dirty="0" smtClean="0"/>
+              <a:t>Clear Direction</a:t>
+            </a:r>
+            <a:endParaRPr lang="en-GB" dirty="0"/>
+          </a:p>
+        </p:txBody>
+      </p:sp>
+      <p:sp>
+        <p:nvSpPr>
+          <p:cNvPr id="10" name="Rounded Rectangle 9"/>
+          <p:cNvSpPr/>
+          <p:nvPr/>
+        </p:nvSpPr>
+        <p:spPr>
+          <a:xfrm>
+            <a:off x="5148087" y="5733256"/>
+            <a:ext cx="1314453" cy="576064"/>
+          </a:xfrm>
+          <a:prstGeom prst="roundRect">
+            <a:avLst/>
+          </a:prstGeom>
+        </p:spPr>
+        <p:style>
+          <a:lnRef idx="2">
+            <a:schemeClr val="accent6">
+              <a:shade val="50000"/>
+            </a:schemeClr>
+          </a:lnRef>
+          <a:fillRef idx="1">
+            <a:schemeClr val="accent6"/>
+          </a:fillRef>
+          <a:effectRef idx="0">
+            <a:schemeClr val="accent6"/>
+          </a:effectRef>
+          <a:fontRef idx="minor">
+            <a:schemeClr val="lt1"/>
+          </a:fontRef>
+        </p:style>
+        <p:txBody>
+          <a:bodyPr rtlCol="0" anchor="ctr"/>
+          <a:lstStyle/>
+          <a:p>
+            <a:pPr algn="ctr"/>
+            <a:r>
+              <a:rPr lang="en-GB" dirty="0" err="1" smtClean="0"/>
+              <a:t>Pathfinding</a:t>
+            </a:r>
+            <a:endParaRPr lang="en-GB" dirty="0"/>
+          </a:p>
+        </p:txBody>
+      </p:sp>
+      <p:cxnSp>
+        <p:nvCxnSpPr>
+          <p:cNvPr id="12" name="Straight Arrow Connector 11"/>
+          <p:cNvCxnSpPr>
+            <a:stCxn id="4" idx="2"/>
+            <a:endCxn id="5" idx="0"/>
+          </p:cNvCxnSpPr>
+          <p:nvPr/>
+        </p:nvCxnSpPr>
+        <p:spPr>
+          <a:xfrm>
+            <a:off x="4319972" y="2060848"/>
+            <a:ext cx="0" cy="486677"/>
+          </a:xfrm>
+          <a:prstGeom prst="straightConnector1">
+            <a:avLst/>
+          </a:prstGeom>
+          <a:ln w="38100">
+            <a:solidFill>
+              <a:schemeClr val="tx1"/>
+            </a:solidFill>
+            <a:tailEnd type="arrow"/>
+          </a:ln>
+        </p:spPr>
+        <p:style>
+          <a:lnRef idx="1">
+            <a:schemeClr val="accent1"/>
+          </a:lnRef>
+          <a:fillRef idx="0">
+            <a:schemeClr val="accent1"/>
+          </a:fillRef>
+          <a:effectRef idx="0">
+            <a:schemeClr val="accent1"/>
+          </a:effectRef>
+          <a:fontRef idx="minor">
+            <a:schemeClr val="tx1"/>
+          </a:fontRef>
+        </p:style>
+      </p:cxnSp>
+      <p:cxnSp>
+        <p:nvCxnSpPr>
+          <p:cNvPr id="15" name="Straight Arrow Connector 14"/>
+          <p:cNvCxnSpPr>
+            <a:stCxn id="5" idx="2"/>
+            <a:endCxn id="6" idx="0"/>
+          </p:cNvCxnSpPr>
+          <p:nvPr/>
+        </p:nvCxnSpPr>
+        <p:spPr>
+          <a:xfrm>
+            <a:off x="4319972" y="3123589"/>
+            <a:ext cx="0" cy="515222"/>
+          </a:xfrm>
+          <a:prstGeom prst="straightConnector1">
+            <a:avLst/>
+          </a:prstGeom>
+          <a:ln w="38100">
+            <a:solidFill>
+              <a:schemeClr val="tx1"/>
+            </a:solidFill>
+            <a:tailEnd type="arrow"/>
+          </a:ln>
+        </p:spPr>
+        <p:style>
+          <a:lnRef idx="1">
+            <a:schemeClr val="accent1"/>
+          </a:lnRef>
+          <a:fillRef idx="0">
+            <a:schemeClr val="accent1"/>
+          </a:fillRef>
+          <a:effectRef idx="0">
+            <a:schemeClr val="accent1"/>
+          </a:effectRef>
+          <a:fontRef idx="minor">
+            <a:schemeClr val="tx1"/>
+          </a:fontRef>
+        </p:style>
+      </p:cxnSp>
+      <p:cxnSp>
+        <p:nvCxnSpPr>
+          <p:cNvPr id="18" name="Elbow Connector 17"/>
+          <p:cNvCxnSpPr>
+            <a:stCxn id="6" idx="2"/>
+            <a:endCxn id="8" idx="0"/>
+          </p:cNvCxnSpPr>
+          <p:nvPr/>
+        </p:nvCxnSpPr>
+        <p:spPr>
+          <a:xfrm rot="5400000">
+            <a:off x="3344758" y="3749929"/>
+            <a:ext cx="510269" cy="1440160"/>
+          </a:xfrm>
+          <a:prstGeom prst="bentConnector3">
+            <a:avLst/>
+          </a:prstGeom>
+          <a:ln w="38100">
+            <a:solidFill>
+              <a:schemeClr val="tx1"/>
+            </a:solidFill>
+            <a:tailEnd type="arrow"/>
+          </a:ln>
+        </p:spPr>
+        <p:style>
+          <a:lnRef idx="1">
+            <a:schemeClr val="accent1"/>
+          </a:lnRef>
+          <a:fillRef idx="0">
+            <a:schemeClr val="accent1"/>
+          </a:fillRef>
+          <a:effectRef idx="0">
+            <a:schemeClr val="accent1"/>
+          </a:effectRef>
+          <a:fontRef idx="minor">
+            <a:schemeClr val="tx1"/>
+          </a:fontRef>
+        </p:style>
+      </p:cxnSp>
+      <p:cxnSp>
+        <p:nvCxnSpPr>
+          <p:cNvPr id="20" name="Elbow Connector 19"/>
+          <p:cNvCxnSpPr>
+            <a:stCxn id="6" idx="2"/>
+            <a:endCxn id="7" idx="0"/>
+          </p:cNvCxnSpPr>
+          <p:nvPr/>
+        </p:nvCxnSpPr>
+        <p:spPr>
+          <a:xfrm rot="16200000" flipH="1">
+            <a:off x="4807509" y="3727338"/>
+            <a:ext cx="510269" cy="1485342"/>
+          </a:xfrm>
+          <a:prstGeom prst="bentConnector3">
+            <a:avLst/>
+          </a:prstGeom>
+          <a:ln w="38100">
+            <a:solidFill>
+              <a:schemeClr val="tx1"/>
+            </a:solidFill>
+            <a:tailEnd type="arrow"/>
+          </a:ln>
+        </p:spPr>
+        <p:style>
+          <a:lnRef idx="1">
+            <a:schemeClr val="accent1"/>
+          </a:lnRef>
+          <a:fillRef idx="0">
+            <a:schemeClr val="accent1"/>
+          </a:fillRef>
+          <a:effectRef idx="0">
+            <a:schemeClr val="accent1"/>
+          </a:effectRef>
+          <a:fontRef idx="minor">
+            <a:schemeClr val="tx1"/>
+          </a:fontRef>
+        </p:style>
+      </p:cxnSp>
+      <p:cxnSp>
+        <p:nvCxnSpPr>
+          <p:cNvPr id="22" name="Straight Arrow Connector 21"/>
+          <p:cNvCxnSpPr>
+            <a:stCxn id="7" idx="2"/>
+            <a:endCxn id="10" idx="0"/>
+          </p:cNvCxnSpPr>
+          <p:nvPr/>
+        </p:nvCxnSpPr>
+        <p:spPr>
+          <a:xfrm>
+            <a:off x="5805314" y="5301208"/>
+            <a:ext cx="0" cy="432048"/>
+          </a:xfrm>
+          <a:prstGeom prst="straightConnector1">
+            <a:avLst/>
+          </a:prstGeom>
+          <a:ln w="38100">
+            <a:solidFill>
+              <a:schemeClr val="tx1"/>
+            </a:solidFill>
+            <a:tailEnd type="arrow"/>
+          </a:ln>
+        </p:spPr>
+        <p:style>
+          <a:lnRef idx="1">
+            <a:schemeClr val="accent1"/>
+          </a:lnRef>
+          <a:fillRef idx="0">
+            <a:schemeClr val="accent1"/>
+          </a:fillRef>
+          <a:effectRef idx="0">
+            <a:schemeClr val="accent1"/>
+          </a:effectRef>
+          <a:fontRef idx="minor">
+            <a:schemeClr val="tx1"/>
+          </a:fontRef>
+        </p:style>
+      </p:cxnSp>
+    </p:spTree>
+    <p:extLst>
+      <p:ext uri="{BB962C8B-B14F-4D97-AF65-F5344CB8AC3E}">
+        <p14:creationId xmlns:p14="http://schemas.microsoft.com/office/powerpoint/2010/main" val="1330680699"/>
+      </p:ext>
+    </p:extLst>
+  </p:cSld>
+  <p:clrMapOvr>
+    <a:masterClrMapping/>
+  </p:clrMapOvr>
+  <p:timing>
+    <p:tnLst>
+      <p:par>
+        <p:cTn id="1" dur="indefinite" restart="never" nodeType="tmRoot"/>
+      </p:par>
+    </p:tnLst>
+  </p:timing>
+</p:sld>
+</file>
+
+<file path=ppt/slides/slide19.xml><?xml version="1.0" encoding="utf-8"?>
+<p:sld xmlns:a="http://schemas.openxmlformats.org/drawingml/2006/main" xmlns:r="http://schemas.openxmlformats.org/officeDocument/2006/relationships" xmlns:p="http://schemas.openxmlformats.org/presentationml/2006/main">
+  <p:cSld>
+    <p:spTree>
+      <p:nvGrpSpPr>
+        <p:cNvPr id="1" name=""/>
+        <p:cNvGrpSpPr/>
+        <p:nvPr/>
+      </p:nvGrpSpPr>
+      <p:grpSpPr>
+        <a:xfrm>
+          <a:off x="0" y="0"/>
+          <a:ext cx="0" cy="0"/>
+          <a:chOff x="0" y="0"/>
+          <a:chExt cx="0" cy="0"/>
+        </a:xfrm>
+      </p:grpSpPr>
+      <p:sp>
+        <p:nvSpPr>
+          <p:cNvPr id="2" name="Title 1"/>
+          <p:cNvSpPr>
+            <a:spLocks noGrp="1"/>
+          </p:cNvSpPr>
+          <p:nvPr>
+            <p:ph type="title"/>
+          </p:nvPr>
+        </p:nvSpPr>
+        <p:spPr>
+          <a:solidFill>
+            <a:schemeClr val="accent6"/>
+          </a:solidFill>
+        </p:spPr>
+        <p:style>
+          <a:lnRef idx="2">
+            <a:schemeClr val="accent6"/>
+          </a:lnRef>
+          <a:fillRef idx="1">
+            <a:schemeClr val="lt1"/>
+          </a:fillRef>
+          <a:effectRef idx="0">
+            <a:schemeClr val="accent6"/>
+          </a:effectRef>
+          <a:fontRef idx="minor">
+            <a:schemeClr val="dk1"/>
+          </a:fontRef>
+        </p:style>
+        <p:txBody>
+          <a:bodyPr/>
+          <a:lstStyle/>
+          <a:p>
+            <a:r>
+              <a:rPr lang="en-GB" dirty="0" smtClean="0"/>
+              <a:t>3D Point Cloud - </a:t>
+            </a:r>
+            <a:r>
+              <a:rPr lang="en-GB" dirty="0" err="1" smtClean="0"/>
+              <a:t>Pathfinding</a:t>
+            </a:r>
+            <a:endParaRPr lang="en-GB" dirty="0"/>
+          </a:p>
+        </p:txBody>
+      </p:sp>
+      <p:sp>
+        <p:nvSpPr>
+          <p:cNvPr id="4" name="Content Placeholder 3"/>
+          <p:cNvSpPr>
+            <a:spLocks noGrp="1"/>
+          </p:cNvSpPr>
+          <p:nvPr>
+            <p:ph sz="half" idx="1"/>
+          </p:nvPr>
+        </p:nvSpPr>
+        <p:spPr/>
+        <p:txBody>
+          <a:bodyPr/>
+          <a:lstStyle/>
+          <a:p>
+            <a:r>
+              <a:rPr lang="en-GB" dirty="0" smtClean="0"/>
+              <a:t>Using occupancy map</a:t>
+            </a:r>
+          </a:p>
+          <a:p>
+            <a:r>
+              <a:rPr lang="en-GB" dirty="0" err="1" smtClean="0"/>
+              <a:t>Pathfinding</a:t>
+            </a:r>
+            <a:r>
+              <a:rPr lang="en-GB" dirty="0" smtClean="0"/>
+              <a:t> done using the A* algorithm</a:t>
+            </a:r>
+          </a:p>
+          <a:p>
+            <a:r>
+              <a:rPr lang="en-GB" dirty="0" smtClean="0"/>
+              <a:t>Single start point, multiple radial finish points</a:t>
+            </a:r>
+          </a:p>
+          <a:p>
+            <a:r>
+              <a:rPr lang="en-GB" dirty="0" smtClean="0"/>
+              <a:t>Finish point distance variable</a:t>
+            </a:r>
+            <a:endParaRPr lang="en-GB" dirty="0"/>
+          </a:p>
+        </p:txBody>
+      </p:sp>
+      <p:pic>
+        <p:nvPicPr>
+          <p:cNvPr id="6" name="Content Placeholder 5"/>
+          <p:cNvPicPr>
+            <a:picLocks noGrp="1" noChangeAspect="1"/>
+          </p:cNvPicPr>
+          <p:nvPr>
+            <p:ph sz="half" idx="2"/>
+          </p:nvPr>
+        </p:nvPicPr>
+        <p:blipFill rotWithShape="1">
+          <a:blip r:embed="rId2" cstate="print">
+            <a:extLst>
+              <a:ext uri="{28A0092B-C50C-407E-A947-70E740481C1C}">
+                <a14:useLocalDpi xmlns:a14="http://schemas.microsoft.com/office/drawing/2010/main" val="0"/>
+              </a:ext>
+            </a:extLst>
+          </a:blip>
+          <a:srcRect l="3170" t="49955" r="59461" b="2954"/>
+          <a:stretch/>
+        </p:blipFill>
+        <p:spPr>
+          <a:xfrm>
+            <a:off x="4788024" y="1988840"/>
+            <a:ext cx="3252198" cy="3175677"/>
+          </a:xfrm>
+        </p:spPr>
+      </p:pic>
+    </p:spTree>
+    <p:extLst>
+      <p:ext uri="{BB962C8B-B14F-4D97-AF65-F5344CB8AC3E}">
+        <p14:creationId xmlns:p14="http://schemas.microsoft.com/office/powerpoint/2010/main" val="1746527616"/>
+      </p:ext>
+    </p:extLst>
+  </p:cSld>
+  <p:clrMapOvr>
+    <a:masterClrMapping/>
+  </p:clrMapOvr>
+  <p:timing>
+    <p:tnLst>
+      <p:par>
+        <p:cTn id="1" dur="indefinite" restart="never" nodeType="tmRoot"/>
+      </p:par>
+    </p:tnLst>
+  </p:timing>
+</p:sld>
+</file>
+
+<file path=ppt/slides/slide2.xml><?xml version="1.0" encoding="utf-8"?>
+<p:sld xmlns:a="http://schemas.openxmlformats.org/drawingml/2006/main" xmlns:r="http://schemas.openxmlformats.org/officeDocument/2006/relationships" xmlns:p="http://schemas.openxmlformats.org/presentationml/2006/main">
+  <p:cSld>
+    <p:spTree>
+      <p:nvGrpSpPr>
+        <p:cNvPr id="1" name=""/>
+        <p:cNvGrpSpPr/>
+        <p:nvPr/>
+      </p:nvGrpSpPr>
+      <p:grpSpPr>
+        <a:xfrm>
+          <a:off x="0" y="0"/>
+          <a:ext cx="0" cy="0"/>
+          <a:chOff x="0" y="0"/>
+          <a:chExt cx="0" cy="0"/>
+        </a:xfrm>
+      </p:grpSpPr>
+      <p:sp>
+        <p:nvSpPr>
+          <p:cNvPr id="2" name="Title 1"/>
+          <p:cNvSpPr>
+            <a:spLocks noGrp="1"/>
+          </p:cNvSpPr>
+          <p:nvPr>
+            <p:ph type="title"/>
+          </p:nvPr>
+        </p:nvSpPr>
+        <p:spPr/>
+        <p:txBody>
+          <a:bodyPr/>
+          <a:lstStyle/>
+          <a:p>
+            <a:r>
+              <a:rPr lang="en-GB" dirty="0" smtClean="0"/>
+              <a:t>Contents</a:t>
+            </a:r>
+            <a:endParaRPr lang="en-GB" dirty="0"/>
+          </a:p>
+        </p:txBody>
+      </p:sp>
+      <p:sp>
+        <p:nvSpPr>
+          <p:cNvPr id="3" name="Content Placeholder 2"/>
+          <p:cNvSpPr>
+            <a:spLocks noGrp="1"/>
+          </p:cNvSpPr>
+          <p:nvPr>
             <p:ph idx="1"/>
+          </p:nvPr>
+        </p:nvSpPr>
+        <p:spPr/>
+        <p:txBody>
+          <a:bodyPr>
+            <a:normAutofit fontScale="85000" lnSpcReduction="20000"/>
+          </a:bodyPr>
+          <a:lstStyle/>
+          <a:p>
+            <a:r>
+              <a:rPr lang="en-GB" dirty="0" smtClean="0"/>
+              <a:t>Aims</a:t>
+            </a:r>
+          </a:p>
+          <a:p>
+            <a:r>
+              <a:rPr lang="en-GB" dirty="0" smtClean="0"/>
+              <a:t>Structured Light</a:t>
+            </a:r>
+          </a:p>
+          <a:p>
+            <a:r>
+              <a:rPr lang="en-GB" dirty="0" smtClean="0"/>
+              <a:t>Original 2D Investigation</a:t>
+            </a:r>
+          </a:p>
+          <a:p>
+            <a:r>
+              <a:rPr lang="en-GB" dirty="0" smtClean="0"/>
+              <a:t>3D Point Cloud</a:t>
+            </a:r>
+          </a:p>
+          <a:p>
+            <a:pPr lvl="1"/>
+            <a:r>
+              <a:rPr lang="en-GB" dirty="0" smtClean="0"/>
+              <a:t>Point Cloud Library</a:t>
+            </a:r>
+          </a:p>
+          <a:p>
+            <a:pPr lvl="1"/>
+            <a:r>
+              <a:rPr lang="en-GB" dirty="0" smtClean="0"/>
+              <a:t>Voxel Grid</a:t>
+            </a:r>
+          </a:p>
+          <a:p>
+            <a:pPr lvl="1"/>
+            <a:r>
+              <a:rPr lang="en-GB" dirty="0" smtClean="0"/>
+              <a:t>Floor Removal</a:t>
+            </a:r>
+          </a:p>
+          <a:p>
+            <a:pPr lvl="1"/>
+            <a:r>
+              <a:rPr lang="en-GB" dirty="0" smtClean="0"/>
+              <a:t>Clear Direction</a:t>
+            </a:r>
+          </a:p>
+          <a:p>
+            <a:pPr lvl="1"/>
+            <a:r>
+              <a:rPr lang="en-GB" dirty="0" err="1" smtClean="0"/>
+              <a:t>Pathfinding</a:t>
+            </a:r>
+            <a:endParaRPr lang="en-GB" dirty="0" smtClean="0"/>
+          </a:p>
+          <a:p>
+            <a:r>
+              <a:rPr lang="en-GB" dirty="0" smtClean="0"/>
+              <a:t>Demo</a:t>
+            </a:r>
+            <a:endParaRPr lang="en-GB" dirty="0" smtClean="0"/>
+          </a:p>
+          <a:p>
+            <a:r>
+              <a:rPr lang="en-GB" dirty="0" smtClean="0"/>
+              <a:t>Questions</a:t>
+            </a:r>
+            <a:endParaRPr lang="en-GB" dirty="0"/>
+          </a:p>
+        </p:txBody>
+      </p:sp>
+    </p:spTree>
+    <p:extLst>
+      <p:ext uri="{BB962C8B-B14F-4D97-AF65-F5344CB8AC3E}">
+        <p14:creationId xmlns:p14="http://schemas.microsoft.com/office/powerpoint/2010/main" val="486373608"/>
+      </p:ext>
+    </p:extLst>
+  </p:cSld>
+  <p:clrMapOvr>
+    <a:masterClrMapping/>
+  </p:clrMapOvr>
+  <p:timing>
+    <p:tnLst>
+      <p:par>
+        <p:cTn id="1" dur="indefinite" restart="never" nodeType="tmRoot"/>
+      </p:par>
+    </p:tnLst>
+  </p:timing>
+</p:sld>
+</file>
+
+<file path=ppt/slides/slide20.xml><?xml version="1.0" encoding="utf-8"?>
+<p:sld xmlns:a="http://schemas.openxmlformats.org/drawingml/2006/main" xmlns:r="http://schemas.openxmlformats.org/officeDocument/2006/relationships" xmlns:p="http://schemas.openxmlformats.org/presentationml/2006/main">
+  <p:cSld>
+    <p:spTree>
+      <p:nvGrpSpPr>
+        <p:cNvPr id="1" name=""/>
+        <p:cNvGrpSpPr/>
+        <p:nvPr/>
+      </p:nvGrpSpPr>
+      <p:grpSpPr>
+        <a:xfrm>
+          <a:off x="0" y="0"/>
+          <a:ext cx="0" cy="0"/>
+          <a:chOff x="0" y="0"/>
+          <a:chExt cx="0" cy="0"/>
+        </a:xfrm>
+      </p:grpSpPr>
+      <p:sp>
+        <p:nvSpPr>
+          <p:cNvPr id="4" name="Title 3"/>
+          <p:cNvSpPr>
+            <a:spLocks noGrp="1"/>
+          </p:cNvSpPr>
+          <p:nvPr>
+            <p:ph type="title"/>
+          </p:nvPr>
+        </p:nvSpPr>
+        <p:spPr/>
+        <p:txBody>
+          <a:bodyPr>
+            <a:normAutofit fontScale="90000"/>
+          </a:bodyPr>
+          <a:lstStyle/>
+          <a:p>
+            <a:r>
+              <a:rPr lang="en-GB" dirty="0" smtClean="0"/>
+              <a:t>For Your Information – A* (A Star) Search Algorithm</a:t>
+            </a:r>
+            <a:endParaRPr lang="en-GB" dirty="0"/>
+          </a:p>
+        </p:txBody>
+      </p:sp>
+      <p:pic>
+        <p:nvPicPr>
+          <p:cNvPr id="6" name="Content Placeholder 5"/>
+          <p:cNvPicPr>
+            <a:picLocks noGrp="1" noChangeAspect="1"/>
+          </p:cNvPicPr>
+          <p:nvPr>
+            <p:ph sz="half" idx="1"/>
           </p:nvPr>
         </p:nvPicPr>
         <p:blipFill>
@@ -4503,6 +7611,209 @@
         </p:blipFill>
         <p:spPr>
           <a:xfrm>
+            <a:off x="5652120" y="2204864"/>
+            <a:ext cx="2736304" cy="2736304"/>
+          </a:xfrm>
+        </p:spPr>
+      </p:pic>
+      <p:sp>
+        <p:nvSpPr>
+          <p:cNvPr id="8" name="Content Placeholder 7"/>
+          <p:cNvSpPr>
+            <a:spLocks noGrp="1"/>
+          </p:cNvSpPr>
+          <p:nvPr>
+            <p:ph sz="half" idx="2"/>
+          </p:nvPr>
+        </p:nvSpPr>
+        <p:spPr>
+          <a:xfrm>
+            <a:off x="539552" y="1556792"/>
+            <a:ext cx="4968552" cy="4536504"/>
+          </a:xfrm>
+        </p:spPr>
+        <p:txBody>
+          <a:bodyPr>
+            <a:normAutofit fontScale="92500" lnSpcReduction="10000"/>
+          </a:bodyPr>
+          <a:lstStyle/>
+          <a:p>
+            <a:r>
+              <a:rPr lang="en-GB" dirty="0" smtClean="0"/>
+              <a:t>Faster extension of </a:t>
+            </a:r>
+            <a:r>
+              <a:rPr lang="en-GB" dirty="0" err="1" smtClean="0"/>
+              <a:t>Dijkstra's</a:t>
+            </a:r>
+            <a:r>
+              <a:rPr lang="en-GB" dirty="0" smtClean="0"/>
+              <a:t> algorithm</a:t>
+            </a:r>
+          </a:p>
+          <a:p>
+            <a:r>
+              <a:rPr lang="en-GB" dirty="0" smtClean="0"/>
+              <a:t>Space represented as 2D array with each cell either passable or impassable</a:t>
+            </a:r>
+          </a:p>
+          <a:p>
+            <a:r>
+              <a:rPr lang="en-GB" dirty="0" smtClean="0"/>
+              <a:t>Uses a distance-plus-cost function to determine which nodes to search next:</a:t>
+            </a:r>
+          </a:p>
+          <a:p>
+            <a:pPr lvl="1"/>
+            <a:r>
+              <a:rPr lang="en-GB" dirty="0" smtClean="0"/>
+              <a:t>Function of cost  from start cell to current cell</a:t>
+            </a:r>
+          </a:p>
+          <a:p>
+            <a:pPr lvl="1"/>
+            <a:r>
+              <a:rPr lang="en-GB" dirty="0" smtClean="0"/>
+              <a:t>Plus estimated distance from current cell to finish</a:t>
+            </a:r>
+            <a:endParaRPr lang="en-GB" dirty="0"/>
+          </a:p>
+          <a:p>
+            <a:endParaRPr lang="en-GB" dirty="0" smtClean="0"/>
+          </a:p>
+          <a:p>
+            <a:endParaRPr lang="en-GB" dirty="0"/>
+          </a:p>
+        </p:txBody>
+      </p:sp>
+      <p:sp>
+        <p:nvSpPr>
+          <p:cNvPr id="7" name="TextBox 6"/>
+          <p:cNvSpPr txBox="1"/>
+          <p:nvPr/>
+        </p:nvSpPr>
+        <p:spPr>
+          <a:xfrm>
+            <a:off x="5035118" y="6529911"/>
+            <a:ext cx="4108882" cy="276999"/>
+          </a:xfrm>
+          <a:prstGeom prst="rect">
+            <a:avLst/>
+          </a:prstGeom>
+          <a:noFill/>
+        </p:spPr>
+        <p:txBody>
+          <a:bodyPr wrap="none" rtlCol="0">
+            <a:spAutoFit/>
+          </a:bodyPr>
+          <a:lstStyle/>
+          <a:p>
+            <a:r>
+              <a:rPr lang="en-GB" sz="1200" dirty="0" smtClean="0">
+                <a:solidFill>
+                  <a:schemeClr val="tx1">
+                    <a:lumMod val="50000"/>
+                    <a:lumOff val="50000"/>
+                  </a:schemeClr>
+                </a:solidFill>
+              </a:rPr>
+              <a:t>http://en.wikipedia.org/wiki/File:Astar_progress_animation.gif</a:t>
+            </a:r>
+            <a:endParaRPr lang="en-GB" sz="1200" dirty="0">
+              <a:solidFill>
+                <a:schemeClr val="tx1">
+                  <a:lumMod val="50000"/>
+                  <a:lumOff val="50000"/>
+                </a:schemeClr>
+              </a:solidFill>
+            </a:endParaRPr>
+          </a:p>
+        </p:txBody>
+      </p:sp>
+    </p:spTree>
+    <p:extLst>
+      <p:ext uri="{BB962C8B-B14F-4D97-AF65-F5344CB8AC3E}">
+        <p14:creationId xmlns:p14="http://schemas.microsoft.com/office/powerpoint/2010/main" val="2851810272"/>
+      </p:ext>
+    </p:extLst>
+  </p:cSld>
+  <p:clrMapOvr>
+    <a:masterClrMapping/>
+  </p:clrMapOvr>
+  <p:timing>
+    <p:tnLst>
+      <p:par>
+        <p:cTn id="1" dur="indefinite" restart="never" nodeType="tmRoot"/>
+      </p:par>
+    </p:tnLst>
+  </p:timing>
+</p:sld>
+</file>
+
+<file path=ppt/slides/slide21.xml><?xml version="1.0" encoding="utf-8"?>
+<p:sld xmlns:a="http://schemas.openxmlformats.org/drawingml/2006/main" xmlns:r="http://schemas.openxmlformats.org/officeDocument/2006/relationships" xmlns:p="http://schemas.openxmlformats.org/presentationml/2006/main">
+  <p:cSld>
+    <p:spTree>
+      <p:nvGrpSpPr>
+        <p:cNvPr id="1" name=""/>
+        <p:cNvGrpSpPr/>
+        <p:nvPr/>
+      </p:nvGrpSpPr>
+      <p:grpSpPr>
+        <a:xfrm>
+          <a:off x="0" y="0"/>
+          <a:ext cx="0" cy="0"/>
+          <a:chOff x="0" y="0"/>
+          <a:chExt cx="0" cy="0"/>
+        </a:xfrm>
+      </p:grpSpPr>
+      <p:sp>
+        <p:nvSpPr>
+          <p:cNvPr id="6" name="Title 5"/>
+          <p:cNvSpPr>
+            <a:spLocks noGrp="1"/>
+          </p:cNvSpPr>
+          <p:nvPr>
+            <p:ph type="title"/>
+          </p:nvPr>
+        </p:nvSpPr>
+        <p:spPr/>
+        <p:txBody>
+          <a:bodyPr/>
+          <a:lstStyle/>
+          <a:p>
+            <a:r>
+              <a:rPr lang="en-GB" dirty="0" smtClean="0"/>
+              <a:t>Demonstration</a:t>
+            </a:r>
+            <a:endParaRPr lang="en-GB" dirty="0"/>
+          </a:p>
+        </p:txBody>
+      </p:sp>
+      <p:pic>
+        <p:nvPicPr>
+          <p:cNvPr id="8" name="Content Placeholder 7"/>
+          <p:cNvPicPr>
+            <a:picLocks noGrp="1" noChangeAspect="1"/>
+          </p:cNvPicPr>
+          <p:nvPr>
+            <p:ph idx="1"/>
+          </p:nvPr>
+        </p:nvPicPr>
+        <p:blipFill>
+          <a:blip r:embed="rId2">
+            <a:extLst>
+              <a:ext uri="{28A0092B-C50C-407E-A947-70E740481C1C}">
+                <a14:useLocalDpi xmlns:a14="http://schemas.microsoft.com/office/drawing/2010/main" val="0"/>
+              </a:ext>
+            </a:extLst>
+          </a:blip>
+          <a:stretch>
+            <a:fillRect/>
+          </a:stretch>
+        </p:blipFill>
+        <p:spPr>
+          <a:xfrm>
             <a:off x="1651591" y="1600200"/>
             <a:ext cx="5840817" cy="4525963"/>
           </a:xfrm>
@@ -4518,10 +7829,290 @@
   <p:clrMapOvr>
     <a:masterClrMapping/>
   </p:clrMapOvr>
+  <p:timing>
+    <p:tnLst>
+      <p:par>
+        <p:cTn id="1" dur="indefinite" restart="never" nodeType="tmRoot"/>
+      </p:par>
+    </p:tnLst>
+  </p:timing>
 </p:sld>
 </file>
 
-<file path=ppt/slides/slide17.xml><?xml version="1.0" encoding="utf-8"?>
+<file path=ppt/slides/slide22.xml><?xml version="1.0" encoding="utf-8"?>
+<p:sld xmlns:a="http://schemas.openxmlformats.org/drawingml/2006/main" xmlns:r="http://schemas.openxmlformats.org/officeDocument/2006/relationships" xmlns:p="http://schemas.openxmlformats.org/presentationml/2006/main">
+  <p:cSld>
+    <p:spTree>
+      <p:nvGrpSpPr>
+        <p:cNvPr id="1" name=""/>
+        <p:cNvGrpSpPr/>
+        <p:nvPr/>
+      </p:nvGrpSpPr>
+      <p:grpSpPr>
+        <a:xfrm>
+          <a:off x="0" y="0"/>
+          <a:ext cx="0" cy="0"/>
+          <a:chOff x="0" y="0"/>
+          <a:chExt cx="0" cy="0"/>
+        </a:xfrm>
+      </p:grpSpPr>
+      <p:sp>
+        <p:nvSpPr>
+          <p:cNvPr id="2" name="Title 1"/>
+          <p:cNvSpPr>
+            <a:spLocks noGrp="1"/>
+          </p:cNvSpPr>
+          <p:nvPr>
+            <p:ph type="title"/>
+          </p:nvPr>
+        </p:nvSpPr>
+        <p:spPr/>
+        <p:txBody>
+          <a:bodyPr/>
+          <a:lstStyle/>
+          <a:p>
+            <a:r>
+              <a:rPr lang="en-GB" dirty="0" smtClean="0"/>
+              <a:t>Technical Summary</a:t>
+            </a:r>
+            <a:endParaRPr lang="en-GB" dirty="0"/>
+          </a:p>
+        </p:txBody>
+      </p:sp>
+      <p:sp>
+        <p:nvSpPr>
+          <p:cNvPr id="3" name="Content Placeholder 2"/>
+          <p:cNvSpPr>
+            <a:spLocks noGrp="1"/>
+          </p:cNvSpPr>
+          <p:nvPr>
+            <p:ph idx="1"/>
+          </p:nvPr>
+        </p:nvSpPr>
+        <p:spPr/>
+        <p:txBody>
+          <a:bodyPr/>
+          <a:lstStyle/>
+          <a:p>
+            <a:r>
+              <a:rPr lang="en-GB" dirty="0" smtClean="0"/>
+              <a:t>Detection range: up to 5m (reliable)</a:t>
+            </a:r>
+          </a:p>
+          <a:p>
+            <a:r>
+              <a:rPr lang="en-GB" dirty="0" smtClean="0"/>
+              <a:t>Configurable </a:t>
+            </a:r>
+            <a:r>
+              <a:rPr lang="en-GB" dirty="0"/>
+              <a:t>d</a:t>
+            </a:r>
+            <a:r>
+              <a:rPr lang="en-GB" dirty="0" smtClean="0"/>
+              <a:t>etection length: 2 – 5m</a:t>
+            </a:r>
+          </a:p>
+          <a:p>
+            <a:r>
+              <a:rPr lang="en-GB" dirty="0" smtClean="0"/>
+              <a:t>Lanes sweep across 30</a:t>
+            </a:r>
+            <a:r>
+              <a:rPr lang="en-GB" baseline="30000" dirty="0" smtClean="0"/>
+              <a:t>o </a:t>
+            </a:r>
+            <a:r>
+              <a:rPr lang="en-GB" dirty="0" smtClean="0"/>
+              <a:t>field of view in 20 steps</a:t>
+            </a:r>
+          </a:p>
+          <a:p>
+            <a:r>
+              <a:rPr lang="en-GB" dirty="0" smtClean="0"/>
+              <a:t>Average frame rate:</a:t>
+            </a:r>
+          </a:p>
+          <a:p>
+            <a:pPr lvl="1"/>
+            <a:r>
+              <a:rPr lang="en-GB" dirty="0" smtClean="0"/>
+              <a:t>Without </a:t>
+            </a:r>
+            <a:r>
+              <a:rPr lang="en-GB" dirty="0" err="1" smtClean="0"/>
+              <a:t>pathfinding</a:t>
+            </a:r>
+            <a:r>
+              <a:rPr lang="en-GB" dirty="0" smtClean="0"/>
+              <a:t>: ~4 fps</a:t>
+            </a:r>
+          </a:p>
+          <a:p>
+            <a:pPr lvl="1"/>
+            <a:r>
+              <a:rPr lang="en-GB" dirty="0" smtClean="0"/>
+              <a:t>With </a:t>
+            </a:r>
+            <a:r>
+              <a:rPr lang="en-GB" dirty="0" err="1" smtClean="0"/>
+              <a:t>pathfinding</a:t>
+            </a:r>
+            <a:r>
+              <a:rPr lang="en-GB" dirty="0" smtClean="0"/>
+              <a:t>: ~0.5 fps</a:t>
+            </a:r>
+            <a:endParaRPr lang="en-GB" dirty="0"/>
+          </a:p>
+        </p:txBody>
+      </p:sp>
+    </p:spTree>
+    <p:extLst>
+      <p:ext uri="{BB962C8B-B14F-4D97-AF65-F5344CB8AC3E}">
+        <p14:creationId xmlns:p14="http://schemas.microsoft.com/office/powerpoint/2010/main" val="100188842"/>
+      </p:ext>
+    </p:extLst>
+  </p:cSld>
+  <p:clrMapOvr>
+    <a:masterClrMapping/>
+  </p:clrMapOvr>
+  <p:timing>
+    <p:tnLst>
+      <p:par>
+        <p:cTn id="1" dur="indefinite" restart="never" nodeType="tmRoot"/>
+      </p:par>
+    </p:tnLst>
+  </p:timing>
+</p:sld>
+</file>
+
+<file path=ppt/slides/slide23.xml><?xml version="1.0" encoding="utf-8"?>
+<p:sld xmlns:a="http://schemas.openxmlformats.org/drawingml/2006/main" xmlns:r="http://schemas.openxmlformats.org/officeDocument/2006/relationships" xmlns:p="http://schemas.openxmlformats.org/presentationml/2006/main">
+  <p:cSld>
+    <p:spTree>
+      <p:nvGrpSpPr>
+        <p:cNvPr id="1" name=""/>
+        <p:cNvGrpSpPr/>
+        <p:nvPr/>
+      </p:nvGrpSpPr>
+      <p:grpSpPr>
+        <a:xfrm>
+          <a:off x="0" y="0"/>
+          <a:ext cx="0" cy="0"/>
+          <a:chOff x="0" y="0"/>
+          <a:chExt cx="0" cy="0"/>
+        </a:xfrm>
+      </p:grpSpPr>
+      <p:sp>
+        <p:nvSpPr>
+          <p:cNvPr id="2" name="Title 1"/>
+          <p:cNvSpPr>
+            <a:spLocks noGrp="1"/>
+          </p:cNvSpPr>
+          <p:nvPr>
+            <p:ph type="title"/>
+          </p:nvPr>
+        </p:nvSpPr>
+        <p:spPr/>
+        <p:txBody>
+          <a:bodyPr/>
+          <a:lstStyle/>
+          <a:p>
+            <a:r>
+              <a:rPr lang="en-GB" dirty="0" smtClean="0"/>
+              <a:t>Summary</a:t>
+            </a:r>
+            <a:endParaRPr lang="en-GB" dirty="0"/>
+          </a:p>
+        </p:txBody>
+      </p:sp>
+      <p:sp>
+        <p:nvSpPr>
+          <p:cNvPr id="3" name="Content Placeholder 2"/>
+          <p:cNvSpPr>
+            <a:spLocks noGrp="1"/>
+          </p:cNvSpPr>
+          <p:nvPr>
+            <p:ph idx="1"/>
+          </p:nvPr>
+        </p:nvSpPr>
+        <p:spPr/>
+        <p:txBody>
+          <a:bodyPr/>
+          <a:lstStyle/>
+          <a:p>
+            <a:r>
+              <a:rPr lang="en-GB" dirty="0" smtClean="0"/>
+              <a:t>Point Cloud Extracted</a:t>
+            </a:r>
+          </a:p>
+          <a:p>
+            <a:r>
+              <a:rPr lang="en-GB" dirty="0" smtClean="0"/>
+              <a:t>Clear Directions Selected</a:t>
+            </a:r>
+          </a:p>
+          <a:p>
+            <a:r>
+              <a:rPr lang="en-GB" dirty="0" err="1" smtClean="0"/>
+              <a:t>Pathfinding</a:t>
+            </a:r>
+            <a:r>
+              <a:rPr lang="en-GB" dirty="0" smtClean="0"/>
+              <a:t> Implemented</a:t>
+            </a:r>
+          </a:p>
+          <a:p>
+            <a:r>
+              <a:rPr lang="en-GB" dirty="0" smtClean="0"/>
+              <a:t>Further Work:</a:t>
+            </a:r>
+          </a:p>
+          <a:p>
+            <a:pPr lvl="1"/>
+            <a:r>
+              <a:rPr lang="en-GB" dirty="0" smtClean="0"/>
+              <a:t>SLAM integration</a:t>
+            </a:r>
+          </a:p>
+          <a:p>
+            <a:pPr lvl="1"/>
+            <a:r>
+              <a:rPr lang="en-GB" dirty="0" smtClean="0"/>
+              <a:t>Interfacing with a robot</a:t>
+            </a:r>
+          </a:p>
+          <a:p>
+            <a:pPr lvl="1"/>
+            <a:r>
+              <a:rPr lang="en-GB" dirty="0" smtClean="0"/>
+              <a:t>GPS integration</a:t>
+            </a:r>
+            <a:endParaRPr lang="en-GB" dirty="0"/>
+          </a:p>
+        </p:txBody>
+      </p:sp>
+    </p:spTree>
+    <p:extLst>
+      <p:ext uri="{BB962C8B-B14F-4D97-AF65-F5344CB8AC3E}">
+        <p14:creationId xmlns:p14="http://schemas.microsoft.com/office/powerpoint/2010/main" val="4103778384"/>
+      </p:ext>
+    </p:extLst>
+  </p:cSld>
+  <p:clrMapOvr>
+    <a:masterClrMapping/>
+  </p:clrMapOvr>
+  <p:timing>
+    <p:tnLst>
+      <p:par>
+        <p:cTn id="1" dur="indefinite" restart="never" nodeType="tmRoot"/>
+      </p:par>
+    </p:tnLst>
+  </p:timing>
+</p:sld>
+</file>
+
+<file path=ppt/slides/slide24.xml><?xml version="1.0" encoding="utf-8"?>
 <p:sld xmlns:a="http://schemas.openxmlformats.org/drawingml/2006/main" xmlns:r="http://schemas.openxmlformats.org/officeDocument/2006/relationships" xmlns:p="http://schemas.openxmlformats.org/presentationml/2006/main">
   <p:cSld>
     <p:spTree>
@@ -4635,157 +8226,13 @@
   <p:clrMapOvr>
     <a:masterClrMapping/>
   </p:clrMapOvr>
-</p:sld>
-</file>
-
-<file path=ppt/slides/slide2.xml><?xml version="1.0" encoding="utf-8"?>
-<p:sld xmlns:a="http://schemas.openxmlformats.org/drawingml/2006/main" xmlns:r="http://schemas.openxmlformats.org/officeDocument/2006/relationships" xmlns:p="http://schemas.openxmlformats.org/presentationml/2006/main">
-  <p:cSld>
-    <p:spTree>
-      <p:nvGrpSpPr>
-        <p:cNvPr id="1" name=""/>
-        <p:cNvGrpSpPr/>
-        <p:nvPr/>
-      </p:nvGrpSpPr>
-      <p:grpSpPr>
-        <a:xfrm>
-          <a:off x="0" y="0"/>
-          <a:ext cx="0" cy="0"/>
-          <a:chOff x="0" y="0"/>
-          <a:chExt cx="0" cy="0"/>
-        </a:xfrm>
-      </p:grpSpPr>
-      <p:sp>
-        <p:nvSpPr>
-          <p:cNvPr id="2" name="Title 1"/>
-          <p:cNvSpPr>
-            <a:spLocks noGrp="1"/>
-          </p:cNvSpPr>
-          <p:nvPr>
-            <p:ph type="title"/>
-          </p:nvPr>
-        </p:nvSpPr>
-        <p:spPr/>
-        <p:txBody>
-          <a:bodyPr/>
-          <a:lstStyle/>
-          <a:p>
-            <a:r>
-              <a:rPr lang="en-GB" dirty="0" smtClean="0"/>
-              <a:t>Contents</a:t>
-            </a:r>
-            <a:endParaRPr lang="en-GB" dirty="0"/>
-          </a:p>
-        </p:txBody>
-      </p:sp>
-      <p:sp>
-        <p:nvSpPr>
-          <p:cNvPr id="3" name="Content Placeholder 2"/>
-          <p:cNvSpPr>
-            <a:spLocks noGrp="1"/>
-          </p:cNvSpPr>
-          <p:nvPr>
-            <p:ph idx="1"/>
-          </p:nvPr>
-        </p:nvSpPr>
-        <p:spPr/>
-        <p:txBody>
-          <a:bodyPr>
-            <a:normAutofit fontScale="77500" lnSpcReduction="20000"/>
-          </a:bodyPr>
-          <a:lstStyle/>
-          <a:p>
-            <a:r>
-              <a:rPr lang="en-GB" dirty="0" smtClean="0"/>
-              <a:t>Aims</a:t>
-            </a:r>
-          </a:p>
-          <a:p>
-            <a:r>
-              <a:rPr lang="en-GB" dirty="0" smtClean="0"/>
-              <a:t>Structured Light</a:t>
-            </a:r>
-          </a:p>
-          <a:p>
-            <a:r>
-              <a:rPr lang="en-GB" dirty="0" smtClean="0"/>
-              <a:t>Original 2D Investigation</a:t>
-            </a:r>
-          </a:p>
-          <a:p>
-            <a:r>
-              <a:rPr lang="en-GB" dirty="0" smtClean="0"/>
-              <a:t>3D Point Cloud</a:t>
-            </a:r>
-          </a:p>
-          <a:p>
-            <a:pPr lvl="1"/>
-            <a:r>
-              <a:rPr lang="en-GB" dirty="0" smtClean="0"/>
-              <a:t>Point Cloud Library</a:t>
-            </a:r>
-          </a:p>
-          <a:p>
-            <a:pPr lvl="1"/>
-            <a:r>
-              <a:rPr lang="en-GB" dirty="0" smtClean="0"/>
-              <a:t>Voxel Grid</a:t>
-            </a:r>
-          </a:p>
-          <a:p>
-            <a:pPr lvl="1"/>
-            <a:r>
-              <a:rPr lang="en-GB" dirty="0" smtClean="0"/>
-              <a:t>Floor Removal</a:t>
-            </a:r>
-          </a:p>
-          <a:p>
-            <a:pPr lvl="1"/>
-            <a:r>
-              <a:rPr lang="en-GB" dirty="0" smtClean="0"/>
-              <a:t>Clear Direction</a:t>
-            </a:r>
-          </a:p>
-          <a:p>
-            <a:pPr lvl="1"/>
-            <a:r>
-              <a:rPr lang="en-GB" dirty="0" err="1" smtClean="0"/>
-              <a:t>Pathfinding</a:t>
-            </a:r>
-            <a:endParaRPr lang="en-GB" dirty="0" smtClean="0"/>
-          </a:p>
-          <a:p>
-            <a:pPr lvl="1"/>
-            <a:r>
-              <a:rPr lang="en-GB" dirty="0" smtClean="0"/>
-              <a:t>Other Work</a:t>
-            </a:r>
-          </a:p>
-          <a:p>
-            <a:r>
-              <a:rPr lang="en-GB" dirty="0" smtClean="0"/>
-              <a:t>Demo</a:t>
-            </a:r>
-          </a:p>
-          <a:p>
-            <a:r>
-              <a:rPr lang="en-GB" dirty="0" smtClean="0"/>
-              <a:t>Questions</a:t>
-            </a:r>
-            <a:endParaRPr lang="en-GB" dirty="0"/>
-          </a:p>
-        </p:txBody>
-      </p:sp>
-    </p:spTree>
-    <p:extLst>
-      <p:ext uri="{BB962C8B-B14F-4D97-AF65-F5344CB8AC3E}">
-        <p14:creationId xmlns:p14="http://schemas.microsoft.com/office/powerpoint/2010/main" val="486373608"/>
-      </p:ext>
-    </p:extLst>
-  </p:cSld>
-  <p:clrMapOvr>
-    <a:masterClrMapping/>
-  </p:clrMapOvr>
+  <p:timing>
+    <p:tnLst>
+      <p:par>
+        <p:cTn id="1" dur="indefinite" restart="never" nodeType="tmRoot"/>
+      </p:par>
+    </p:tnLst>
+  </p:timing>
 </p:sld>
 </file>
 
@@ -5613,6 +9060,13 @@
   <p:clrMapOvr>
     <a:masterClrMapping/>
   </p:clrMapOvr>
+  <p:timing>
+    <p:tnLst>
+      <p:par>
+        <p:cTn id="1" dur="indefinite" restart="never" nodeType="tmRoot"/>
+      </p:par>
+    </p:tnLst>
+  </p:timing>
 </p:sld>
 </file>
 
@@ -5644,6 +9098,1092 @@
           </p:nvPr>
         </p:nvSpPr>
         <p:spPr/>
+        <p:txBody>
+          <a:bodyPr/>
+          <a:lstStyle/>
+          <a:p>
+            <a:r>
+              <a:rPr lang="en-GB" dirty="0" smtClean="0"/>
+              <a:t>3D Point Cloud – Method Overview</a:t>
+            </a:r>
+            <a:endParaRPr lang="en-GB" dirty="0"/>
+          </a:p>
+        </p:txBody>
+      </p:sp>
+      <p:sp>
+        <p:nvSpPr>
+          <p:cNvPr id="4" name="Rounded Rectangle 3"/>
+          <p:cNvSpPr/>
+          <p:nvPr/>
+        </p:nvSpPr>
+        <p:spPr>
+          <a:xfrm>
+            <a:off x="3707904" y="1484784"/>
+            <a:ext cx="1224136" cy="576064"/>
+          </a:xfrm>
+          <a:prstGeom prst="roundRect">
+            <a:avLst/>
+          </a:prstGeom>
+        </p:spPr>
+        <p:style>
+          <a:lnRef idx="2">
+            <a:schemeClr val="accent1">
+              <a:shade val="50000"/>
+            </a:schemeClr>
+          </a:lnRef>
+          <a:fillRef idx="1">
+            <a:schemeClr val="accent1"/>
+          </a:fillRef>
+          <a:effectRef idx="0">
+            <a:schemeClr val="accent1"/>
+          </a:effectRef>
+          <a:fontRef idx="minor">
+            <a:schemeClr val="lt1"/>
+          </a:fontRef>
+        </p:style>
+        <p:txBody>
+          <a:bodyPr rtlCol="0" anchor="ctr"/>
+          <a:lstStyle/>
+          <a:p>
+            <a:pPr algn="ctr"/>
+            <a:r>
+              <a:rPr lang="en-GB" dirty="0" smtClean="0"/>
+              <a:t>Point Cloud</a:t>
+            </a:r>
+            <a:endParaRPr lang="en-GB" dirty="0"/>
+          </a:p>
+        </p:txBody>
+      </p:sp>
+      <p:sp>
+        <p:nvSpPr>
+          <p:cNvPr id="5" name="Rounded Rectangle 4"/>
+          <p:cNvSpPr/>
+          <p:nvPr/>
+        </p:nvSpPr>
+        <p:spPr>
+          <a:xfrm>
+            <a:off x="3707904" y="2547525"/>
+            <a:ext cx="1224136" cy="576064"/>
+          </a:xfrm>
+          <a:prstGeom prst="roundRect">
+            <a:avLst/>
+          </a:prstGeom>
+        </p:spPr>
+        <p:style>
+          <a:lnRef idx="2">
+            <a:schemeClr val="accent2">
+              <a:shade val="50000"/>
+            </a:schemeClr>
+          </a:lnRef>
+          <a:fillRef idx="1">
+            <a:schemeClr val="accent2"/>
+          </a:fillRef>
+          <a:effectRef idx="0">
+            <a:schemeClr val="accent2"/>
+          </a:effectRef>
+          <a:fontRef idx="minor">
+            <a:schemeClr val="lt1"/>
+          </a:fontRef>
+        </p:style>
+        <p:txBody>
+          <a:bodyPr rtlCol="0" anchor="ctr"/>
+          <a:lstStyle/>
+          <a:p>
+            <a:pPr algn="ctr"/>
+            <a:r>
+              <a:rPr lang="en-GB" dirty="0" smtClean="0"/>
+              <a:t>Voxel</a:t>
+            </a:r>
+            <a:endParaRPr lang="en-GB" dirty="0"/>
+          </a:p>
+        </p:txBody>
+      </p:sp>
+      <p:sp>
+        <p:nvSpPr>
+          <p:cNvPr id="6" name="Rounded Rectangle 5"/>
+          <p:cNvSpPr/>
+          <p:nvPr/>
+        </p:nvSpPr>
+        <p:spPr>
+          <a:xfrm>
+            <a:off x="3707904" y="3638811"/>
+            <a:ext cx="1224136" cy="576064"/>
+          </a:xfrm>
+          <a:prstGeom prst="roundRect">
+            <a:avLst/>
+          </a:prstGeom>
+        </p:spPr>
+        <p:style>
+          <a:lnRef idx="2">
+            <a:schemeClr val="accent3">
+              <a:shade val="50000"/>
+            </a:schemeClr>
+          </a:lnRef>
+          <a:fillRef idx="1">
+            <a:schemeClr val="accent3"/>
+          </a:fillRef>
+          <a:effectRef idx="0">
+            <a:schemeClr val="accent3"/>
+          </a:effectRef>
+          <a:fontRef idx="minor">
+            <a:schemeClr val="lt1"/>
+          </a:fontRef>
+        </p:style>
+        <p:txBody>
+          <a:bodyPr rtlCol="0" anchor="ctr"/>
+          <a:lstStyle/>
+          <a:p>
+            <a:pPr algn="ctr"/>
+            <a:r>
+              <a:rPr lang="en-GB" dirty="0" smtClean="0"/>
+              <a:t>Floor Detection</a:t>
+            </a:r>
+            <a:endParaRPr lang="en-GB" dirty="0"/>
+          </a:p>
+        </p:txBody>
+      </p:sp>
+      <p:sp>
+        <p:nvSpPr>
+          <p:cNvPr id="7" name="Rounded Rectangle 6"/>
+          <p:cNvSpPr/>
+          <p:nvPr/>
+        </p:nvSpPr>
+        <p:spPr>
+          <a:xfrm>
+            <a:off x="5148087" y="4725144"/>
+            <a:ext cx="1314453" cy="576064"/>
+          </a:xfrm>
+          <a:prstGeom prst="roundRect">
+            <a:avLst/>
+          </a:prstGeom>
+        </p:spPr>
+        <p:style>
+          <a:lnRef idx="2">
+            <a:schemeClr val="accent5">
+              <a:shade val="50000"/>
+            </a:schemeClr>
+          </a:lnRef>
+          <a:fillRef idx="1">
+            <a:schemeClr val="accent5"/>
+          </a:fillRef>
+          <a:effectRef idx="0">
+            <a:schemeClr val="accent5"/>
+          </a:effectRef>
+          <a:fontRef idx="minor">
+            <a:schemeClr val="lt1"/>
+          </a:fontRef>
+        </p:style>
+        <p:txBody>
+          <a:bodyPr rtlCol="0" anchor="ctr"/>
+          <a:lstStyle/>
+          <a:p>
+            <a:pPr algn="ctr"/>
+            <a:r>
+              <a:rPr lang="en-GB" dirty="0" smtClean="0"/>
+              <a:t>Occupancy Map</a:t>
+            </a:r>
+            <a:endParaRPr lang="en-GB" dirty="0"/>
+          </a:p>
+        </p:txBody>
+      </p:sp>
+      <p:sp>
+        <p:nvSpPr>
+          <p:cNvPr id="8" name="Rounded Rectangle 7"/>
+          <p:cNvSpPr/>
+          <p:nvPr/>
+        </p:nvSpPr>
+        <p:spPr>
+          <a:xfrm>
+            <a:off x="2267744" y="4725144"/>
+            <a:ext cx="1224136" cy="576064"/>
+          </a:xfrm>
+          <a:prstGeom prst="roundRect">
+            <a:avLst/>
+          </a:prstGeom>
+        </p:spPr>
+        <p:style>
+          <a:lnRef idx="2">
+            <a:schemeClr val="accent4">
+              <a:shade val="50000"/>
+            </a:schemeClr>
+          </a:lnRef>
+          <a:fillRef idx="1">
+            <a:schemeClr val="accent4"/>
+          </a:fillRef>
+          <a:effectRef idx="0">
+            <a:schemeClr val="accent4"/>
+          </a:effectRef>
+          <a:fontRef idx="minor">
+            <a:schemeClr val="lt1"/>
+          </a:fontRef>
+        </p:style>
+        <p:txBody>
+          <a:bodyPr rtlCol="0" anchor="ctr"/>
+          <a:lstStyle/>
+          <a:p>
+            <a:pPr algn="ctr"/>
+            <a:r>
+              <a:rPr lang="en-GB" dirty="0" smtClean="0"/>
+              <a:t>Clear Direction</a:t>
+            </a:r>
+            <a:endParaRPr lang="en-GB" dirty="0"/>
+          </a:p>
+        </p:txBody>
+      </p:sp>
+      <p:sp>
+        <p:nvSpPr>
+          <p:cNvPr id="10" name="Rounded Rectangle 9"/>
+          <p:cNvSpPr/>
+          <p:nvPr/>
+        </p:nvSpPr>
+        <p:spPr>
+          <a:xfrm>
+            <a:off x="5148087" y="5733256"/>
+            <a:ext cx="1314453" cy="576064"/>
+          </a:xfrm>
+          <a:prstGeom prst="roundRect">
+            <a:avLst/>
+          </a:prstGeom>
+        </p:spPr>
+        <p:style>
+          <a:lnRef idx="2">
+            <a:schemeClr val="accent6">
+              <a:shade val="50000"/>
+            </a:schemeClr>
+          </a:lnRef>
+          <a:fillRef idx="1">
+            <a:schemeClr val="accent6"/>
+          </a:fillRef>
+          <a:effectRef idx="0">
+            <a:schemeClr val="accent6"/>
+          </a:effectRef>
+          <a:fontRef idx="minor">
+            <a:schemeClr val="lt1"/>
+          </a:fontRef>
+        </p:style>
+        <p:txBody>
+          <a:bodyPr rtlCol="0" anchor="ctr"/>
+          <a:lstStyle/>
+          <a:p>
+            <a:pPr algn="ctr"/>
+            <a:r>
+              <a:rPr lang="en-GB" dirty="0" err="1" smtClean="0"/>
+              <a:t>Pathfinding</a:t>
+            </a:r>
+            <a:endParaRPr lang="en-GB" dirty="0"/>
+          </a:p>
+        </p:txBody>
+      </p:sp>
+      <p:cxnSp>
+        <p:nvCxnSpPr>
+          <p:cNvPr id="12" name="Straight Arrow Connector 11"/>
+          <p:cNvCxnSpPr>
+            <a:stCxn id="4" idx="2"/>
+            <a:endCxn id="5" idx="0"/>
+          </p:cNvCxnSpPr>
+          <p:nvPr/>
+        </p:nvCxnSpPr>
+        <p:spPr>
+          <a:xfrm>
+            <a:off x="4319972" y="2060848"/>
+            <a:ext cx="0" cy="486677"/>
+          </a:xfrm>
+          <a:prstGeom prst="straightConnector1">
+            <a:avLst/>
+          </a:prstGeom>
+          <a:ln w="38100">
+            <a:solidFill>
+              <a:schemeClr val="tx1"/>
+            </a:solidFill>
+            <a:tailEnd type="arrow"/>
+          </a:ln>
+        </p:spPr>
+        <p:style>
+          <a:lnRef idx="1">
+            <a:schemeClr val="accent1"/>
+          </a:lnRef>
+          <a:fillRef idx="0">
+            <a:schemeClr val="accent1"/>
+          </a:fillRef>
+          <a:effectRef idx="0">
+            <a:schemeClr val="accent1"/>
+          </a:effectRef>
+          <a:fontRef idx="minor">
+            <a:schemeClr val="tx1"/>
+          </a:fontRef>
+        </p:style>
+      </p:cxnSp>
+      <p:cxnSp>
+        <p:nvCxnSpPr>
+          <p:cNvPr id="15" name="Straight Arrow Connector 14"/>
+          <p:cNvCxnSpPr>
+            <a:stCxn id="5" idx="2"/>
+            <a:endCxn id="6" idx="0"/>
+          </p:cNvCxnSpPr>
+          <p:nvPr/>
+        </p:nvCxnSpPr>
+        <p:spPr>
+          <a:xfrm>
+            <a:off x="4319972" y="3123589"/>
+            <a:ext cx="0" cy="515222"/>
+          </a:xfrm>
+          <a:prstGeom prst="straightConnector1">
+            <a:avLst/>
+          </a:prstGeom>
+          <a:ln w="38100">
+            <a:solidFill>
+              <a:schemeClr val="tx1"/>
+            </a:solidFill>
+            <a:tailEnd type="arrow"/>
+          </a:ln>
+        </p:spPr>
+        <p:style>
+          <a:lnRef idx="1">
+            <a:schemeClr val="accent1"/>
+          </a:lnRef>
+          <a:fillRef idx="0">
+            <a:schemeClr val="accent1"/>
+          </a:fillRef>
+          <a:effectRef idx="0">
+            <a:schemeClr val="accent1"/>
+          </a:effectRef>
+          <a:fontRef idx="minor">
+            <a:schemeClr val="tx1"/>
+          </a:fontRef>
+        </p:style>
+      </p:cxnSp>
+      <p:cxnSp>
+        <p:nvCxnSpPr>
+          <p:cNvPr id="18" name="Elbow Connector 17"/>
+          <p:cNvCxnSpPr>
+            <a:stCxn id="6" idx="2"/>
+            <a:endCxn id="8" idx="0"/>
+          </p:cNvCxnSpPr>
+          <p:nvPr/>
+        </p:nvCxnSpPr>
+        <p:spPr>
+          <a:xfrm rot="5400000">
+            <a:off x="3344758" y="3749929"/>
+            <a:ext cx="510269" cy="1440160"/>
+          </a:xfrm>
+          <a:prstGeom prst="bentConnector3">
+            <a:avLst/>
+          </a:prstGeom>
+          <a:ln w="38100">
+            <a:solidFill>
+              <a:schemeClr val="tx1"/>
+            </a:solidFill>
+            <a:tailEnd type="arrow"/>
+          </a:ln>
+        </p:spPr>
+        <p:style>
+          <a:lnRef idx="1">
+            <a:schemeClr val="accent1"/>
+          </a:lnRef>
+          <a:fillRef idx="0">
+            <a:schemeClr val="accent1"/>
+          </a:fillRef>
+          <a:effectRef idx="0">
+            <a:schemeClr val="accent1"/>
+          </a:effectRef>
+          <a:fontRef idx="minor">
+            <a:schemeClr val="tx1"/>
+          </a:fontRef>
+        </p:style>
+      </p:cxnSp>
+      <p:cxnSp>
+        <p:nvCxnSpPr>
+          <p:cNvPr id="20" name="Elbow Connector 19"/>
+          <p:cNvCxnSpPr>
+            <a:stCxn id="6" idx="2"/>
+            <a:endCxn id="7" idx="0"/>
+          </p:cNvCxnSpPr>
+          <p:nvPr/>
+        </p:nvCxnSpPr>
+        <p:spPr>
+          <a:xfrm rot="16200000" flipH="1">
+            <a:off x="4807509" y="3727338"/>
+            <a:ext cx="510269" cy="1485342"/>
+          </a:xfrm>
+          <a:prstGeom prst="bentConnector3">
+            <a:avLst/>
+          </a:prstGeom>
+          <a:ln w="38100">
+            <a:solidFill>
+              <a:schemeClr val="tx1"/>
+            </a:solidFill>
+            <a:tailEnd type="arrow"/>
+          </a:ln>
+        </p:spPr>
+        <p:style>
+          <a:lnRef idx="1">
+            <a:schemeClr val="accent1"/>
+          </a:lnRef>
+          <a:fillRef idx="0">
+            <a:schemeClr val="accent1"/>
+          </a:fillRef>
+          <a:effectRef idx="0">
+            <a:schemeClr val="accent1"/>
+          </a:effectRef>
+          <a:fontRef idx="minor">
+            <a:schemeClr val="tx1"/>
+          </a:fontRef>
+        </p:style>
+      </p:cxnSp>
+      <p:cxnSp>
+        <p:nvCxnSpPr>
+          <p:cNvPr id="22" name="Straight Arrow Connector 21"/>
+          <p:cNvCxnSpPr>
+            <a:stCxn id="7" idx="2"/>
+            <a:endCxn id="10" idx="0"/>
+          </p:cNvCxnSpPr>
+          <p:nvPr/>
+        </p:nvCxnSpPr>
+        <p:spPr>
+          <a:xfrm>
+            <a:off x="5805314" y="5301208"/>
+            <a:ext cx="0" cy="432048"/>
+          </a:xfrm>
+          <a:prstGeom prst="straightConnector1">
+            <a:avLst/>
+          </a:prstGeom>
+          <a:ln w="38100">
+            <a:solidFill>
+              <a:schemeClr val="tx1"/>
+            </a:solidFill>
+            <a:tailEnd type="arrow"/>
+          </a:ln>
+        </p:spPr>
+        <p:style>
+          <a:lnRef idx="1">
+            <a:schemeClr val="accent1"/>
+          </a:lnRef>
+          <a:fillRef idx="0">
+            <a:schemeClr val="accent1"/>
+          </a:fillRef>
+          <a:effectRef idx="0">
+            <a:schemeClr val="accent1"/>
+          </a:effectRef>
+          <a:fontRef idx="minor">
+            <a:schemeClr val="tx1"/>
+          </a:fontRef>
+        </p:style>
+      </p:cxnSp>
+    </p:spTree>
+    <p:extLst>
+      <p:ext uri="{BB962C8B-B14F-4D97-AF65-F5344CB8AC3E}">
+        <p14:creationId xmlns:p14="http://schemas.microsoft.com/office/powerpoint/2010/main" val="404611468"/>
+      </p:ext>
+    </p:extLst>
+  </p:cSld>
+  <p:clrMapOvr>
+    <a:masterClrMapping/>
+  </p:clrMapOvr>
+  <p:timing>
+    <p:tnLst>
+      <p:par>
+        <p:cTn id="1" dur="indefinite" restart="never" nodeType="tmRoot"/>
+      </p:par>
+    </p:tnLst>
+  </p:timing>
+</p:sld>
+</file>
+
+<file path=ppt/slides/slide8.xml><?xml version="1.0" encoding="utf-8"?>
+<p:sld xmlns:a="http://schemas.openxmlformats.org/drawingml/2006/main" xmlns:r="http://schemas.openxmlformats.org/officeDocument/2006/relationships" xmlns:p="http://schemas.openxmlformats.org/presentationml/2006/main">
+  <p:cSld>
+    <p:spTree>
+      <p:nvGrpSpPr>
+        <p:cNvPr id="1" name=""/>
+        <p:cNvGrpSpPr/>
+        <p:nvPr/>
+      </p:nvGrpSpPr>
+      <p:grpSpPr>
+        <a:xfrm>
+          <a:off x="0" y="0"/>
+          <a:ext cx="0" cy="0"/>
+          <a:chOff x="0" y="0"/>
+          <a:chExt cx="0" cy="0"/>
+        </a:xfrm>
+      </p:grpSpPr>
+      <p:sp>
+        <p:nvSpPr>
+          <p:cNvPr id="2" name="Title 1"/>
+          <p:cNvSpPr>
+            <a:spLocks noGrp="1"/>
+          </p:cNvSpPr>
+          <p:nvPr>
+            <p:ph type="title"/>
+          </p:nvPr>
+        </p:nvSpPr>
+        <p:spPr/>
+        <p:txBody>
+          <a:bodyPr/>
+          <a:lstStyle/>
+          <a:p>
+            <a:r>
+              <a:rPr lang="en-GB" dirty="0" smtClean="0"/>
+              <a:t>3D Point Cloud</a:t>
+            </a:r>
+            <a:endParaRPr lang="en-GB" dirty="0"/>
+          </a:p>
+        </p:txBody>
+      </p:sp>
+      <p:sp>
+        <p:nvSpPr>
+          <p:cNvPr id="4" name="Rounded Rectangle 3"/>
+          <p:cNvSpPr/>
+          <p:nvPr/>
+        </p:nvSpPr>
+        <p:spPr>
+          <a:xfrm>
+            <a:off x="3707904" y="1484784"/>
+            <a:ext cx="1224136" cy="576064"/>
+          </a:xfrm>
+          <a:prstGeom prst="roundRect">
+            <a:avLst/>
+          </a:prstGeom>
+        </p:spPr>
+        <p:style>
+          <a:lnRef idx="2">
+            <a:schemeClr val="accent1">
+              <a:shade val="50000"/>
+            </a:schemeClr>
+          </a:lnRef>
+          <a:fillRef idx="1">
+            <a:schemeClr val="accent1"/>
+          </a:fillRef>
+          <a:effectRef idx="0">
+            <a:schemeClr val="accent1"/>
+          </a:effectRef>
+          <a:fontRef idx="minor">
+            <a:schemeClr val="lt1"/>
+          </a:fontRef>
+        </p:style>
+        <p:txBody>
+          <a:bodyPr rtlCol="0" anchor="ctr"/>
+          <a:lstStyle/>
+          <a:p>
+            <a:pPr algn="ctr"/>
+            <a:r>
+              <a:rPr lang="en-GB" dirty="0" smtClean="0"/>
+              <a:t>Point Cloud</a:t>
+            </a:r>
+            <a:endParaRPr lang="en-GB" dirty="0"/>
+          </a:p>
+        </p:txBody>
+      </p:sp>
+      <p:sp>
+        <p:nvSpPr>
+          <p:cNvPr id="5" name="Rounded Rectangle 4"/>
+          <p:cNvSpPr/>
+          <p:nvPr/>
+        </p:nvSpPr>
+        <p:spPr>
+          <a:xfrm>
+            <a:off x="3707904" y="2547525"/>
+            <a:ext cx="1224136" cy="576064"/>
+          </a:xfrm>
+          <a:prstGeom prst="roundRect">
+            <a:avLst/>
+          </a:prstGeom>
+          <a:solidFill>
+            <a:schemeClr val="accent2">
+              <a:lumMod val="40000"/>
+              <a:lumOff val="60000"/>
+            </a:schemeClr>
+          </a:solidFill>
+        </p:spPr>
+        <p:style>
+          <a:lnRef idx="2">
+            <a:schemeClr val="accent2">
+              <a:shade val="50000"/>
+            </a:schemeClr>
+          </a:lnRef>
+          <a:fillRef idx="1">
+            <a:schemeClr val="accent2"/>
+          </a:fillRef>
+          <a:effectRef idx="0">
+            <a:schemeClr val="accent2"/>
+          </a:effectRef>
+          <a:fontRef idx="minor">
+            <a:schemeClr val="lt1"/>
+          </a:fontRef>
+        </p:style>
+        <p:txBody>
+          <a:bodyPr rtlCol="0" anchor="ctr"/>
+          <a:lstStyle/>
+          <a:p>
+            <a:pPr algn="ctr"/>
+            <a:r>
+              <a:rPr lang="en-GB" dirty="0" smtClean="0"/>
+              <a:t>Voxel</a:t>
+            </a:r>
+            <a:endParaRPr lang="en-GB" dirty="0"/>
+          </a:p>
+        </p:txBody>
+      </p:sp>
+      <p:sp>
+        <p:nvSpPr>
+          <p:cNvPr id="6" name="Rounded Rectangle 5"/>
+          <p:cNvSpPr/>
+          <p:nvPr/>
+        </p:nvSpPr>
+        <p:spPr>
+          <a:xfrm>
+            <a:off x="3707904" y="3638811"/>
+            <a:ext cx="1224136" cy="576064"/>
+          </a:xfrm>
+          <a:prstGeom prst="roundRect">
+            <a:avLst/>
+          </a:prstGeom>
+          <a:solidFill>
+            <a:schemeClr val="accent3">
+              <a:lumMod val="40000"/>
+              <a:lumOff val="60000"/>
+            </a:schemeClr>
+          </a:solidFill>
+        </p:spPr>
+        <p:style>
+          <a:lnRef idx="2">
+            <a:schemeClr val="accent3">
+              <a:shade val="50000"/>
+            </a:schemeClr>
+          </a:lnRef>
+          <a:fillRef idx="1">
+            <a:schemeClr val="accent3"/>
+          </a:fillRef>
+          <a:effectRef idx="0">
+            <a:schemeClr val="accent3"/>
+          </a:effectRef>
+          <a:fontRef idx="minor">
+            <a:schemeClr val="lt1"/>
+          </a:fontRef>
+        </p:style>
+        <p:txBody>
+          <a:bodyPr rtlCol="0" anchor="ctr"/>
+          <a:lstStyle/>
+          <a:p>
+            <a:pPr algn="ctr"/>
+            <a:r>
+              <a:rPr lang="en-GB" dirty="0" smtClean="0"/>
+              <a:t>Floor Detection</a:t>
+            </a:r>
+            <a:endParaRPr lang="en-GB" dirty="0"/>
+          </a:p>
+        </p:txBody>
+      </p:sp>
+      <p:sp>
+        <p:nvSpPr>
+          <p:cNvPr id="7" name="Rounded Rectangle 6"/>
+          <p:cNvSpPr/>
+          <p:nvPr/>
+        </p:nvSpPr>
+        <p:spPr>
+          <a:xfrm>
+            <a:off x="5148087" y="4725144"/>
+            <a:ext cx="1314453" cy="576064"/>
+          </a:xfrm>
+          <a:prstGeom prst="roundRect">
+            <a:avLst/>
+          </a:prstGeom>
+          <a:solidFill>
+            <a:schemeClr val="accent5">
+              <a:lumMod val="40000"/>
+              <a:lumOff val="60000"/>
+            </a:schemeClr>
+          </a:solidFill>
+        </p:spPr>
+        <p:style>
+          <a:lnRef idx="2">
+            <a:schemeClr val="accent5">
+              <a:shade val="50000"/>
+            </a:schemeClr>
+          </a:lnRef>
+          <a:fillRef idx="1">
+            <a:schemeClr val="accent5"/>
+          </a:fillRef>
+          <a:effectRef idx="0">
+            <a:schemeClr val="accent5"/>
+          </a:effectRef>
+          <a:fontRef idx="minor">
+            <a:schemeClr val="lt1"/>
+          </a:fontRef>
+        </p:style>
+        <p:txBody>
+          <a:bodyPr rtlCol="0" anchor="ctr"/>
+          <a:lstStyle/>
+          <a:p>
+            <a:pPr algn="ctr"/>
+            <a:r>
+              <a:rPr lang="en-GB" dirty="0" smtClean="0"/>
+              <a:t>Occupancy Map</a:t>
+            </a:r>
+            <a:endParaRPr lang="en-GB" dirty="0"/>
+          </a:p>
+        </p:txBody>
+      </p:sp>
+      <p:sp>
+        <p:nvSpPr>
+          <p:cNvPr id="8" name="Rounded Rectangle 7"/>
+          <p:cNvSpPr/>
+          <p:nvPr/>
+        </p:nvSpPr>
+        <p:spPr>
+          <a:xfrm>
+            <a:off x="2267744" y="4725144"/>
+            <a:ext cx="1224136" cy="576064"/>
+          </a:xfrm>
+          <a:prstGeom prst="roundRect">
+            <a:avLst/>
+          </a:prstGeom>
+          <a:solidFill>
+            <a:schemeClr val="accent4">
+              <a:lumMod val="40000"/>
+              <a:lumOff val="60000"/>
+            </a:schemeClr>
+          </a:solidFill>
+        </p:spPr>
+        <p:style>
+          <a:lnRef idx="2">
+            <a:schemeClr val="accent4">
+              <a:shade val="50000"/>
+            </a:schemeClr>
+          </a:lnRef>
+          <a:fillRef idx="1">
+            <a:schemeClr val="accent4"/>
+          </a:fillRef>
+          <a:effectRef idx="0">
+            <a:schemeClr val="accent4"/>
+          </a:effectRef>
+          <a:fontRef idx="minor">
+            <a:schemeClr val="lt1"/>
+          </a:fontRef>
+        </p:style>
+        <p:txBody>
+          <a:bodyPr rtlCol="0" anchor="ctr"/>
+          <a:lstStyle/>
+          <a:p>
+            <a:pPr algn="ctr"/>
+            <a:r>
+              <a:rPr lang="en-GB" dirty="0" smtClean="0"/>
+              <a:t>Clear Direction</a:t>
+            </a:r>
+            <a:endParaRPr lang="en-GB" dirty="0"/>
+          </a:p>
+        </p:txBody>
+      </p:sp>
+      <p:sp>
+        <p:nvSpPr>
+          <p:cNvPr id="10" name="Rounded Rectangle 9"/>
+          <p:cNvSpPr/>
+          <p:nvPr/>
+        </p:nvSpPr>
+        <p:spPr>
+          <a:xfrm>
+            <a:off x="5148087" y="5733256"/>
+            <a:ext cx="1314453" cy="576064"/>
+          </a:xfrm>
+          <a:prstGeom prst="roundRect">
+            <a:avLst/>
+          </a:prstGeom>
+          <a:solidFill>
+            <a:schemeClr val="accent6">
+              <a:lumMod val="40000"/>
+              <a:lumOff val="60000"/>
+            </a:schemeClr>
+          </a:solidFill>
+        </p:spPr>
+        <p:style>
+          <a:lnRef idx="2">
+            <a:schemeClr val="accent6">
+              <a:shade val="50000"/>
+            </a:schemeClr>
+          </a:lnRef>
+          <a:fillRef idx="1">
+            <a:schemeClr val="accent6"/>
+          </a:fillRef>
+          <a:effectRef idx="0">
+            <a:schemeClr val="accent6"/>
+          </a:effectRef>
+          <a:fontRef idx="minor">
+            <a:schemeClr val="lt1"/>
+          </a:fontRef>
+        </p:style>
+        <p:txBody>
+          <a:bodyPr rtlCol="0" anchor="ctr"/>
+          <a:lstStyle/>
+          <a:p>
+            <a:pPr algn="ctr"/>
+            <a:r>
+              <a:rPr lang="en-GB" dirty="0" err="1" smtClean="0"/>
+              <a:t>Pathfinding</a:t>
+            </a:r>
+            <a:endParaRPr lang="en-GB" dirty="0"/>
+          </a:p>
+        </p:txBody>
+      </p:sp>
+      <p:cxnSp>
+        <p:nvCxnSpPr>
+          <p:cNvPr id="12" name="Straight Arrow Connector 11"/>
+          <p:cNvCxnSpPr>
+            <a:stCxn id="4" idx="2"/>
+            <a:endCxn id="5" idx="0"/>
+          </p:cNvCxnSpPr>
+          <p:nvPr/>
+        </p:nvCxnSpPr>
+        <p:spPr>
+          <a:xfrm>
+            <a:off x="4319972" y="2060848"/>
+            <a:ext cx="0" cy="486677"/>
+          </a:xfrm>
+          <a:prstGeom prst="straightConnector1">
+            <a:avLst/>
+          </a:prstGeom>
+          <a:ln w="38100">
+            <a:solidFill>
+              <a:schemeClr val="tx1"/>
+            </a:solidFill>
+            <a:tailEnd type="arrow"/>
+          </a:ln>
+        </p:spPr>
+        <p:style>
+          <a:lnRef idx="1">
+            <a:schemeClr val="accent1"/>
+          </a:lnRef>
+          <a:fillRef idx="0">
+            <a:schemeClr val="accent1"/>
+          </a:fillRef>
+          <a:effectRef idx="0">
+            <a:schemeClr val="accent1"/>
+          </a:effectRef>
+          <a:fontRef idx="minor">
+            <a:schemeClr val="tx1"/>
+          </a:fontRef>
+        </p:style>
+      </p:cxnSp>
+      <p:cxnSp>
+        <p:nvCxnSpPr>
+          <p:cNvPr id="15" name="Straight Arrow Connector 14"/>
+          <p:cNvCxnSpPr>
+            <a:stCxn id="5" idx="2"/>
+            <a:endCxn id="6" idx="0"/>
+          </p:cNvCxnSpPr>
+          <p:nvPr/>
+        </p:nvCxnSpPr>
+        <p:spPr>
+          <a:xfrm>
+            <a:off x="4319972" y="3123589"/>
+            <a:ext cx="0" cy="515222"/>
+          </a:xfrm>
+          <a:prstGeom prst="straightConnector1">
+            <a:avLst/>
+          </a:prstGeom>
+          <a:ln w="38100">
+            <a:solidFill>
+              <a:schemeClr val="tx1"/>
+            </a:solidFill>
+            <a:tailEnd type="arrow"/>
+          </a:ln>
+        </p:spPr>
+        <p:style>
+          <a:lnRef idx="1">
+            <a:schemeClr val="accent1"/>
+          </a:lnRef>
+          <a:fillRef idx="0">
+            <a:schemeClr val="accent1"/>
+          </a:fillRef>
+          <a:effectRef idx="0">
+            <a:schemeClr val="accent1"/>
+          </a:effectRef>
+          <a:fontRef idx="minor">
+            <a:schemeClr val="tx1"/>
+          </a:fontRef>
+        </p:style>
+      </p:cxnSp>
+      <p:cxnSp>
+        <p:nvCxnSpPr>
+          <p:cNvPr id="18" name="Elbow Connector 17"/>
+          <p:cNvCxnSpPr>
+            <a:stCxn id="6" idx="2"/>
+            <a:endCxn id="8" idx="0"/>
+          </p:cNvCxnSpPr>
+          <p:nvPr/>
+        </p:nvCxnSpPr>
+        <p:spPr>
+          <a:xfrm rot="5400000">
+            <a:off x="3344758" y="3749929"/>
+            <a:ext cx="510269" cy="1440160"/>
+          </a:xfrm>
+          <a:prstGeom prst="bentConnector3">
+            <a:avLst/>
+          </a:prstGeom>
+          <a:ln w="38100">
+            <a:solidFill>
+              <a:schemeClr val="tx1"/>
+            </a:solidFill>
+            <a:tailEnd type="arrow"/>
+          </a:ln>
+        </p:spPr>
+        <p:style>
+          <a:lnRef idx="1">
+            <a:schemeClr val="accent1"/>
+          </a:lnRef>
+          <a:fillRef idx="0">
+            <a:schemeClr val="accent1"/>
+          </a:fillRef>
+          <a:effectRef idx="0">
+            <a:schemeClr val="accent1"/>
+          </a:effectRef>
+          <a:fontRef idx="minor">
+            <a:schemeClr val="tx1"/>
+          </a:fontRef>
+        </p:style>
+      </p:cxnSp>
+      <p:cxnSp>
+        <p:nvCxnSpPr>
+          <p:cNvPr id="20" name="Elbow Connector 19"/>
+          <p:cNvCxnSpPr>
+            <a:stCxn id="6" idx="2"/>
+            <a:endCxn id="7" idx="0"/>
+          </p:cNvCxnSpPr>
+          <p:nvPr/>
+        </p:nvCxnSpPr>
+        <p:spPr>
+          <a:xfrm rot="16200000" flipH="1">
+            <a:off x="4807509" y="3727338"/>
+            <a:ext cx="510269" cy="1485342"/>
+          </a:xfrm>
+          <a:prstGeom prst="bentConnector3">
+            <a:avLst/>
+          </a:prstGeom>
+          <a:ln w="38100">
+            <a:solidFill>
+              <a:schemeClr val="tx1"/>
+            </a:solidFill>
+            <a:tailEnd type="arrow"/>
+          </a:ln>
+        </p:spPr>
+        <p:style>
+          <a:lnRef idx="1">
+            <a:schemeClr val="accent1"/>
+          </a:lnRef>
+          <a:fillRef idx="0">
+            <a:schemeClr val="accent1"/>
+          </a:fillRef>
+          <a:effectRef idx="0">
+            <a:schemeClr val="accent1"/>
+          </a:effectRef>
+          <a:fontRef idx="minor">
+            <a:schemeClr val="tx1"/>
+          </a:fontRef>
+        </p:style>
+      </p:cxnSp>
+      <p:cxnSp>
+        <p:nvCxnSpPr>
+          <p:cNvPr id="22" name="Straight Arrow Connector 21"/>
+          <p:cNvCxnSpPr>
+            <a:stCxn id="7" idx="2"/>
+            <a:endCxn id="10" idx="0"/>
+          </p:cNvCxnSpPr>
+          <p:nvPr/>
+        </p:nvCxnSpPr>
+        <p:spPr>
+          <a:xfrm>
+            <a:off x="5805314" y="5301208"/>
+            <a:ext cx="0" cy="432048"/>
+          </a:xfrm>
+          <a:prstGeom prst="straightConnector1">
+            <a:avLst/>
+          </a:prstGeom>
+          <a:ln w="38100">
+            <a:solidFill>
+              <a:schemeClr val="tx1"/>
+            </a:solidFill>
+            <a:tailEnd type="arrow"/>
+          </a:ln>
+        </p:spPr>
+        <p:style>
+          <a:lnRef idx="1">
+            <a:schemeClr val="accent1"/>
+          </a:lnRef>
+          <a:fillRef idx="0">
+            <a:schemeClr val="accent1"/>
+          </a:fillRef>
+          <a:effectRef idx="0">
+            <a:schemeClr val="accent1"/>
+          </a:effectRef>
+          <a:fontRef idx="minor">
+            <a:schemeClr val="tx1"/>
+          </a:fontRef>
+        </p:style>
+      </p:cxnSp>
+    </p:spTree>
+    <p:extLst>
+      <p:ext uri="{BB962C8B-B14F-4D97-AF65-F5344CB8AC3E}">
+        <p14:creationId xmlns:p14="http://schemas.microsoft.com/office/powerpoint/2010/main" val="3879750876"/>
+      </p:ext>
+    </p:extLst>
+  </p:cSld>
+  <p:clrMapOvr>
+    <a:masterClrMapping/>
+  </p:clrMapOvr>
+  <p:timing>
+    <p:tnLst>
+      <p:par>
+        <p:cTn id="1" dur="indefinite" restart="never" nodeType="tmRoot"/>
+      </p:par>
+    </p:tnLst>
+  </p:timing>
+</p:sld>
+</file>
+
+<file path=ppt/slides/slide9.xml><?xml version="1.0" encoding="utf-8"?>
+<p:sld xmlns:a="http://schemas.openxmlformats.org/drawingml/2006/main" xmlns:r="http://schemas.openxmlformats.org/officeDocument/2006/relationships" xmlns:p="http://schemas.openxmlformats.org/presentationml/2006/main">
+  <p:cSld>
+    <p:spTree>
+      <p:nvGrpSpPr>
+        <p:cNvPr id="1" name=""/>
+        <p:cNvGrpSpPr/>
+        <p:nvPr/>
+      </p:nvGrpSpPr>
+      <p:grpSpPr>
+        <a:xfrm>
+          <a:off x="0" y="0"/>
+          <a:ext cx="0" cy="0"/>
+          <a:chOff x="0" y="0"/>
+          <a:chExt cx="0" cy="0"/>
+        </a:xfrm>
+      </p:grpSpPr>
+      <p:sp>
+        <p:nvSpPr>
+          <p:cNvPr id="2" name="Title 1"/>
+          <p:cNvSpPr>
+            <a:spLocks noGrp="1"/>
+          </p:cNvSpPr>
+          <p:nvPr>
+            <p:ph type="title"/>
+          </p:nvPr>
+        </p:nvSpPr>
+        <p:spPr>
+          <a:solidFill>
+            <a:schemeClr val="accent1"/>
+          </a:solidFill>
+        </p:spPr>
+        <p:style>
+          <a:lnRef idx="2">
+            <a:schemeClr val="accent1"/>
+          </a:lnRef>
+          <a:fillRef idx="1">
+            <a:schemeClr val="lt1"/>
+          </a:fillRef>
+          <a:effectRef idx="0">
+            <a:schemeClr val="accent1"/>
+          </a:effectRef>
+          <a:fontRef idx="minor">
+            <a:schemeClr val="dk1"/>
+          </a:fontRef>
+        </p:style>
         <p:txBody>
           <a:bodyPr>
             <a:normAutofit fontScale="90000"/>
@@ -5781,7 +10321,7 @@
         </p:blipFill>
         <p:spPr bwMode="auto">
           <a:xfrm>
-            <a:off x="539552" y="1412776"/>
+            <a:off x="539552" y="1556792"/>
             <a:ext cx="7920880" cy="910059"/>
           </a:xfrm>
           <a:prstGeom prst="rect">
@@ -5826,455 +10366,6 @@
     <p:extLst>
       <p:ext uri="{BB962C8B-B14F-4D97-AF65-F5344CB8AC3E}">
         <p14:creationId xmlns:p14="http://schemas.microsoft.com/office/powerpoint/2010/main" val="4220647663"/>
-      </p:ext>
-    </p:extLst>
-  </p:cSld>
-  <p:clrMapOvr>
-    <a:masterClrMapping/>
-  </p:clrMapOvr>
-</p:sld>
-</file>
-
-<file path=ppt/slides/slide8.xml><?xml version="1.0" encoding="utf-8"?>
-<p:sld xmlns:a="http://schemas.openxmlformats.org/drawingml/2006/main" xmlns:r="http://schemas.openxmlformats.org/officeDocument/2006/relationships" xmlns:p="http://schemas.openxmlformats.org/presentationml/2006/main">
-  <p:cSld>
-    <p:spTree>
-      <p:nvGrpSpPr>
-        <p:cNvPr id="1" name=""/>
-        <p:cNvGrpSpPr/>
-        <p:nvPr/>
-      </p:nvGrpSpPr>
-      <p:grpSpPr>
-        <a:xfrm>
-          <a:off x="0" y="0"/>
-          <a:ext cx="0" cy="0"/>
-          <a:chOff x="0" y="0"/>
-          <a:chExt cx="0" cy="0"/>
-        </a:xfrm>
-      </p:grpSpPr>
-      <p:sp>
-        <p:nvSpPr>
-          <p:cNvPr id="2" name="Title 1"/>
-          <p:cNvSpPr>
-            <a:spLocks noGrp="1"/>
-          </p:cNvSpPr>
-          <p:nvPr>
-            <p:ph type="title"/>
-          </p:nvPr>
-        </p:nvSpPr>
-        <p:spPr/>
-        <p:txBody>
-          <a:bodyPr/>
-          <a:lstStyle/>
-          <a:p>
-            <a:r>
-              <a:rPr lang="en-GB" dirty="0" smtClean="0"/>
-              <a:t>3D Point Cloud – Floor Detection</a:t>
-            </a:r>
-            <a:endParaRPr lang="en-GB" dirty="0"/>
-          </a:p>
-        </p:txBody>
-      </p:sp>
-      <p:sp>
-        <p:nvSpPr>
-          <p:cNvPr id="3" name="Content Placeholder 2"/>
-          <p:cNvSpPr>
-            <a:spLocks noGrp="1"/>
-          </p:cNvSpPr>
-          <p:nvPr>
-            <p:ph sz="half" idx="1"/>
-          </p:nvPr>
-        </p:nvSpPr>
-        <p:spPr/>
-        <p:txBody>
-          <a:bodyPr>
-            <a:normAutofit lnSpcReduction="10000"/>
-          </a:bodyPr>
-          <a:lstStyle/>
-          <a:p>
-            <a:r>
-              <a:rPr lang="en-GB" dirty="0" smtClean="0"/>
-              <a:t>Different methods were used to detect the floor</a:t>
-            </a:r>
-          </a:p>
-          <a:p>
-            <a:r>
-              <a:rPr lang="en-GB" dirty="0" smtClean="0"/>
-              <a:t>Based on comparison with planes</a:t>
-            </a:r>
-          </a:p>
-          <a:p>
-            <a:pPr lvl="1"/>
-            <a:r>
-              <a:rPr lang="en-GB" dirty="0" smtClean="0"/>
-              <a:t>First Method: manually sweep through planes (slow)</a:t>
-            </a:r>
-          </a:p>
-          <a:p>
-            <a:pPr lvl="1"/>
-            <a:r>
-              <a:rPr lang="en-GB" dirty="0" smtClean="0"/>
-              <a:t>Second Method: manually remove ceiling and use RANSAC algorithm</a:t>
-            </a:r>
-          </a:p>
-        </p:txBody>
-      </p:sp>
-      <p:pic>
-        <p:nvPicPr>
-          <p:cNvPr id="6" name="Picture 5"/>
-          <p:cNvPicPr>
-            <a:picLocks noChangeAspect="1"/>
-          </p:cNvPicPr>
-          <p:nvPr/>
-        </p:nvPicPr>
-        <p:blipFill>
-          <a:blip r:embed="rId3" cstate="print">
-            <a:extLst>
-              <a:ext uri="{28A0092B-C50C-407E-A947-70E740481C1C}">
-                <a14:useLocalDpi xmlns:a14="http://schemas.microsoft.com/office/drawing/2010/main" val="0"/>
-              </a:ext>
-            </a:extLst>
-          </a:blip>
-          <a:stretch>
-            <a:fillRect/>
-          </a:stretch>
-        </p:blipFill>
-        <p:spPr>
-          <a:xfrm>
-            <a:off x="5220072" y="1556792"/>
-            <a:ext cx="3233932" cy="2487435"/>
-          </a:xfrm>
-          <a:prstGeom prst="rect">
-            <a:avLst/>
-          </a:prstGeom>
-        </p:spPr>
-      </p:pic>
-      <p:pic>
-        <p:nvPicPr>
-          <p:cNvPr id="7" name="Picture 6"/>
-          <p:cNvPicPr>
-            <a:picLocks noChangeAspect="1"/>
-          </p:cNvPicPr>
-          <p:nvPr/>
-        </p:nvPicPr>
-        <p:blipFill>
-          <a:blip r:embed="rId4" cstate="print">
-            <a:extLst>
-              <a:ext uri="{28A0092B-C50C-407E-A947-70E740481C1C}">
-                <a14:useLocalDpi xmlns:a14="http://schemas.microsoft.com/office/drawing/2010/main" val="0"/>
-              </a:ext>
-            </a:extLst>
-          </a:blip>
-          <a:stretch>
-            <a:fillRect/>
-          </a:stretch>
-        </p:blipFill>
-        <p:spPr>
-          <a:xfrm>
-            <a:off x="5220072" y="4221088"/>
-            <a:ext cx="3233932" cy="1947428"/>
-          </a:xfrm>
-          <a:prstGeom prst="rect">
-            <a:avLst/>
-          </a:prstGeom>
-        </p:spPr>
-      </p:pic>
-    </p:spTree>
-    <p:extLst>
-      <p:ext uri="{BB962C8B-B14F-4D97-AF65-F5344CB8AC3E}">
-        <p14:creationId xmlns:p14="http://schemas.microsoft.com/office/powerpoint/2010/main" val="862569803"/>
-      </p:ext>
-    </p:extLst>
-  </p:cSld>
-  <p:clrMapOvr>
-    <a:masterClrMapping/>
-  </p:clrMapOvr>
-</p:sld>
-</file>
-
-<file path=ppt/slides/slide9.xml><?xml version="1.0" encoding="utf-8"?>
-<p:sld xmlns:a="http://schemas.openxmlformats.org/drawingml/2006/main" xmlns:r="http://schemas.openxmlformats.org/officeDocument/2006/relationships" xmlns:p="http://schemas.openxmlformats.org/presentationml/2006/main">
-  <p:cSld>
-    <p:spTree>
-      <p:nvGrpSpPr>
-        <p:cNvPr id="1" name=""/>
-        <p:cNvGrpSpPr/>
-        <p:nvPr/>
-      </p:nvGrpSpPr>
-      <p:grpSpPr>
-        <a:xfrm>
-          <a:off x="0" y="0"/>
-          <a:ext cx="0" cy="0"/>
-          <a:chOff x="0" y="0"/>
-          <a:chExt cx="0" cy="0"/>
-        </a:xfrm>
-      </p:grpSpPr>
-      <p:sp>
-        <p:nvSpPr>
-          <p:cNvPr id="2" name="Title 1"/>
-          <p:cNvSpPr>
-            <a:spLocks noGrp="1"/>
-          </p:cNvSpPr>
-          <p:nvPr>
-            <p:ph type="title"/>
-          </p:nvPr>
-        </p:nvSpPr>
-        <p:spPr/>
-        <p:txBody>
-          <a:bodyPr>
-            <a:normAutofit fontScale="90000"/>
-          </a:bodyPr>
-          <a:lstStyle/>
-          <a:p>
-            <a:r>
-              <a:rPr lang="en-GB" dirty="0" smtClean="0"/>
-              <a:t>3D Point Cloud - Voxel Grid </a:t>
-            </a:r>
-            <a:r>
-              <a:rPr lang="en-GB" dirty="0" err="1" smtClean="0"/>
-              <a:t>Downsampling</a:t>
-            </a:r>
-            <a:r>
-              <a:rPr lang="en-GB" dirty="0" smtClean="0"/>
-              <a:t> </a:t>
-            </a:r>
-            <a:endParaRPr lang="en-GB" dirty="0"/>
-          </a:p>
-        </p:txBody>
-      </p:sp>
-      <p:sp>
-        <p:nvSpPr>
-          <p:cNvPr id="3" name="Content Placeholder 2"/>
-          <p:cNvSpPr>
-            <a:spLocks noGrp="1"/>
-          </p:cNvSpPr>
-          <p:nvPr>
-            <p:ph sz="half" idx="1"/>
-          </p:nvPr>
-        </p:nvSpPr>
-        <p:spPr/>
-        <p:txBody>
-          <a:bodyPr>
-            <a:normAutofit fontScale="92500" lnSpcReduction="10000"/>
-          </a:bodyPr>
-          <a:lstStyle/>
-          <a:p>
-            <a:r>
-              <a:rPr lang="en-GB" dirty="0" smtClean="0"/>
-              <a:t>Reasons we </a:t>
-            </a:r>
-            <a:r>
-              <a:rPr lang="en-GB" dirty="0" err="1" smtClean="0"/>
-              <a:t>downsampled</a:t>
-            </a:r>
-            <a:r>
-              <a:rPr lang="en-GB" dirty="0" smtClean="0"/>
-              <a:t> in a uniform grid:</a:t>
-            </a:r>
-          </a:p>
-          <a:p>
-            <a:pPr lvl="1"/>
-            <a:r>
-              <a:rPr lang="en-GB" dirty="0" smtClean="0"/>
-              <a:t>Speed (too many points)</a:t>
-            </a:r>
-          </a:p>
-          <a:p>
-            <a:pPr lvl="1"/>
-            <a:r>
-              <a:rPr lang="en-GB" dirty="0" smtClean="0"/>
-              <a:t>Larger point density close to Kinect</a:t>
-            </a:r>
-          </a:p>
-          <a:p>
-            <a:r>
-              <a:rPr lang="en-GB" dirty="0" smtClean="0"/>
-              <a:t>PCL’s built in filter creates a 3D voxel grid over the point cloud data</a:t>
-            </a:r>
-          </a:p>
-          <a:p>
-            <a:pPr lvl="1"/>
-            <a:r>
-              <a:rPr lang="en-GB" dirty="0" err="1" smtClean="0"/>
-              <a:t>Downsamples</a:t>
-            </a:r>
-            <a:r>
-              <a:rPr lang="en-GB" dirty="0" smtClean="0"/>
-              <a:t> using centroids of all points in voxel</a:t>
-            </a:r>
-            <a:r>
-              <a:rPr lang="en-GB" baseline="30000" dirty="0" smtClean="0"/>
-              <a:t>[1]</a:t>
-            </a:r>
-          </a:p>
-          <a:p>
-            <a:pPr lvl="1"/>
-            <a:endParaRPr lang="en-GB" dirty="0" smtClean="0"/>
-          </a:p>
-        </p:txBody>
-      </p:sp>
-      <p:pic>
-        <p:nvPicPr>
-          <p:cNvPr id="2050" name="Picture 2" descr="H:\kinect-wheelchair\figures\003-RANSAC-ground-plane-detection.png"/>
-          <p:cNvPicPr>
-            <a:picLocks noChangeAspect="1" noChangeArrowheads="1"/>
-          </p:cNvPicPr>
-          <p:nvPr/>
-        </p:nvPicPr>
-        <p:blipFill>
-          <a:blip r:embed="rId2" cstate="print">
-            <a:extLst>
-              <a:ext uri="{28A0092B-C50C-407E-A947-70E740481C1C}">
-                <a14:useLocalDpi xmlns:a14="http://schemas.microsoft.com/office/drawing/2010/main" val="0"/>
-              </a:ext>
-            </a:extLst>
-          </a:blip>
-          <a:srcRect/>
-          <a:stretch>
-            <a:fillRect/>
-          </a:stretch>
-        </p:blipFill>
-        <p:spPr bwMode="auto">
-          <a:xfrm>
-            <a:off x="5220071" y="1484784"/>
-            <a:ext cx="3600401" cy="2167716"/>
-          </a:xfrm>
-          <a:prstGeom prst="rect">
-            <a:avLst/>
-          </a:prstGeom>
-          <a:noFill/>
-          <a:extLst>
-            <a:ext uri="{909E8E84-426E-40DD-AFC4-6F175D3DCCD1}">
-              <a14:hiddenFill xmlns:a14="http://schemas.microsoft.com/office/drawing/2010/main">
-                <a:solidFill>
-                  <a:srgbClr val="FFFFFF"/>
-                </a:solidFill>
-              </a14:hiddenFill>
-            </a:ext>
-          </a:extLst>
-        </p:spPr>
-      </p:pic>
-      <p:pic>
-        <p:nvPicPr>
-          <p:cNvPr id="2051" name="Picture 3" descr="H:\kinect-wheelchair\figures\004-voxel-downsampling.png"/>
-          <p:cNvPicPr>
-            <a:picLocks noChangeAspect="1" noChangeArrowheads="1"/>
-          </p:cNvPicPr>
-          <p:nvPr/>
-        </p:nvPicPr>
-        <p:blipFill>
-          <a:blip r:embed="rId3">
-            <a:extLst>
-              <a:ext uri="{BEBA8EAE-BF5A-486C-A8C5-ECC9F3942E4B}">
-                <a14:imgProps xmlns:a14="http://schemas.microsoft.com/office/drawing/2010/main">
-                  <a14:imgLayer r:embed="rId4">
-                    <a14:imgEffect>
-                      <a14:brightnessContrast bright="91000" contrast="100000"/>
-                    </a14:imgEffect>
-                  </a14:imgLayer>
-                </a14:imgProps>
-              </a:ext>
-              <a:ext uri="{28A0092B-C50C-407E-A947-70E740481C1C}">
-                <a14:useLocalDpi xmlns:a14="http://schemas.microsoft.com/office/drawing/2010/main" val="0"/>
-              </a:ext>
-            </a:extLst>
-          </a:blip>
-          <a:srcRect/>
-          <a:stretch>
-            <a:fillRect/>
-          </a:stretch>
-        </p:blipFill>
-        <p:spPr bwMode="auto">
-          <a:xfrm>
-            <a:off x="5220072" y="4092622"/>
-            <a:ext cx="3600400" cy="2288706"/>
-          </a:xfrm>
-          <a:prstGeom prst="rect">
-            <a:avLst/>
-          </a:prstGeom>
-          <a:noFill/>
-          <a:extLst>
-            <a:ext uri="{909E8E84-426E-40DD-AFC4-6F175D3DCCD1}">
-              <a14:hiddenFill xmlns:a14="http://schemas.microsoft.com/office/drawing/2010/main">
-                <a:solidFill>
-                  <a:srgbClr val="FFFFFF"/>
-                </a:solidFill>
-              </a14:hiddenFill>
-            </a:ext>
-          </a:extLst>
-        </p:spPr>
-      </p:pic>
-      <p:sp>
-        <p:nvSpPr>
-          <p:cNvPr id="5" name="Down Arrow 4"/>
-          <p:cNvSpPr/>
-          <p:nvPr/>
-        </p:nvSpPr>
-        <p:spPr>
-          <a:xfrm>
-            <a:off x="6660232" y="3429000"/>
-            <a:ext cx="576064" cy="864096"/>
-          </a:xfrm>
-          <a:prstGeom prst="downArrow">
-            <a:avLst/>
-          </a:prstGeom>
-        </p:spPr>
-        <p:style>
-          <a:lnRef idx="2">
-            <a:schemeClr val="dk1"/>
-          </a:lnRef>
-          <a:fillRef idx="1">
-            <a:schemeClr val="lt1"/>
-          </a:fillRef>
-          <a:effectRef idx="0">
-            <a:schemeClr val="dk1"/>
-          </a:effectRef>
-          <a:fontRef idx="minor">
-            <a:schemeClr val="dk1"/>
-          </a:fontRef>
-        </p:style>
-        <p:txBody>
-          <a:bodyPr rtlCol="0" anchor="ctr"/>
-          <a:lstStyle/>
-          <a:p>
-            <a:pPr algn="ctr"/>
-            <a:endParaRPr lang="en-GB"/>
-          </a:p>
-        </p:txBody>
-      </p:sp>
-      <p:sp>
-        <p:nvSpPr>
-          <p:cNvPr id="6" name="Rectangle 5"/>
-          <p:cNvSpPr/>
-          <p:nvPr/>
-        </p:nvSpPr>
-        <p:spPr>
-          <a:xfrm>
-            <a:off x="107504" y="6525344"/>
-            <a:ext cx="5004048" cy="276999"/>
-          </a:xfrm>
-          <a:prstGeom prst="rect">
-            <a:avLst/>
-          </a:prstGeom>
-        </p:spPr>
-        <p:txBody>
-          <a:bodyPr wrap="square">
-            <a:spAutoFit/>
-          </a:bodyPr>
-          <a:lstStyle/>
-          <a:p>
-            <a:r>
-              <a:rPr lang="en-GB" sz="1200" dirty="0" smtClean="0"/>
-              <a:t>[1] http://docs.pointclouds.org/trunk/classpcl_1_1_voxel_grid.html#_details</a:t>
-            </a:r>
-            <a:endParaRPr lang="en-GB" sz="1200" dirty="0"/>
-          </a:p>
-        </p:txBody>
-      </p:sp>
-    </p:spTree>
-    <p:extLst>
-      <p:ext uri="{BB962C8B-B14F-4D97-AF65-F5344CB8AC3E}">
-        <p14:creationId xmlns:p14="http://schemas.microsoft.com/office/powerpoint/2010/main" val="3142039948"/>
       </p:ext>
     </p:extLst>
   </p:cSld>
